--- a/Windows Powershell-basics.pptx
+++ b/Windows Powershell-basics.pptx
@@ -19,24 +19,21 @@
     <p:sldId id="267" r:id="rId13"/>
     <p:sldId id="273" r:id="rId14"/>
     <p:sldId id="274" r:id="rId15"/>
-    <p:sldId id="275" r:id="rId16"/>
-    <p:sldId id="276" r:id="rId17"/>
-    <p:sldId id="279" r:id="rId18"/>
-    <p:sldId id="280" r:id="rId19"/>
-    <p:sldId id="281" r:id="rId20"/>
-    <p:sldId id="282" r:id="rId21"/>
-    <p:sldId id="283" r:id="rId22"/>
-    <p:sldId id="284" r:id="rId23"/>
-    <p:sldId id="285" r:id="rId24"/>
-    <p:sldId id="286" r:id="rId25"/>
-    <p:sldId id="287" r:id="rId26"/>
-    <p:sldId id="288" r:id="rId27"/>
-    <p:sldId id="289" r:id="rId28"/>
-    <p:sldId id="290" r:id="rId29"/>
-    <p:sldId id="291" r:id="rId30"/>
-    <p:sldId id="292" r:id="rId31"/>
-    <p:sldId id="293" r:id="rId32"/>
-    <p:sldId id="294" r:id="rId33"/>
+    <p:sldId id="295" r:id="rId16"/>
+    <p:sldId id="275" r:id="rId17"/>
+    <p:sldId id="276" r:id="rId18"/>
+    <p:sldId id="279" r:id="rId19"/>
+    <p:sldId id="280" r:id="rId20"/>
+    <p:sldId id="296" r:id="rId21"/>
+    <p:sldId id="297" r:id="rId22"/>
+    <p:sldId id="298" r:id="rId23"/>
+    <p:sldId id="299" r:id="rId24"/>
+    <p:sldId id="300" r:id="rId25"/>
+    <p:sldId id="290" r:id="rId26"/>
+    <p:sldId id="291" r:id="rId27"/>
+    <p:sldId id="292" r:id="rId28"/>
+    <p:sldId id="293" r:id="rId29"/>
+    <p:sldId id="294" r:id="rId30"/>
   </p:sldIdLst>
   <p:sldSz cx="12192000" cy="6858000"/>
   <p:notesSz cx="6858000" cy="9144000"/>
@@ -292,7 +289,7 @@
           <a:p>
             <a:fld id="{8B8CBDFF-462B-47C4-B2D0-FA7D35DAFB29}" type="datetimeFigureOut">
               <a:rPr lang="en-IN" smtClean="0"/>
-              <a:t>03-10-2022</a:t>
+              <a:t>06-10-2022</a:t>
             </a:fld>
             <a:endParaRPr lang="en-IN"/>
           </a:p>
@@ -492,7 +489,7 @@
           <a:p>
             <a:fld id="{8B8CBDFF-462B-47C4-B2D0-FA7D35DAFB29}" type="datetimeFigureOut">
               <a:rPr lang="en-IN" smtClean="0"/>
-              <a:t>03-10-2022</a:t>
+              <a:t>06-10-2022</a:t>
             </a:fld>
             <a:endParaRPr lang="en-IN"/>
           </a:p>
@@ -702,7 +699,7 @@
           <a:p>
             <a:fld id="{8B8CBDFF-462B-47C4-B2D0-FA7D35DAFB29}" type="datetimeFigureOut">
               <a:rPr lang="en-IN" smtClean="0"/>
-              <a:t>03-10-2022</a:t>
+              <a:t>06-10-2022</a:t>
             </a:fld>
             <a:endParaRPr lang="en-IN"/>
           </a:p>
@@ -902,7 +899,7 @@
           <a:p>
             <a:fld id="{8B8CBDFF-462B-47C4-B2D0-FA7D35DAFB29}" type="datetimeFigureOut">
               <a:rPr lang="en-IN" smtClean="0"/>
-              <a:t>03-10-2022</a:t>
+              <a:t>06-10-2022</a:t>
             </a:fld>
             <a:endParaRPr lang="en-IN"/>
           </a:p>
@@ -1178,7 +1175,7 @@
           <a:p>
             <a:fld id="{8B8CBDFF-462B-47C4-B2D0-FA7D35DAFB29}" type="datetimeFigureOut">
               <a:rPr lang="en-IN" smtClean="0"/>
-              <a:t>03-10-2022</a:t>
+              <a:t>06-10-2022</a:t>
             </a:fld>
             <a:endParaRPr lang="en-IN"/>
           </a:p>
@@ -1446,7 +1443,7 @@
           <a:p>
             <a:fld id="{8B8CBDFF-462B-47C4-B2D0-FA7D35DAFB29}" type="datetimeFigureOut">
               <a:rPr lang="en-IN" smtClean="0"/>
-              <a:t>03-10-2022</a:t>
+              <a:t>06-10-2022</a:t>
             </a:fld>
             <a:endParaRPr lang="en-IN"/>
           </a:p>
@@ -1861,7 +1858,7 @@
           <a:p>
             <a:fld id="{8B8CBDFF-462B-47C4-B2D0-FA7D35DAFB29}" type="datetimeFigureOut">
               <a:rPr lang="en-IN" smtClean="0"/>
-              <a:t>03-10-2022</a:t>
+              <a:t>06-10-2022</a:t>
             </a:fld>
             <a:endParaRPr lang="en-IN"/>
           </a:p>
@@ -2003,7 +2000,7 @@
           <a:p>
             <a:fld id="{8B8CBDFF-462B-47C4-B2D0-FA7D35DAFB29}" type="datetimeFigureOut">
               <a:rPr lang="en-IN" smtClean="0"/>
-              <a:t>03-10-2022</a:t>
+              <a:t>06-10-2022</a:t>
             </a:fld>
             <a:endParaRPr lang="en-IN"/>
           </a:p>
@@ -2116,7 +2113,7 @@
           <a:p>
             <a:fld id="{8B8CBDFF-462B-47C4-B2D0-FA7D35DAFB29}" type="datetimeFigureOut">
               <a:rPr lang="en-IN" smtClean="0"/>
-              <a:t>03-10-2022</a:t>
+              <a:t>06-10-2022</a:t>
             </a:fld>
             <a:endParaRPr lang="en-IN"/>
           </a:p>
@@ -2429,7 +2426,7 @@
           <a:p>
             <a:fld id="{8B8CBDFF-462B-47C4-B2D0-FA7D35DAFB29}" type="datetimeFigureOut">
               <a:rPr lang="en-IN" smtClean="0"/>
-              <a:t>03-10-2022</a:t>
+              <a:t>06-10-2022</a:t>
             </a:fld>
             <a:endParaRPr lang="en-IN"/>
           </a:p>
@@ -2718,7 +2715,7 @@
           <a:p>
             <a:fld id="{8B8CBDFF-462B-47C4-B2D0-FA7D35DAFB29}" type="datetimeFigureOut">
               <a:rPr lang="en-IN" smtClean="0"/>
-              <a:t>03-10-2022</a:t>
+              <a:t>06-10-2022</a:t>
             </a:fld>
             <a:endParaRPr lang="en-IN"/>
           </a:p>
@@ -2961,7 +2958,7 @@
           <a:p>
             <a:fld id="{8B8CBDFF-462B-47C4-B2D0-FA7D35DAFB29}" type="datetimeFigureOut">
               <a:rPr lang="en-IN" smtClean="0"/>
-              <a:t>03-10-2022</a:t>
+              <a:t>06-10-2022</a:t>
             </a:fld>
             <a:endParaRPr lang="en-IN"/>
           </a:p>
@@ -5230,6 +5227,568 @@
           <p:cNvPr id="2" name="Title 1">
             <a:extLst>
               <a:ext uri="{FF2B5EF4-FFF2-40B4-BE49-F238E27FC236}">
+                <a16:creationId xmlns:a16="http://schemas.microsoft.com/office/drawing/2014/main" id="{4228F469-908F-0115-9F4F-753C3F410944}"/>
+              </a:ext>
+            </a:extLst>
+          </p:cNvPr>
+          <p:cNvSpPr>
+            <a:spLocks noGrp="1"/>
+          </p:cNvSpPr>
+          <p:nvPr>
+            <p:ph type="title"/>
+          </p:nvPr>
+        </p:nvSpPr>
+        <p:spPr/>
+        <p:txBody>
+          <a:bodyPr>
+            <a:normAutofit/>
+          </a:bodyPr>
+          <a:lstStyle/>
+          <a:p>
+            <a:r>
+              <a:rPr lang="en-US" sz="2000" dirty="0"/>
+              <a:t>Arithmetic operators contd..</a:t>
+            </a:r>
+            <a:br>
+              <a:rPr lang="en-US" sz="2000" dirty="0"/>
+            </a:br>
+            <a:r>
+              <a:rPr lang="en-US" sz="2000" dirty="0"/>
+              <a:t>$A holds 30 and $b holds 20</a:t>
+            </a:r>
+            <a:endParaRPr lang="en-IN" sz="2000" dirty="0"/>
+          </a:p>
+        </p:txBody>
+      </p:sp>
+      <p:graphicFrame>
+        <p:nvGraphicFramePr>
+          <p:cNvPr id="13" name="Table 13">
+            <a:extLst>
+              <a:ext uri="{FF2B5EF4-FFF2-40B4-BE49-F238E27FC236}">
+                <a16:creationId xmlns:a16="http://schemas.microsoft.com/office/drawing/2014/main" id="{83499C0B-828B-3BD0-B6E6-169DCBBED9C8}"/>
+              </a:ext>
+            </a:extLst>
+          </p:cNvPr>
+          <p:cNvGraphicFramePr>
+            <a:graphicFrameLocks noGrp="1"/>
+          </p:cNvGraphicFramePr>
+          <p:nvPr>
+            <p:ph idx="1"/>
+            <p:extLst>
+              <p:ext uri="{D42A27DB-BD31-4B8C-83A1-F6EECF244321}">
+                <p14:modId xmlns:p14="http://schemas.microsoft.com/office/powerpoint/2010/main" val="4121595080"/>
+              </p:ext>
+            </p:extLst>
+          </p:nvPr>
+        </p:nvGraphicFramePr>
+        <p:xfrm>
+          <a:off x="838200" y="1825625"/>
+          <a:ext cx="10515597" cy="4789370"/>
+        </p:xfrm>
+        <a:graphic>
+          <a:graphicData uri="http://schemas.openxmlformats.org/drawingml/2006/table">
+            <a:tbl>
+              <a:tblPr firstRow="1" bandRow="1">
+                <a:tableStyleId>{5C22544A-7EE6-4342-B048-85BDC9FD1C3A}</a:tableStyleId>
+              </a:tblPr>
+              <a:tblGrid>
+                <a:gridCol w="3505199">
+                  <a:extLst>
+                    <a:ext uri="{9D8B030D-6E8A-4147-A177-3AD203B41FA5}">
+                      <a16:colId xmlns:a16="http://schemas.microsoft.com/office/drawing/2014/main" val="3467058012"/>
+                    </a:ext>
+                  </a:extLst>
+                </a:gridCol>
+                <a:gridCol w="3505199">
+                  <a:extLst>
+                    <a:ext uri="{9D8B030D-6E8A-4147-A177-3AD203B41FA5}">
+                      <a16:colId xmlns:a16="http://schemas.microsoft.com/office/drawing/2014/main" val="1153081087"/>
+                    </a:ext>
+                  </a:extLst>
+                </a:gridCol>
+                <a:gridCol w="3505199">
+                  <a:extLst>
+                    <a:ext uri="{9D8B030D-6E8A-4147-A177-3AD203B41FA5}">
+                      <a16:colId xmlns:a16="http://schemas.microsoft.com/office/drawing/2014/main" val="2736286018"/>
+                    </a:ext>
+                  </a:extLst>
+                </a:gridCol>
+              </a:tblGrid>
+              <a:tr h="370840">
+                <a:tc>
+                  <a:txBody>
+                    <a:bodyPr/>
+                    <a:lstStyle/>
+                    <a:p>
+                      <a:pPr algn="ctr"/>
+                      <a:r>
+                        <a:rPr lang="en-IN" sz="1600" b="1" dirty="0">
+                          <a:effectLst/>
+                        </a:rPr>
+                        <a:t>Operator</a:t>
+                      </a:r>
+                      <a:endParaRPr lang="en-IN" sz="1600" dirty="0">
+                        <a:effectLst/>
+                      </a:endParaRPr>
+                    </a:p>
+                  </a:txBody>
+                  <a:tcPr marL="41441" marR="41441" marT="20721" marB="20721" anchor="ctr"/>
+                </a:tc>
+                <a:tc>
+                  <a:txBody>
+                    <a:bodyPr/>
+                    <a:lstStyle/>
+                    <a:p>
+                      <a:pPr algn="ctr"/>
+                      <a:r>
+                        <a:rPr lang="en-IN" sz="1600" b="1">
+                          <a:effectLst/>
+                        </a:rPr>
+                        <a:t>Description</a:t>
+                      </a:r>
+                      <a:endParaRPr lang="en-IN" sz="1600">
+                        <a:effectLst/>
+                      </a:endParaRPr>
+                    </a:p>
+                  </a:txBody>
+                  <a:tcPr marL="41441" marR="41441" marT="20721" marB="20721" anchor="ctr"/>
+                </a:tc>
+                <a:tc>
+                  <a:txBody>
+                    <a:bodyPr/>
+                    <a:lstStyle/>
+                    <a:p>
+                      <a:pPr algn="ctr"/>
+                      <a:r>
+                        <a:rPr lang="en-IN" sz="1600" b="1">
+                          <a:effectLst/>
+                        </a:rPr>
+                        <a:t>Example</a:t>
+                      </a:r>
+                      <a:endParaRPr lang="en-IN" sz="1600">
+                        <a:effectLst/>
+                      </a:endParaRPr>
+                    </a:p>
+                  </a:txBody>
+                  <a:tcPr marL="41441" marR="41441" marT="20721" marB="20721" anchor="ctr"/>
+                </a:tc>
+                <a:extLst>
+                  <a:ext uri="{0D108BD9-81ED-4DB2-BD59-A6C34878D82A}">
+                    <a16:rowId xmlns:a16="http://schemas.microsoft.com/office/drawing/2014/main" val="937945280"/>
+                  </a:ext>
+                </a:extLst>
+              </a:tr>
+              <a:tr h="370840">
+                <a:tc>
+                  <a:txBody>
+                    <a:bodyPr/>
+                    <a:lstStyle/>
+                    <a:p>
+                      <a:r>
+                        <a:rPr lang="en-IN" sz="1600">
+                          <a:effectLst/>
+                        </a:rPr>
+                        <a:t>+ (Addition)</a:t>
+                      </a:r>
+                    </a:p>
+                  </a:txBody>
+                  <a:tcPr marL="41441" marR="41441" marT="20721" marB="20721" anchor="ctr"/>
+                </a:tc>
+                <a:tc>
+                  <a:txBody>
+                    <a:bodyPr/>
+                    <a:lstStyle/>
+                    <a:p>
+                      <a:r>
+                        <a:rPr lang="en-US" sz="1600">
+                          <a:effectLst/>
+                        </a:rPr>
+                        <a:t>This operator is used for adding values on either side of the operator.</a:t>
+                      </a:r>
+                    </a:p>
+                  </a:txBody>
+                  <a:tcPr marL="41441" marR="41441" marT="20721" marB="20721" anchor="ctr"/>
+                </a:tc>
+                <a:tc>
+                  <a:txBody>
+                    <a:bodyPr/>
+                    <a:lstStyle/>
+                    <a:p>
+                      <a:r>
+                        <a:rPr lang="en-US" sz="1600">
+                          <a:effectLst/>
+                        </a:rPr>
+                        <a:t>A + B will give 40</a:t>
+                      </a:r>
+                    </a:p>
+                  </a:txBody>
+                  <a:tcPr marL="41441" marR="41441" marT="20721" marB="20721" anchor="ctr"/>
+                </a:tc>
+                <a:extLst>
+                  <a:ext uri="{0D108BD9-81ED-4DB2-BD59-A6C34878D82A}">
+                    <a16:rowId xmlns:a16="http://schemas.microsoft.com/office/drawing/2014/main" val="455565429"/>
+                  </a:ext>
+                </a:extLst>
+              </a:tr>
+              <a:tr h="370840">
+                <a:tc>
+                  <a:txBody>
+                    <a:bodyPr/>
+                    <a:lstStyle/>
+                    <a:p>
+                      <a:r>
+                        <a:rPr lang="en-IN" sz="1600">
+                          <a:effectLst/>
+                        </a:rPr>
+                        <a:t>- (Subtraction)</a:t>
+                      </a:r>
+                    </a:p>
+                  </a:txBody>
+                  <a:tcPr marL="41441" marR="41441" marT="20721" marB="20721" anchor="ctr"/>
+                </a:tc>
+                <a:tc>
+                  <a:txBody>
+                    <a:bodyPr/>
+                    <a:lstStyle/>
+                    <a:p>
+                      <a:r>
+                        <a:rPr lang="en-US" sz="1600">
+                          <a:effectLst/>
+                        </a:rPr>
+                        <a:t>This operator is used for subtracting right-hand operand from the left-hand operand.</a:t>
+                      </a:r>
+                    </a:p>
+                  </a:txBody>
+                  <a:tcPr marL="41441" marR="41441" marT="20721" marB="20721" anchor="ctr"/>
+                </a:tc>
+                <a:tc>
+                  <a:txBody>
+                    <a:bodyPr/>
+                    <a:lstStyle/>
+                    <a:p>
+                      <a:r>
+                        <a:rPr lang="en-US" sz="1600">
+                          <a:effectLst/>
+                        </a:rPr>
+                        <a:t>A - B will give -20</a:t>
+                      </a:r>
+                    </a:p>
+                  </a:txBody>
+                  <a:tcPr marL="41441" marR="41441" marT="20721" marB="20721" anchor="ctr"/>
+                </a:tc>
+                <a:extLst>
+                  <a:ext uri="{0D108BD9-81ED-4DB2-BD59-A6C34878D82A}">
+                    <a16:rowId xmlns:a16="http://schemas.microsoft.com/office/drawing/2014/main" val="1832450088"/>
+                  </a:ext>
+                </a:extLst>
+              </a:tr>
+              <a:tr h="370840">
+                <a:tc>
+                  <a:txBody>
+                    <a:bodyPr/>
+                    <a:lstStyle/>
+                    <a:p>
+                      <a:r>
+                        <a:rPr lang="en-IN" sz="1600">
+                          <a:effectLst/>
+                        </a:rPr>
+                        <a:t>* (Multiplication)</a:t>
+                      </a:r>
+                    </a:p>
+                  </a:txBody>
+                  <a:tcPr marL="41441" marR="41441" marT="20721" marB="20721" anchor="ctr"/>
+                </a:tc>
+                <a:tc>
+                  <a:txBody>
+                    <a:bodyPr/>
+                    <a:lstStyle/>
+                    <a:p>
+                      <a:r>
+                        <a:rPr lang="en-US" sz="1600">
+                          <a:effectLst/>
+                        </a:rPr>
+                        <a:t>This operator is used for multiplying values on either side of the operator.</a:t>
+                      </a:r>
+                    </a:p>
+                  </a:txBody>
+                  <a:tcPr marL="41441" marR="41441" marT="20721" marB="20721" anchor="ctr"/>
+                </a:tc>
+                <a:tc>
+                  <a:txBody>
+                    <a:bodyPr/>
+                    <a:lstStyle/>
+                    <a:p>
+                      <a:r>
+                        <a:rPr lang="en-US" sz="1600">
+                          <a:effectLst/>
+                        </a:rPr>
+                        <a:t>A * B will give 300</a:t>
+                      </a:r>
+                    </a:p>
+                  </a:txBody>
+                  <a:tcPr marL="41441" marR="41441" marT="20721" marB="20721" anchor="ctr"/>
+                </a:tc>
+                <a:extLst>
+                  <a:ext uri="{0D108BD9-81ED-4DB2-BD59-A6C34878D82A}">
+                    <a16:rowId xmlns:a16="http://schemas.microsoft.com/office/drawing/2014/main" val="2286034684"/>
+                  </a:ext>
+                </a:extLst>
+              </a:tr>
+              <a:tr h="370840">
+                <a:tc>
+                  <a:txBody>
+                    <a:bodyPr/>
+                    <a:lstStyle/>
+                    <a:p>
+                      <a:r>
+                        <a:rPr lang="en-IN" sz="1600" dirty="0">
+                          <a:effectLst/>
+                        </a:rPr>
+                        <a:t>/ (Division)</a:t>
+                      </a:r>
+                    </a:p>
+                  </a:txBody>
+                  <a:tcPr marL="41441" marR="41441" marT="20721" marB="20721" anchor="ctr"/>
+                </a:tc>
+                <a:tc>
+                  <a:txBody>
+                    <a:bodyPr/>
+                    <a:lstStyle/>
+                    <a:p>
+                      <a:r>
+                        <a:rPr lang="en-US" sz="1600">
+                          <a:effectLst/>
+                        </a:rPr>
+                        <a:t>This operator is used for dividing left-hand operand by right-hand operand.</a:t>
+                      </a:r>
+                    </a:p>
+                  </a:txBody>
+                  <a:tcPr marL="41441" marR="41441" marT="20721" marB="20721" anchor="ctr"/>
+                </a:tc>
+                <a:tc>
+                  <a:txBody>
+                    <a:bodyPr/>
+                    <a:lstStyle/>
+                    <a:p>
+                      <a:r>
+                        <a:rPr lang="en-US" sz="1600" dirty="0">
+                          <a:effectLst/>
+                        </a:rPr>
+                        <a:t>B / A will give 3</a:t>
+                      </a:r>
+                    </a:p>
+                  </a:txBody>
+                  <a:tcPr marL="41441" marR="41441" marT="20721" marB="20721" anchor="ctr"/>
+                </a:tc>
+                <a:extLst>
+                  <a:ext uri="{0D108BD9-81ED-4DB2-BD59-A6C34878D82A}">
+                    <a16:rowId xmlns:a16="http://schemas.microsoft.com/office/drawing/2014/main" val="2362878871"/>
+                  </a:ext>
+                </a:extLst>
+              </a:tr>
+              <a:tr h="370840">
+                <a:tc>
+                  <a:txBody>
+                    <a:bodyPr/>
+                    <a:lstStyle/>
+                    <a:p>
+                      <a:r>
+                        <a:rPr lang="en-IN" sz="1600" dirty="0">
+                          <a:effectLst/>
+                        </a:rPr>
+                        <a:t>% (Modulus)</a:t>
+                      </a:r>
+                    </a:p>
+                  </a:txBody>
+                  <a:tcPr marL="41441" marR="41441" marT="20721" marB="20721" anchor="ctr"/>
+                </a:tc>
+                <a:tc>
+                  <a:txBody>
+                    <a:bodyPr/>
+                    <a:lstStyle/>
+                    <a:p>
+                      <a:r>
+                        <a:rPr lang="en-US" sz="1600">
+                          <a:effectLst/>
+                        </a:rPr>
+                        <a:t>This operator is used for dividing left-hand operand by right-hand operand and returns the remainder.</a:t>
+                      </a:r>
+                    </a:p>
+                  </a:txBody>
+                  <a:tcPr marL="41441" marR="41441" marT="20721" marB="20721" anchor="ctr"/>
+                </a:tc>
+                <a:tc>
+                  <a:txBody>
+                    <a:bodyPr/>
+                    <a:lstStyle/>
+                    <a:p>
+                      <a:r>
+                        <a:rPr lang="en-US" sz="1600" dirty="0">
+                          <a:effectLst/>
+                        </a:rPr>
+                        <a:t>B % A will give 0</a:t>
+                      </a:r>
+                    </a:p>
+                  </a:txBody>
+                  <a:tcPr marL="41441" marR="41441" marT="20721" marB="20721" anchor="ctr"/>
+                </a:tc>
+                <a:extLst>
+                  <a:ext uri="{0D108BD9-81ED-4DB2-BD59-A6C34878D82A}">
+                    <a16:rowId xmlns:a16="http://schemas.microsoft.com/office/drawing/2014/main" val="2409666625"/>
+                  </a:ext>
+                </a:extLst>
+              </a:tr>
+              <a:tr h="0">
+                <a:tc>
+                  <a:txBody>
+                    <a:bodyPr/>
+                    <a:lstStyle/>
+                    <a:p>
+                      <a:r>
+                        <a:rPr lang="en-US" dirty="0"/>
+                        <a:t>++</a:t>
+                      </a:r>
+                    </a:p>
+                    <a:p>
+                      <a:endParaRPr lang="en-US" dirty="0"/>
+                    </a:p>
+                    <a:p>
+                      <a:r>
+                        <a:rPr lang="en-US" dirty="0"/>
+                        <a:t> </a:t>
+                      </a:r>
+                      <a:endParaRPr lang="en-IN" dirty="0"/>
+                    </a:p>
+                  </a:txBody>
+                  <a:tcPr/>
+                </a:tc>
+                <a:tc>
+                  <a:txBody>
+                    <a:bodyPr/>
+                    <a:lstStyle/>
+                    <a:p>
+                      <a:r>
+                        <a:rPr lang="en-US" dirty="0"/>
+                        <a:t>Increment the value by 1</a:t>
+                      </a:r>
+                      <a:endParaRPr lang="en-IN" dirty="0"/>
+                    </a:p>
+                  </a:txBody>
+                  <a:tcPr/>
+                </a:tc>
+                <a:tc>
+                  <a:txBody>
+                    <a:bodyPr/>
+                    <a:lstStyle/>
+                    <a:p>
+                      <a:r>
+                        <a:rPr lang="en-US" dirty="0"/>
+                        <a:t>$a++ or</a:t>
+                      </a:r>
+                    </a:p>
+                    <a:p>
+                      <a:r>
+                        <a:rPr lang="en-US" dirty="0"/>
+                        <a:t>$a=$a+1</a:t>
+                      </a:r>
+                    </a:p>
+                  </a:txBody>
+                  <a:tcPr/>
+                </a:tc>
+                <a:extLst>
+                  <a:ext uri="{0D108BD9-81ED-4DB2-BD59-A6C34878D82A}">
+                    <a16:rowId xmlns:a16="http://schemas.microsoft.com/office/drawing/2014/main" val="240679881"/>
+                  </a:ext>
+                </a:extLst>
+              </a:tr>
+              <a:tr h="370840">
+                <a:tc>
+                  <a:txBody>
+                    <a:bodyPr/>
+                    <a:lstStyle/>
+                    <a:p>
+                      <a:r>
+                        <a:rPr lang="en-US" dirty="0"/>
+                        <a:t>--</a:t>
+                      </a:r>
+                      <a:endParaRPr lang="en-IN" dirty="0"/>
+                    </a:p>
+                  </a:txBody>
+                  <a:tcPr/>
+                </a:tc>
+                <a:tc>
+                  <a:txBody>
+                    <a:bodyPr/>
+                    <a:lstStyle/>
+                    <a:p>
+                      <a:r>
+                        <a:rPr lang="en-US" dirty="0"/>
+                        <a:t>Decrement the value by 1</a:t>
+                      </a:r>
+                      <a:endParaRPr lang="en-IN" dirty="0"/>
+                    </a:p>
+                  </a:txBody>
+                  <a:tcPr/>
+                </a:tc>
+                <a:tc>
+                  <a:txBody>
+                    <a:bodyPr/>
+                    <a:lstStyle/>
+                    <a:p>
+                      <a:r>
+                        <a:rPr lang="en-US" dirty="0"/>
+                        <a:t>$a--  or $a=$a-1</a:t>
+                      </a:r>
+                      <a:endParaRPr lang="en-IN" dirty="0"/>
+                    </a:p>
+                  </a:txBody>
+                  <a:tcPr/>
+                </a:tc>
+                <a:extLst>
+                  <a:ext uri="{0D108BD9-81ED-4DB2-BD59-A6C34878D82A}">
+                    <a16:rowId xmlns:a16="http://schemas.microsoft.com/office/drawing/2014/main" val="499797601"/>
+                  </a:ext>
+                </a:extLst>
+              </a:tr>
+            </a:tbl>
+          </a:graphicData>
+        </a:graphic>
+      </p:graphicFrame>
+    </p:spTree>
+    <p:extLst>
+      <p:ext uri="{BB962C8B-B14F-4D97-AF65-F5344CB8AC3E}">
+        <p14:creationId xmlns:p14="http://schemas.microsoft.com/office/powerpoint/2010/main" val="3205204703"/>
+      </p:ext>
+    </p:extLst>
+  </p:cSld>
+  <p:clrMapOvr>
+    <a:masterClrMapping/>
+  </p:clrMapOvr>
+</p:sld>
+</file>
+
+<file path=ppt/slides/slide16.xml><?xml version="1.0" encoding="utf-8"?>
+<p:sld xmlns:a="http://schemas.openxmlformats.org/drawingml/2006/main" xmlns:r="http://schemas.openxmlformats.org/officeDocument/2006/relationships" xmlns:p="http://schemas.openxmlformats.org/presentationml/2006/main">
+  <p:cSld>
+    <p:spTree>
+      <p:nvGrpSpPr>
+        <p:cNvPr id="1" name=""/>
+        <p:cNvGrpSpPr/>
+        <p:nvPr/>
+      </p:nvGrpSpPr>
+      <p:grpSpPr>
+        <a:xfrm>
+          <a:off x="0" y="0"/>
+          <a:ext cx="0" cy="0"/>
+          <a:chOff x="0" y="0"/>
+          <a:chExt cx="0" cy="0"/>
+        </a:xfrm>
+      </p:grpSpPr>
+      <p:sp>
+        <p:nvSpPr>
+          <p:cNvPr id="2" name="Title 1">
+            <a:extLst>
+              <a:ext uri="{FF2B5EF4-FFF2-40B4-BE49-F238E27FC236}">
                 <a16:creationId xmlns:a16="http://schemas.microsoft.com/office/drawing/2014/main" id="{1DFC22D3-2AA6-FF07-C760-A24AA43D7637}"/>
               </a:ext>
             </a:extLst>
@@ -5254,23 +5813,8 @@
           <a:lstStyle/>
           <a:p>
             <a:r>
-              <a:rPr lang="en-IN" sz="2000" b="1" dirty="0"/>
-              <a:t>Arithmetic operators example:</a:t>
-            </a:r>
-            <a:br>
-              <a:rPr lang="en-IN" sz="2000" b="1" dirty="0"/>
-            </a:br>
-            <a:r>
-              <a:rPr lang="en-IN" sz="2000" b="1" dirty="0" err="1"/>
-              <a:t>add,sub,multiplication,division,modular</a:t>
-            </a:r>
-            <a:r>
-              <a:rPr lang="en-IN" sz="2000" b="1" dirty="0"/>
-              <a:t> </a:t>
-            </a:r>
-            <a:r>
-              <a:rPr lang="en-IN" sz="2000" b="1" dirty="0" err="1"/>
-              <a:t>divison,increment,decrement</a:t>
+              <a:rPr lang="en-US" sz="2000" b="1" dirty="0"/>
+              <a:t>Real time example</a:t>
             </a:r>
             <a:endParaRPr lang="en-IN" sz="2000" b="1" dirty="0"/>
           </a:p>
@@ -5331,81 +5875,133 @@
             <a:pPr marL="0" indent="0">
               <a:buNone/>
             </a:pPr>
+            <a:r>
+              <a:rPr lang="en-US" sz="1600" b="0" i="0" dirty="0">
+                <a:solidFill>
+                  <a:srgbClr val="171717"/>
+                </a:solidFill>
+                <a:effectLst/>
+                <a:highlight>
+                  <a:srgbClr val="00FFFF"/>
+                </a:highlight>
+              </a:rPr>
+              <a:t>6 + 2                        # result = 8</a:t>
+            </a:r>
+          </a:p>
+          <a:p>
+            <a:pPr marL="0" indent="0">
+              <a:buNone/>
+            </a:pPr>
+            <a:r>
+              <a:rPr lang="en-US" sz="1600" b="0" i="0" dirty="0">
+                <a:solidFill>
+                  <a:srgbClr val="171717"/>
+                </a:solidFill>
+                <a:effectLst/>
+                <a:highlight>
+                  <a:srgbClr val="00FFFF"/>
+                </a:highlight>
+              </a:rPr>
+              <a:t>"file" + "name"              # result = "filename"</a:t>
+            </a:r>
+          </a:p>
+          <a:p>
+            <a:pPr marL="0" indent="0">
+              <a:buNone/>
+            </a:pPr>
+            <a:r>
+              <a:rPr lang="en-US" sz="1600" b="0" i="0" dirty="0">
+                <a:solidFill>
+                  <a:srgbClr val="171717"/>
+                </a:solidFill>
+                <a:effectLst/>
+                <a:highlight>
+                  <a:srgbClr val="00FFFF"/>
+                </a:highlight>
+              </a:rPr>
+              <a:t>@(1, "one") + @(2.0, "two")  # result = @(1, "one", 2.0, "two")</a:t>
+            </a:r>
+          </a:p>
+          <a:p>
+            <a:pPr marL="0" indent="0">
+              <a:buNone/>
+            </a:pPr>
+            <a:r>
+              <a:rPr lang="en-US" sz="1600" b="0" i="0" dirty="0">
+                <a:solidFill>
+                  <a:srgbClr val="171717"/>
+                </a:solidFill>
+                <a:effectLst/>
+                <a:highlight>
+                  <a:srgbClr val="00FFFF"/>
+                </a:highlight>
+              </a:rPr>
+              <a:t>@{"one" = 1} + @{"two" = 2}  # result = @{"one" = 1; "two" = 2}</a:t>
+            </a:r>
+          </a:p>
+          <a:p>
+            <a:pPr marL="0" indent="0">
+              <a:buNone/>
+            </a:pPr>
+            <a:r>
+              <a:rPr lang="en-US" sz="1600" b="0" i="0" dirty="0">
+                <a:solidFill>
+                  <a:srgbClr val="171717"/>
+                </a:solidFill>
+                <a:effectLst/>
+                <a:latin typeface="SFMono-Regular"/>
+              </a:rPr>
+              <a:t>(</a:t>
+            </a:r>
+            <a:r>
+              <a:rPr lang="en-US" sz="1600" b="0" i="0" dirty="0">
+                <a:solidFill>
+                  <a:srgbClr val="0101FD"/>
+                </a:solidFill>
+                <a:effectLst/>
+                <a:latin typeface="SFMono-Regular"/>
+              </a:rPr>
+              <a:t>Get-Date</a:t>
+            </a:r>
+            <a:r>
+              <a:rPr lang="en-US" sz="1600" b="0" i="0" dirty="0">
+                <a:solidFill>
+                  <a:srgbClr val="171717"/>
+                </a:solidFill>
+                <a:effectLst/>
+                <a:latin typeface="SFMono-Regular"/>
+              </a:rPr>
+              <a:t>).</a:t>
+            </a:r>
+            <a:r>
+              <a:rPr lang="en-US" sz="1600" b="0" i="0" dirty="0" err="1">
+                <a:solidFill>
+                  <a:srgbClr val="171717"/>
+                </a:solidFill>
+                <a:effectLst/>
+                <a:latin typeface="SFMono-Regular"/>
+              </a:rPr>
+              <a:t>AddDays</a:t>
+            </a:r>
+            <a:r>
+              <a:rPr lang="en-US" sz="1600" b="0" i="0" dirty="0">
+                <a:solidFill>
+                  <a:srgbClr val="171717"/>
+                </a:solidFill>
+                <a:effectLst/>
+                <a:latin typeface="SFMono-Regular"/>
+              </a:rPr>
+              <a:t>(-1)</a:t>
+            </a:r>
             <a:endParaRPr lang="en-US" sz="1600" b="0" i="0" dirty="0">
               <a:solidFill>
                 <a:srgbClr val="171717"/>
               </a:solidFill>
               <a:effectLst/>
-              <a:latin typeface="Segoe UI" panose="020B0502040204020203" pitchFamily="34" charset="0"/>
+              <a:highlight>
+                <a:srgbClr val="00FFFF"/>
+              </a:highlight>
             </a:endParaRPr>
-          </a:p>
-          <a:p>
-            <a:pPr marL="0" indent="0">
-              <a:buNone/>
-            </a:pPr>
-            <a:r>
-              <a:rPr lang="en-US" sz="1600" b="0" i="0" dirty="0">
-                <a:solidFill>
-                  <a:srgbClr val="171717"/>
-                </a:solidFill>
-                <a:effectLst/>
-                <a:highlight>
-                  <a:srgbClr val="00FFFF"/>
-                </a:highlight>
-              </a:rPr>
-              <a:t>6 + 2                        # result = 8</a:t>
-            </a:r>
-          </a:p>
-          <a:p>
-            <a:pPr marL="0" indent="0">
-              <a:buNone/>
-            </a:pPr>
-            <a:r>
-              <a:rPr lang="en-US" sz="1600" b="0" i="0" dirty="0">
-                <a:solidFill>
-                  <a:srgbClr val="171717"/>
-                </a:solidFill>
-                <a:effectLst/>
-                <a:highlight>
-                  <a:srgbClr val="00FFFF"/>
-                </a:highlight>
-              </a:rPr>
-              <a:t>"file" + "name"              # result = "filename"</a:t>
-            </a:r>
-          </a:p>
-          <a:p>
-            <a:pPr marL="0" indent="0">
-              <a:buNone/>
-            </a:pPr>
-            <a:r>
-              <a:rPr lang="en-US" sz="1600" b="0" i="0" dirty="0">
-                <a:solidFill>
-                  <a:srgbClr val="171717"/>
-                </a:solidFill>
-                <a:effectLst/>
-                <a:highlight>
-                  <a:srgbClr val="00FFFF"/>
-                </a:highlight>
-              </a:rPr>
-              <a:t>@(1, "one") + @(2.0, "two")  # result = @(1, "one", 2.0, "two")</a:t>
-            </a:r>
-          </a:p>
-          <a:p>
-            <a:pPr marL="0" indent="0">
-              <a:buNone/>
-            </a:pPr>
-            <a:r>
-              <a:rPr lang="en-US" sz="1600" b="0" i="0" dirty="0">
-                <a:solidFill>
-                  <a:srgbClr val="171717"/>
-                </a:solidFill>
-                <a:effectLst/>
-                <a:highlight>
-                  <a:srgbClr val="00FFFF"/>
-                </a:highlight>
-              </a:rPr>
-              <a:t>@{"one" = 1} + @{"two" = 2}  # result = @{"one" = 1; "two" = 2}</a:t>
-            </a:r>
           </a:p>
           <a:p>
             <a:pPr marL="0" indent="0">
@@ -5543,7 +6139,7 @@
 </p:sld>
 </file>
 
-<file path=ppt/slides/slide16.xml><?xml version="1.0" encoding="utf-8"?>
+<file path=ppt/slides/slide17.xml><?xml version="1.0" encoding="utf-8"?>
 <p:sld xmlns:a="http://schemas.openxmlformats.org/drawingml/2006/main" xmlns:r="http://schemas.openxmlformats.org/officeDocument/2006/relationships" xmlns:p="http://schemas.openxmlformats.org/presentationml/2006/main">
   <p:cSld>
     <p:spTree>
@@ -5581,7 +6177,11 @@
           <a:bodyPr/>
           <a:lstStyle/>
           <a:p>
-            <a:endParaRPr lang="en-IN"/>
+            <a:r>
+              <a:rPr lang="en-US" dirty="0"/>
+              <a:t>examples</a:t>
+            </a:r>
+            <a:endParaRPr lang="en-IN" dirty="0"/>
           </a:p>
         </p:txBody>
       </p:sp>
@@ -5776,7 +6376,7 @@
 </p:sld>
 </file>
 
-<file path=ppt/slides/slide17.xml><?xml version="1.0" encoding="utf-8"?>
+<file path=ppt/slides/slide18.xml><?xml version="1.0" encoding="utf-8"?>
 <p:sld xmlns:a="http://schemas.openxmlformats.org/drawingml/2006/main" xmlns:r="http://schemas.openxmlformats.org/officeDocument/2006/relationships" xmlns:p="http://schemas.openxmlformats.org/presentationml/2006/main">
   <p:cSld>
     <p:spTree>
@@ -5814,7 +6414,11 @@
           <a:bodyPr/>
           <a:lstStyle/>
           <a:p>
-            <a:endParaRPr lang="en-IN"/>
+            <a:r>
+              <a:rPr lang="en-US" dirty="0"/>
+              <a:t>examples</a:t>
+            </a:r>
+            <a:endParaRPr lang="en-IN" dirty="0"/>
           </a:p>
         </p:txBody>
       </p:sp>
@@ -5843,7 +6447,7 @@
           <a:p>
             <a:r>
               <a:rPr lang="en-US" sz="1800" dirty="0"/>
-              <a:t>++ and –</a:t>
+              <a:t>++ and --</a:t>
             </a:r>
           </a:p>
           <a:p>
@@ -5969,7 +6573,7 @@
 </p:sld>
 </file>
 
-<file path=ppt/slides/slide18.xml><?xml version="1.0" encoding="utf-8"?>
+<file path=ppt/slides/slide19.xml><?xml version="1.0" encoding="utf-8"?>
 <p:sld xmlns:a="http://schemas.openxmlformats.org/drawingml/2006/main" xmlns:r="http://schemas.openxmlformats.org/officeDocument/2006/relationships" xmlns:p="http://schemas.openxmlformats.org/presentationml/2006/main">
   <p:cSld>
     <p:spTree>
@@ -6004,500 +6608,495 @@
         </p:nvSpPr>
         <p:spPr/>
         <p:txBody>
-          <a:bodyPr/>
-          <a:lstStyle/>
-          <a:p>
-            <a:r>
-              <a:rPr lang="en-US" dirty="0"/>
-              <a:t>Assignment operator</a:t>
-            </a:r>
-            <a:br>
-              <a:rPr lang="en-US" dirty="0"/>
-            </a:br>
-            <a:endParaRPr lang="en-IN" dirty="0"/>
-          </a:p>
-        </p:txBody>
-      </p:sp>
-      <p:sp>
-        <p:nvSpPr>
-          <p:cNvPr id="3" name="Content Placeholder 2">
-            <a:extLst>
-              <a:ext uri="{FF2B5EF4-FFF2-40B4-BE49-F238E27FC236}">
-                <a16:creationId xmlns:a16="http://schemas.microsoft.com/office/drawing/2014/main" id="{DE4CE292-5846-92BA-B98A-702C30A036AD}"/>
-              </a:ext>
-            </a:extLst>
-          </p:cNvPr>
-          <p:cNvSpPr>
-            <a:spLocks noGrp="1"/>
-          </p:cNvSpPr>
-          <p:nvPr>
-            <p:ph idx="1"/>
-          </p:nvPr>
-        </p:nvSpPr>
-        <p:spPr/>
-        <p:txBody>
           <a:bodyPr>
             <a:normAutofit/>
           </a:bodyPr>
           <a:lstStyle/>
           <a:p>
             <a:r>
-              <a:rPr lang="en-US" sz="1600" dirty="0"/>
-              <a:t>= :</a:t>
-            </a:r>
-          </a:p>
-          <a:p>
-            <a:r>
-              <a:rPr lang="en-US" sz="1600" dirty="0"/>
-              <a:t>Assign the value to the variable</a:t>
-            </a:r>
-          </a:p>
-          <a:p>
-            <a:r>
-              <a:rPr lang="en-US" sz="1600" dirty="0"/>
-              <a:t>Ex:</a:t>
-            </a:r>
-          </a:p>
-          <a:p>
-            <a:r>
-              <a:rPr lang="en-US" sz="1600" dirty="0"/>
-              <a:t>$m=“hello”</a:t>
-            </a:r>
-          </a:p>
-          <a:p>
-            <a:r>
-              <a:rPr lang="en-US" sz="1600" dirty="0"/>
-              <a:t>$x=10</a:t>
-            </a:r>
-          </a:p>
-          <a:p>
-            <a:r>
-              <a:rPr lang="en-US" sz="1600" dirty="0"/>
-              <a:t>We have +=,-=,*=,/=,%= </a:t>
-            </a:r>
-            <a:r>
-              <a:rPr lang="en-US" sz="1600" dirty="0" err="1"/>
-              <a:t>etc</a:t>
-            </a:r>
-            <a:endParaRPr lang="en-US" sz="1600" dirty="0"/>
-          </a:p>
-          <a:p>
-            <a:r>
-              <a:rPr lang="en-IN" sz="1600" b="1" dirty="0"/>
-              <a:t>+=   add and assign</a:t>
-            </a:r>
-          </a:p>
-          <a:p>
-            <a:r>
-              <a:rPr lang="en-IN" sz="1600" b="1" dirty="0"/>
-              <a:t>$x +=5, $x=$x+5</a:t>
-            </a:r>
-          </a:p>
-          <a:p>
-            <a:r>
-              <a:rPr lang="en-IN" sz="1600" b="1" dirty="0"/>
-              <a:t>$x -=3,$x=$x-3</a:t>
-            </a:r>
-          </a:p>
-          <a:p>
-            <a:r>
-              <a:rPr lang="en-IN" sz="1600" b="1" dirty="0" err="1"/>
-              <a:t>Substract</a:t>
-            </a:r>
-            <a:r>
-              <a:rPr lang="en-IN" sz="1600" b="1" dirty="0"/>
-              <a:t> and assign</a:t>
-            </a:r>
-          </a:p>
-          <a:p>
-            <a:r>
-              <a:rPr lang="en-IN" sz="1600" b="1" dirty="0"/>
-              <a:t>*=</a:t>
-            </a:r>
-          </a:p>
-          <a:p>
-            <a:r>
-              <a:rPr lang="en-IN" sz="1600" b="1" dirty="0"/>
-              <a:t>$x *=5,$x=$x*5</a:t>
-            </a:r>
-          </a:p>
-          <a:p>
-            <a:endParaRPr lang="en-IN" sz="1600" b="1" dirty="0"/>
-          </a:p>
-          <a:p>
-            <a:endParaRPr lang="en-IN" sz="1600" b="1" dirty="0"/>
+              <a:rPr lang="en-US" sz="1800" b="1" dirty="0"/>
+              <a:t>Assignment operators</a:t>
+            </a:r>
+            <a:br>
+              <a:rPr lang="en-US" sz="1800" b="1" dirty="0"/>
+            </a:br>
+            <a:r>
+              <a:rPr lang="en-US" sz="1800" b="1" dirty="0"/>
+              <a:t>$x=30,$y=20</a:t>
+            </a:r>
+            <a:endParaRPr lang="en-IN" sz="1800" b="1" dirty="0"/>
           </a:p>
         </p:txBody>
       </p:sp>
+      <p:graphicFrame>
+        <p:nvGraphicFramePr>
+          <p:cNvPr id="4" name="Table 4">
+            <a:extLst>
+              <a:ext uri="{FF2B5EF4-FFF2-40B4-BE49-F238E27FC236}">
+                <a16:creationId xmlns:a16="http://schemas.microsoft.com/office/drawing/2014/main" id="{711347BF-C0B4-D165-D0A4-6F35A87FCE26}"/>
+              </a:ext>
+            </a:extLst>
+          </p:cNvPr>
+          <p:cNvGraphicFramePr>
+            <a:graphicFrameLocks noGrp="1"/>
+          </p:cNvGraphicFramePr>
+          <p:nvPr>
+            <p:ph idx="1"/>
+            <p:extLst>
+              <p:ext uri="{D42A27DB-BD31-4B8C-83A1-F6EECF244321}">
+                <p14:modId xmlns:p14="http://schemas.microsoft.com/office/powerpoint/2010/main" val="4209946444"/>
+              </p:ext>
+            </p:extLst>
+          </p:nvPr>
+        </p:nvGraphicFramePr>
+        <p:xfrm>
+          <a:off x="614678" y="1439545"/>
+          <a:ext cx="10515600" cy="3134360"/>
+        </p:xfrm>
+        <a:graphic>
+          <a:graphicData uri="http://schemas.openxmlformats.org/drawingml/2006/table">
+            <a:tbl>
+              <a:tblPr firstRow="1" bandRow="1">
+                <a:tableStyleId>{5C22544A-7EE6-4342-B048-85BDC9FD1C3A}</a:tableStyleId>
+              </a:tblPr>
+              <a:tblGrid>
+                <a:gridCol w="2006602">
+                  <a:extLst>
+                    <a:ext uri="{9D8B030D-6E8A-4147-A177-3AD203B41FA5}">
+                      <a16:colId xmlns:a16="http://schemas.microsoft.com/office/drawing/2014/main" val="3136982292"/>
+                    </a:ext>
+                  </a:extLst>
+                </a:gridCol>
+                <a:gridCol w="5003798">
+                  <a:extLst>
+                    <a:ext uri="{9D8B030D-6E8A-4147-A177-3AD203B41FA5}">
+                      <a16:colId xmlns:a16="http://schemas.microsoft.com/office/drawing/2014/main" val="3102011706"/>
+                    </a:ext>
+                  </a:extLst>
+                </a:gridCol>
+                <a:gridCol w="3505200">
+                  <a:extLst>
+                    <a:ext uri="{9D8B030D-6E8A-4147-A177-3AD203B41FA5}">
+                      <a16:colId xmlns:a16="http://schemas.microsoft.com/office/drawing/2014/main" val="2544665855"/>
+                    </a:ext>
+                  </a:extLst>
+                </a:gridCol>
+              </a:tblGrid>
+              <a:tr h="370840">
+                <a:tc>
+                  <a:txBody>
+                    <a:bodyPr/>
+                    <a:lstStyle/>
+                    <a:p>
+                      <a:pPr algn="ctr"/>
+                      <a:r>
+                        <a:rPr lang="en-IN" b="1" dirty="0">
+                          <a:effectLst/>
+                        </a:rPr>
+                        <a:t>Operator</a:t>
+                      </a:r>
+                      <a:endParaRPr lang="en-IN" dirty="0">
+                        <a:effectLst/>
+                      </a:endParaRPr>
+                    </a:p>
+                  </a:txBody>
+                  <a:tcPr anchor="ctr"/>
+                </a:tc>
+                <a:tc>
+                  <a:txBody>
+                    <a:bodyPr/>
+                    <a:lstStyle/>
+                    <a:p>
+                      <a:pPr algn="ctr"/>
+                      <a:r>
+                        <a:rPr lang="en-IN" b="1">
+                          <a:effectLst/>
+                        </a:rPr>
+                        <a:t>Description</a:t>
+                      </a:r>
+                      <a:endParaRPr lang="en-IN">
+                        <a:effectLst/>
+                      </a:endParaRPr>
+                    </a:p>
+                  </a:txBody>
+                  <a:tcPr anchor="ctr"/>
+                </a:tc>
+                <a:tc>
+                  <a:txBody>
+                    <a:bodyPr/>
+                    <a:lstStyle/>
+                    <a:p>
+                      <a:pPr algn="ctr"/>
+                      <a:r>
+                        <a:rPr lang="en-IN" b="1">
+                          <a:effectLst/>
+                        </a:rPr>
+                        <a:t>Example</a:t>
+                      </a:r>
+                      <a:endParaRPr lang="en-IN">
+                        <a:effectLst/>
+                      </a:endParaRPr>
+                    </a:p>
+                  </a:txBody>
+                  <a:tcPr anchor="ctr"/>
+                </a:tc>
+                <a:extLst>
+                  <a:ext uri="{0D108BD9-81ED-4DB2-BD59-A6C34878D82A}">
+                    <a16:rowId xmlns:a16="http://schemas.microsoft.com/office/drawing/2014/main" val="861823411"/>
+                  </a:ext>
+                </a:extLst>
+              </a:tr>
+              <a:tr h="370840">
+                <a:tc>
+                  <a:txBody>
+                    <a:bodyPr/>
+                    <a:lstStyle/>
+                    <a:p>
+                      <a:pPr algn="ctr"/>
+                      <a:r>
+                        <a:rPr lang="en-IN" sz="1400" b="1">
+                          <a:effectLst/>
+                        </a:rPr>
+                        <a:t>=</a:t>
+                      </a:r>
+                      <a:endParaRPr lang="en-IN">
+                        <a:effectLst/>
+                      </a:endParaRPr>
+                    </a:p>
+                  </a:txBody>
+                  <a:tcPr anchor="ctr"/>
+                </a:tc>
+                <a:tc>
+                  <a:txBody>
+                    <a:bodyPr/>
+                    <a:lstStyle/>
+                    <a:p>
+                      <a:pPr algn="l"/>
+                      <a:r>
+                        <a:rPr lang="en-US" dirty="0">
+                          <a:effectLst/>
+                        </a:rPr>
+                        <a:t>Assign value to variable</a:t>
+                      </a:r>
+                    </a:p>
+                  </a:txBody>
+                  <a:tcPr anchor="ctr"/>
+                </a:tc>
+                <a:tc>
+                  <a:txBody>
+                    <a:bodyPr/>
+                    <a:lstStyle/>
+                    <a:p>
+                      <a:pPr algn="l"/>
+                      <a:r>
+                        <a:rPr lang="en-US" dirty="0">
+                          <a:effectLst/>
+                        </a:rPr>
+                        <a:t>$z=$x+$</a:t>
+                      </a:r>
+                      <a:r>
+                        <a:rPr lang="en-US" dirty="0" err="1">
+                          <a:effectLst/>
+                        </a:rPr>
+                        <a:t>y,o</a:t>
+                      </a:r>
+                      <a:r>
+                        <a:rPr lang="en-US" dirty="0">
+                          <a:effectLst/>
+                        </a:rPr>
+                        <a:t>/p $x=50</a:t>
+                      </a:r>
+                    </a:p>
+                  </a:txBody>
+                  <a:tcPr anchor="ctr"/>
+                </a:tc>
+                <a:extLst>
+                  <a:ext uri="{0D108BD9-81ED-4DB2-BD59-A6C34878D82A}">
+                    <a16:rowId xmlns:a16="http://schemas.microsoft.com/office/drawing/2014/main" val="13096111"/>
+                  </a:ext>
+                </a:extLst>
+              </a:tr>
+              <a:tr h="370840">
+                <a:tc>
+                  <a:txBody>
+                    <a:bodyPr/>
+                    <a:lstStyle/>
+                    <a:p>
+                      <a:pPr algn="ctr"/>
+                      <a:r>
+                        <a:rPr lang="en-IN" sz="1400" b="1">
+                          <a:effectLst/>
+                        </a:rPr>
+                        <a:t>- =</a:t>
+                      </a:r>
+                      <a:endParaRPr lang="en-IN">
+                        <a:effectLst/>
+                      </a:endParaRPr>
+                    </a:p>
+                  </a:txBody>
+                  <a:tcPr anchor="ctr"/>
+                </a:tc>
+                <a:tc>
+                  <a:txBody>
+                    <a:bodyPr/>
+                    <a:lstStyle/>
+                    <a:p>
+                      <a:r>
+                        <a:rPr lang="en-US" dirty="0">
+                          <a:effectLst/>
+                        </a:rPr>
+                        <a:t>Subtract the right hand side value  and assign</a:t>
+                      </a:r>
+                    </a:p>
+                  </a:txBody>
+                  <a:tcPr anchor="ctr"/>
+                </a:tc>
+                <a:tc>
+                  <a:txBody>
+                    <a:bodyPr/>
+                    <a:lstStyle/>
+                    <a:p>
+                      <a:r>
+                        <a:rPr lang="en-US" dirty="0">
+                          <a:effectLst/>
+                        </a:rPr>
+                        <a:t>$z -= 30(it </a:t>
+                      </a:r>
+                      <a:r>
+                        <a:rPr lang="en-US" dirty="0" err="1">
+                          <a:effectLst/>
+                        </a:rPr>
+                        <a:t>substarct</a:t>
+                      </a:r>
+                      <a:r>
+                        <a:rPr lang="en-US" dirty="0">
+                          <a:effectLst/>
+                        </a:rPr>
+                        <a:t> 30 from $z and assigns the value to $z)</a:t>
+                      </a:r>
+                      <a:endParaRPr lang="pl-PL" dirty="0">
+                        <a:effectLst/>
+                      </a:endParaRPr>
+                    </a:p>
+                  </a:txBody>
+                  <a:tcPr anchor="ctr"/>
+                </a:tc>
+                <a:extLst>
+                  <a:ext uri="{0D108BD9-81ED-4DB2-BD59-A6C34878D82A}">
+                    <a16:rowId xmlns:a16="http://schemas.microsoft.com/office/drawing/2014/main" val="3507445532"/>
+                  </a:ext>
+                </a:extLst>
+              </a:tr>
+              <a:tr h="370840">
+                <a:tc>
+                  <a:txBody>
+                    <a:bodyPr/>
+                    <a:lstStyle/>
+                    <a:p>
+                      <a:pPr algn="ctr"/>
+                      <a:r>
+                        <a:rPr lang="en-IN" sz="1400" b="1">
+                          <a:effectLst/>
+                        </a:rPr>
+                        <a:t>+ =</a:t>
+                      </a:r>
+                      <a:endParaRPr lang="en-IN">
+                        <a:effectLst/>
+                      </a:endParaRPr>
+                    </a:p>
+                  </a:txBody>
+                  <a:tcPr anchor="ctr"/>
+                </a:tc>
+                <a:tc>
+                  <a:txBody>
+                    <a:bodyPr/>
+                    <a:lstStyle/>
+                    <a:p>
+                      <a:r>
+                        <a:rPr lang="en-US" dirty="0">
+                          <a:effectLst/>
+                        </a:rPr>
+                        <a:t>Which is add the right hand side value  and assign</a:t>
+                      </a:r>
+                    </a:p>
+                  </a:txBody>
+                  <a:tcPr anchor="ctr"/>
+                </a:tc>
+                <a:tc>
+                  <a:txBody>
+                    <a:bodyPr/>
+                    <a:lstStyle/>
+                    <a:p>
+                      <a:r>
+                        <a:rPr lang="en-US" dirty="0">
+                          <a:effectLst/>
+                        </a:rPr>
+                        <a:t>$z +=30(it add 30 to $z and assign the value</a:t>
+                      </a:r>
+                      <a:endParaRPr lang="pl-PL" dirty="0">
+                        <a:effectLst/>
+                      </a:endParaRPr>
+                    </a:p>
+                  </a:txBody>
+                  <a:tcPr anchor="ctr"/>
+                </a:tc>
+                <a:extLst>
+                  <a:ext uri="{0D108BD9-81ED-4DB2-BD59-A6C34878D82A}">
+                    <a16:rowId xmlns:a16="http://schemas.microsoft.com/office/drawing/2014/main" val="19218994"/>
+                  </a:ext>
+                </a:extLst>
+              </a:tr>
+              <a:tr h="370840">
+                <a:tc>
+                  <a:txBody>
+                    <a:bodyPr/>
+                    <a:lstStyle/>
+                    <a:p>
+                      <a:r>
+                        <a:rPr lang="en-US" dirty="0"/>
+                        <a:t>             *=</a:t>
+                      </a:r>
+                      <a:endParaRPr lang="en-IN" dirty="0"/>
+                    </a:p>
+                  </a:txBody>
+                  <a:tcPr/>
+                </a:tc>
+                <a:tc>
+                  <a:txBody>
+                    <a:bodyPr/>
+                    <a:lstStyle/>
+                    <a:p>
+                      <a:r>
+                        <a:rPr lang="en-US" dirty="0"/>
+                        <a:t>Multiply and assign</a:t>
+                      </a:r>
+                      <a:endParaRPr lang="en-IN" dirty="0"/>
+                    </a:p>
+                  </a:txBody>
+                  <a:tcPr/>
+                </a:tc>
+                <a:tc>
+                  <a:txBody>
+                    <a:bodyPr/>
+                    <a:lstStyle/>
+                    <a:p>
+                      <a:r>
+                        <a:rPr lang="en-US" dirty="0"/>
+                        <a:t>$z *= 10</a:t>
+                      </a:r>
+                      <a:endParaRPr lang="en-IN" dirty="0"/>
+                    </a:p>
+                  </a:txBody>
+                  <a:tcPr/>
+                </a:tc>
+                <a:extLst>
+                  <a:ext uri="{0D108BD9-81ED-4DB2-BD59-A6C34878D82A}">
+                    <a16:rowId xmlns:a16="http://schemas.microsoft.com/office/drawing/2014/main" val="3848518711"/>
+                  </a:ext>
+                </a:extLst>
+              </a:tr>
+              <a:tr h="370840">
+                <a:tc>
+                  <a:txBody>
+                    <a:bodyPr/>
+                    <a:lstStyle/>
+                    <a:p>
+                      <a:r>
+                        <a:rPr lang="en-US" dirty="0"/>
+                        <a:t>             %=</a:t>
+                      </a:r>
+                      <a:endParaRPr lang="en-IN" dirty="0"/>
+                    </a:p>
+                  </a:txBody>
+                  <a:tcPr/>
+                </a:tc>
+                <a:tc>
+                  <a:txBody>
+                    <a:bodyPr/>
+                    <a:lstStyle/>
+                    <a:p>
+                      <a:r>
+                        <a:rPr lang="en-US" dirty="0"/>
+                        <a:t>Modular </a:t>
+                      </a:r>
+                      <a:r>
+                        <a:rPr lang="en-US" dirty="0" err="1"/>
+                        <a:t>divison</a:t>
+                      </a:r>
+                      <a:r>
+                        <a:rPr lang="en-US" dirty="0"/>
+                        <a:t> and assign</a:t>
+                      </a:r>
+                      <a:endParaRPr lang="en-IN" dirty="0"/>
+                    </a:p>
+                  </a:txBody>
+                  <a:tcPr/>
+                </a:tc>
+                <a:tc>
+                  <a:txBody>
+                    <a:bodyPr/>
+                    <a:lstStyle/>
+                    <a:p>
+                      <a:r>
+                        <a:rPr lang="en-US" dirty="0"/>
+                        <a:t>$z %=30</a:t>
+                      </a:r>
+                      <a:endParaRPr lang="en-IN" dirty="0"/>
+                    </a:p>
+                  </a:txBody>
+                  <a:tcPr/>
+                </a:tc>
+                <a:extLst>
+                  <a:ext uri="{0D108BD9-81ED-4DB2-BD59-A6C34878D82A}">
+                    <a16:rowId xmlns:a16="http://schemas.microsoft.com/office/drawing/2014/main" val="289498305"/>
+                  </a:ext>
+                </a:extLst>
+              </a:tr>
+              <a:tr h="370840">
+                <a:tc>
+                  <a:txBody>
+                    <a:bodyPr/>
+                    <a:lstStyle/>
+                    <a:p>
+                      <a:endParaRPr lang="en-IN" dirty="0"/>
+                    </a:p>
+                  </a:txBody>
+                  <a:tcPr/>
+                </a:tc>
+                <a:tc>
+                  <a:txBody>
+                    <a:bodyPr/>
+                    <a:lstStyle/>
+                    <a:p>
+                      <a:endParaRPr lang="en-IN" dirty="0"/>
+                    </a:p>
+                  </a:txBody>
+                  <a:tcPr/>
+                </a:tc>
+                <a:tc>
+                  <a:txBody>
+                    <a:bodyPr/>
+                    <a:lstStyle/>
+                    <a:p>
+                      <a:endParaRPr lang="en-IN" dirty="0"/>
+                    </a:p>
+                  </a:txBody>
+                  <a:tcPr/>
+                </a:tc>
+                <a:extLst>
+                  <a:ext uri="{0D108BD9-81ED-4DB2-BD59-A6C34878D82A}">
+                    <a16:rowId xmlns:a16="http://schemas.microsoft.com/office/drawing/2014/main" val="3583541786"/>
+                  </a:ext>
+                </a:extLst>
+              </a:tr>
+            </a:tbl>
+          </a:graphicData>
+        </a:graphic>
+      </p:graphicFrame>
     </p:spTree>
     <p:extLst>
       <p:ext uri="{BB962C8B-B14F-4D97-AF65-F5344CB8AC3E}">
         <p14:creationId xmlns:p14="http://schemas.microsoft.com/office/powerpoint/2010/main" val="2458935053"/>
-      </p:ext>
-    </p:extLst>
-  </p:cSld>
-  <p:clrMapOvr>
-    <a:masterClrMapping/>
-  </p:clrMapOvr>
-</p:sld>
-</file>
-
-<file path=ppt/slides/slide19.xml><?xml version="1.0" encoding="utf-8"?>
-<p:sld xmlns:a="http://schemas.openxmlformats.org/drawingml/2006/main" xmlns:r="http://schemas.openxmlformats.org/officeDocument/2006/relationships" xmlns:p="http://schemas.openxmlformats.org/presentationml/2006/main">
-  <p:cSld>
-    <p:spTree>
-      <p:nvGrpSpPr>
-        <p:cNvPr id="1" name=""/>
-        <p:cNvGrpSpPr/>
-        <p:nvPr/>
-      </p:nvGrpSpPr>
-      <p:grpSpPr>
-        <a:xfrm>
-          <a:off x="0" y="0"/>
-          <a:ext cx="0" cy="0"/>
-          <a:chOff x="0" y="0"/>
-          <a:chExt cx="0" cy="0"/>
-        </a:xfrm>
-      </p:grpSpPr>
-      <p:sp>
-        <p:nvSpPr>
-          <p:cNvPr id="2" name="Title 1">
-            <a:extLst>
-              <a:ext uri="{FF2B5EF4-FFF2-40B4-BE49-F238E27FC236}">
-                <a16:creationId xmlns:a16="http://schemas.microsoft.com/office/drawing/2014/main" id="{202F8171-6205-AF27-3589-1769F0E567BA}"/>
-              </a:ext>
-            </a:extLst>
-          </p:cNvPr>
-          <p:cNvSpPr>
-            <a:spLocks noGrp="1"/>
-          </p:cNvSpPr>
-          <p:nvPr>
-            <p:ph type="title"/>
-          </p:nvPr>
-        </p:nvSpPr>
-        <p:spPr>
-          <a:xfrm>
-            <a:off x="838200" y="1"/>
-            <a:ext cx="10515600" cy="1690688"/>
-          </a:xfrm>
-        </p:spPr>
-        <p:txBody>
-          <a:bodyPr>
-            <a:normAutofit/>
-          </a:bodyPr>
-          <a:lstStyle/>
-          <a:p>
-            <a:r>
-              <a:rPr lang="en-US" sz="1800" dirty="0"/>
-              <a:t>Comparison operators:</a:t>
-            </a:r>
-            <a:br>
-              <a:rPr lang="en-US" sz="1800" dirty="0"/>
-            </a:br>
-            <a:r>
-              <a:rPr lang="en-US" sz="1800" dirty="0" err="1"/>
-              <a:t>eqality</a:t>
-            </a:r>
-            <a:r>
-              <a:rPr lang="en-US" sz="1800" dirty="0"/>
-              <a:t> operator:-eq,-ne,-</a:t>
-            </a:r>
-            <a:r>
-              <a:rPr lang="en-US" sz="1800" dirty="0" err="1"/>
-              <a:t>gt</a:t>
-            </a:r>
-            <a:r>
-              <a:rPr lang="en-US" sz="1800" dirty="0"/>
-              <a:t>,-</a:t>
-            </a:r>
-            <a:r>
-              <a:rPr lang="en-US" sz="1800" dirty="0" err="1"/>
-              <a:t>lt</a:t>
-            </a:r>
-            <a:r>
-              <a:rPr lang="en-US" sz="1800" dirty="0"/>
-              <a:t>,-le</a:t>
-            </a:r>
-            <a:br>
-              <a:rPr lang="en-US" sz="1800" dirty="0"/>
-            </a:br>
-            <a:br>
-              <a:rPr lang="en-US" sz="1800" dirty="0"/>
-            </a:br>
-            <a:endParaRPr lang="en-IN" sz="1800" dirty="0"/>
-          </a:p>
-        </p:txBody>
-      </p:sp>
-      <p:sp>
-        <p:nvSpPr>
-          <p:cNvPr id="3" name="Content Placeholder 2">
-            <a:extLst>
-              <a:ext uri="{FF2B5EF4-FFF2-40B4-BE49-F238E27FC236}">
-                <a16:creationId xmlns:a16="http://schemas.microsoft.com/office/drawing/2014/main" id="{5F515539-EACE-267A-5000-4ADDE85F0589}"/>
-              </a:ext>
-            </a:extLst>
-          </p:cNvPr>
-          <p:cNvSpPr>
-            <a:spLocks noGrp="1"/>
-          </p:cNvSpPr>
-          <p:nvPr>
-            <p:ph idx="1"/>
-          </p:nvPr>
-        </p:nvSpPr>
-        <p:spPr/>
-        <p:txBody>
-          <a:bodyPr>
-            <a:normAutofit/>
-          </a:bodyPr>
-          <a:lstStyle/>
-          <a:p>
-            <a:r>
-              <a:rPr lang="en-US" sz="1600" dirty="0"/>
-              <a:t>-eq</a:t>
-            </a:r>
-          </a:p>
-          <a:p>
-            <a:r>
-              <a:rPr lang="en-US" sz="1600" dirty="0"/>
-              <a:t>$y =10, #assign (which assign the value)</a:t>
-            </a:r>
-          </a:p>
-          <a:p>
-            <a:r>
-              <a:rPr lang="en-IN" sz="1600" b="0" i="0" dirty="0">
-                <a:solidFill>
-                  <a:srgbClr val="A31515"/>
-                </a:solidFill>
-                <a:effectLst/>
-                <a:latin typeface="SFMono-Regular"/>
-              </a:rPr>
-              <a:t>"</a:t>
-            </a:r>
-            <a:r>
-              <a:rPr lang="en-IN" sz="1600" b="0" i="0" dirty="0" err="1">
-                <a:solidFill>
-                  <a:srgbClr val="A31515"/>
-                </a:solidFill>
-                <a:effectLst/>
-                <a:latin typeface="SFMono-Regular"/>
-              </a:rPr>
-              <a:t>abc</a:t>
-            </a:r>
-            <a:r>
-              <a:rPr lang="en-IN" sz="1600" b="0" i="0" dirty="0">
-                <a:solidFill>
-                  <a:srgbClr val="A31515"/>
-                </a:solidFill>
-                <a:effectLst/>
-                <a:latin typeface="SFMono-Regular"/>
-              </a:rPr>
-              <a:t>"</a:t>
-            </a:r>
-            <a:r>
-              <a:rPr lang="en-IN" sz="1600" b="0" i="0" dirty="0">
-                <a:solidFill>
-                  <a:srgbClr val="171717"/>
-                </a:solidFill>
-                <a:effectLst/>
-                <a:latin typeface="SFMono-Regular"/>
-              </a:rPr>
-              <a:t>, </a:t>
-            </a:r>
-            <a:r>
-              <a:rPr lang="en-IN" sz="1600" b="0" i="0" dirty="0">
-                <a:solidFill>
-                  <a:srgbClr val="A31515"/>
-                </a:solidFill>
-                <a:effectLst/>
-                <a:latin typeface="SFMono-Regular"/>
-              </a:rPr>
-              <a:t>"def"</a:t>
-            </a:r>
-            <a:r>
-              <a:rPr lang="en-IN" sz="1600" b="0" i="0" dirty="0">
-                <a:solidFill>
-                  <a:srgbClr val="171717"/>
-                </a:solidFill>
-                <a:effectLst/>
-                <a:latin typeface="SFMono-Regular"/>
-              </a:rPr>
-              <a:t> -</a:t>
-            </a:r>
-            <a:r>
-              <a:rPr lang="en-IN" sz="1600" b="0" i="0" dirty="0" err="1">
-                <a:solidFill>
-                  <a:srgbClr val="171717"/>
-                </a:solidFill>
-                <a:effectLst/>
-                <a:latin typeface="SFMono-Regular"/>
-              </a:rPr>
-              <a:t>eq</a:t>
-            </a:r>
-            <a:r>
-              <a:rPr lang="en-IN" sz="1600" b="0" i="0" dirty="0">
-                <a:solidFill>
-                  <a:srgbClr val="171717"/>
-                </a:solidFill>
-                <a:effectLst/>
-                <a:latin typeface="SFMono-Regular"/>
-              </a:rPr>
-              <a:t> </a:t>
-            </a:r>
-            <a:r>
-              <a:rPr lang="en-IN" sz="1600" b="0" i="0" dirty="0">
-                <a:solidFill>
-                  <a:srgbClr val="A31515"/>
-                </a:solidFill>
-                <a:effectLst/>
-                <a:latin typeface="SFMono-Regular"/>
-              </a:rPr>
-              <a:t>"</a:t>
-            </a:r>
-            <a:r>
-              <a:rPr lang="en-IN" sz="1600" b="0" i="0" dirty="0" err="1">
-                <a:solidFill>
-                  <a:srgbClr val="A31515"/>
-                </a:solidFill>
-                <a:effectLst/>
-                <a:latin typeface="SFMono-Regular"/>
-              </a:rPr>
-              <a:t>abc</a:t>
-            </a:r>
-            <a:r>
-              <a:rPr lang="en-IN" sz="1600" b="0" i="0" dirty="0">
-                <a:solidFill>
-                  <a:srgbClr val="A31515"/>
-                </a:solidFill>
-                <a:effectLst/>
-                <a:latin typeface="SFMono-Regular"/>
-              </a:rPr>
-              <a:t>"</a:t>
-            </a:r>
-            <a:r>
-              <a:rPr lang="en-IN" sz="1600" b="0" i="0" dirty="0">
-                <a:solidFill>
-                  <a:srgbClr val="171717"/>
-                </a:solidFill>
-                <a:effectLst/>
-                <a:latin typeface="SFMono-Regular"/>
-              </a:rPr>
-              <a:t> </a:t>
-            </a:r>
-            <a:r>
-              <a:rPr lang="en-IN" sz="1600" b="0" i="0" dirty="0">
-                <a:solidFill>
-                  <a:srgbClr val="008000"/>
-                </a:solidFill>
-                <a:effectLst/>
-                <a:latin typeface="SFMono-Regular"/>
-              </a:rPr>
-              <a:t># Output: </a:t>
-            </a:r>
-            <a:r>
-              <a:rPr lang="en-IN" sz="1600" b="0" i="0" dirty="0" err="1">
-                <a:solidFill>
-                  <a:srgbClr val="008000"/>
-                </a:solidFill>
-                <a:effectLst/>
-                <a:latin typeface="SFMono-Regular"/>
-              </a:rPr>
-              <a:t>abc</a:t>
-            </a:r>
-            <a:endParaRPr lang="en-US" sz="1600" dirty="0"/>
-          </a:p>
-          <a:p>
-            <a:r>
-              <a:rPr lang="en-US" sz="1600" dirty="0"/>
-              <a:t>$y –eq 10  #compare (I am checking if $y value is 10,if its 10 it should be true else it should be false</a:t>
-            </a:r>
-          </a:p>
-          <a:p>
-            <a:r>
-              <a:rPr lang="en-US" sz="1600" dirty="0"/>
-              <a:t>-ne #not equal</a:t>
-            </a:r>
-          </a:p>
-          <a:p>
-            <a:r>
-              <a:rPr lang="en-US" sz="1600" dirty="0"/>
-              <a:t>$y=10</a:t>
-            </a:r>
-          </a:p>
-          <a:p>
-            <a:r>
-              <a:rPr lang="en-US" sz="1600" dirty="0"/>
-              <a:t>$y –ne 11 (10  not equal is always true)</a:t>
-            </a:r>
-          </a:p>
-          <a:p>
-            <a:r>
-              <a:rPr lang="en-US" sz="1600" dirty="0"/>
-              <a:t>Gt –greater than</a:t>
-            </a:r>
-          </a:p>
-          <a:p>
-            <a:r>
-              <a:rPr lang="en-US" sz="1600" dirty="0"/>
-              <a:t>$y –</a:t>
-            </a:r>
-            <a:r>
-              <a:rPr lang="en-US" sz="1600" dirty="0" err="1"/>
-              <a:t>lt</a:t>
-            </a:r>
-            <a:r>
-              <a:rPr lang="en-US" sz="1600" dirty="0"/>
-              <a:t> 10</a:t>
-            </a:r>
-          </a:p>
-          <a:p>
-            <a:r>
-              <a:rPr lang="en-US" sz="1600" dirty="0"/>
-              <a:t>$y –</a:t>
-            </a:r>
-            <a:r>
-              <a:rPr lang="en-US" sz="1600" dirty="0" err="1"/>
-              <a:t>ge</a:t>
-            </a:r>
-            <a:r>
-              <a:rPr lang="en-US" sz="1600" dirty="0"/>
-              <a:t> 10</a:t>
-            </a:r>
-          </a:p>
-          <a:p>
-            <a:r>
-              <a:rPr lang="en-US" sz="1600" dirty="0"/>
-              <a:t>$y –le 10</a:t>
-            </a:r>
-          </a:p>
-          <a:p>
-            <a:r>
-              <a:rPr lang="en-US" sz="1600" dirty="0"/>
-              <a:t>$y –</a:t>
-            </a:r>
-            <a:r>
-              <a:rPr lang="en-US" sz="1600" dirty="0" err="1"/>
-              <a:t>gt</a:t>
-            </a:r>
-            <a:r>
-              <a:rPr lang="en-US" sz="1600" dirty="0"/>
-              <a:t> 5</a:t>
-            </a:r>
-          </a:p>
-          <a:p>
-            <a:endParaRPr lang="en-US" sz="1600" dirty="0"/>
-          </a:p>
-          <a:p>
-            <a:endParaRPr lang="en-US" sz="1600" dirty="0"/>
-          </a:p>
-          <a:p>
-            <a:endParaRPr lang="en-IN" sz="1600" dirty="0"/>
-          </a:p>
-        </p:txBody>
-      </p:sp>
-    </p:spTree>
-    <p:extLst>
-      <p:ext uri="{BB962C8B-B14F-4D97-AF65-F5344CB8AC3E}">
-        <p14:creationId xmlns:p14="http://schemas.microsoft.com/office/powerpoint/2010/main" val="2045210645"/>
       </p:ext>
     </p:extLst>
   </p:cSld>
@@ -6868,7 +7467,7 @@
           <p:cNvPr id="2" name="Title 1">
             <a:extLst>
               <a:ext uri="{FF2B5EF4-FFF2-40B4-BE49-F238E27FC236}">
-                <a16:creationId xmlns:a16="http://schemas.microsoft.com/office/drawing/2014/main" id="{573E283F-FA3E-DDCE-FED5-BE671E0D7AF5}"/>
+                <a16:creationId xmlns:a16="http://schemas.microsoft.com/office/drawing/2014/main" id="{7601A33F-F630-876A-B0F6-5073C3C92B38}"/>
               </a:ext>
             </a:extLst>
           </p:cNvPr>
@@ -6887,17 +7486,10 @@
           <a:lstStyle/>
           <a:p>
             <a:r>
-              <a:rPr lang="en-US" sz="2000" dirty="0"/>
-              <a:t>Logical operators</a:t>
-            </a:r>
-            <a:br>
-              <a:rPr lang="en-US" sz="2000" dirty="0"/>
-            </a:br>
-            <a:r>
-              <a:rPr lang="en-US" sz="2000" dirty="0"/>
-              <a:t>!,-not,-and,-or</a:t>
-            </a:r>
-            <a:endParaRPr lang="en-IN" sz="2000" dirty="0"/>
+              <a:rPr lang="en-US" sz="1800" b="1" dirty="0"/>
+              <a:t>Realtime examples</a:t>
+            </a:r>
+            <a:endParaRPr lang="en-IN" sz="1800" b="1" dirty="0"/>
           </a:p>
         </p:txBody>
       </p:sp>
@@ -6906,7 +7498,7 @@
           <p:cNvPr id="3" name="Content Placeholder 2">
             <a:extLst>
               <a:ext uri="{FF2B5EF4-FFF2-40B4-BE49-F238E27FC236}">
-                <a16:creationId xmlns:a16="http://schemas.microsoft.com/office/drawing/2014/main" id="{76C6767E-9F21-C76A-64E0-C72E6DF0F995}"/>
+                <a16:creationId xmlns:a16="http://schemas.microsoft.com/office/drawing/2014/main" id="{CCA06B58-5B0D-8BD9-37F1-B1B6B86B0FE3}"/>
               </a:ext>
             </a:extLst>
           </p:cNvPr>
@@ -6924,169 +7516,550 @@
           </a:bodyPr>
           <a:lstStyle/>
           <a:p>
-            <a:r>
-              <a:rPr lang="en-US" sz="1600" dirty="0"/>
-              <a:t>Example:</a:t>
-            </a:r>
-          </a:p>
-          <a:p>
-            <a:r>
-              <a:rPr lang="en-US" sz="1600" dirty="0"/>
-              <a:t>And : if all the statements </a:t>
-            </a:r>
-            <a:r>
-              <a:rPr lang="en-US" sz="1600" dirty="0" err="1"/>
-              <a:t>true,it</a:t>
-            </a:r>
-            <a:r>
-              <a:rPr lang="en-US" sz="1600" dirty="0"/>
-              <a:t> gives true.</a:t>
-            </a:r>
-          </a:p>
-          <a:p>
-            <a:r>
-              <a:rPr lang="en-US" sz="1600" dirty="0"/>
-              <a:t>If any of </a:t>
-            </a:r>
-            <a:r>
-              <a:rPr lang="en-US" sz="1600" dirty="0" err="1"/>
-              <a:t>them,becomes</a:t>
-            </a:r>
-            <a:r>
-              <a:rPr lang="en-US" sz="1600" dirty="0"/>
-              <a:t> not true</a:t>
-            </a:r>
-          </a:p>
-          <a:p>
-            <a:r>
-              <a:rPr lang="en-US" sz="1600" dirty="0"/>
-              <a:t>($y –</a:t>
-            </a:r>
-            <a:r>
-              <a:rPr lang="en-US" sz="1600" dirty="0" err="1"/>
-              <a:t>gt</a:t>
-            </a:r>
-            <a:r>
-              <a:rPr lang="en-US" sz="1600" dirty="0"/>
-              <a:t> 5) –and ($y –</a:t>
-            </a:r>
-            <a:r>
-              <a:rPr lang="en-US" sz="1600" dirty="0" err="1"/>
-              <a:t>lt</a:t>
-            </a:r>
-            <a:r>
-              <a:rPr lang="en-US" sz="1600" dirty="0"/>
-              <a:t> 4) –and($y –</a:t>
-            </a:r>
-            <a:r>
-              <a:rPr lang="en-US" sz="1600" dirty="0" err="1"/>
-              <a:t>lt</a:t>
-            </a:r>
-            <a:r>
-              <a:rPr lang="en-US" sz="1600" dirty="0"/>
-              <a:t> 6)</a:t>
-            </a:r>
-          </a:p>
-          <a:p>
-            <a:r>
-              <a:rPr lang="en-US" sz="1600" dirty="0"/>
-              <a:t>Example: to search a user in active directory</a:t>
-            </a:r>
-          </a:p>
-          <a:p>
-            <a:r>
-              <a:rPr lang="en-US" sz="1600" dirty="0"/>
-              <a:t>Searching for a machine.</a:t>
-            </a:r>
-          </a:p>
-          <a:p>
-            <a:r>
-              <a:rPr lang="en-US" sz="1600" dirty="0"/>
-              <a:t>-or : any one of them or </a:t>
-            </a:r>
-            <a:r>
-              <a:rPr lang="en-US" sz="1600" dirty="0" err="1"/>
-              <a:t>statment</a:t>
-            </a:r>
-            <a:r>
-              <a:rPr lang="en-US" sz="1600" dirty="0"/>
-              <a:t> must be true</a:t>
-            </a:r>
-          </a:p>
-          <a:p>
-            <a:r>
-              <a:rPr lang="en-US" sz="1600" dirty="0"/>
-              <a:t>($y –</a:t>
-            </a:r>
-            <a:r>
-              <a:rPr lang="en-US" sz="1600" dirty="0" err="1"/>
-              <a:t>gt</a:t>
-            </a:r>
-            <a:r>
-              <a:rPr lang="en-US" sz="1600" dirty="0"/>
-              <a:t> 5) –or ($y –</a:t>
-            </a:r>
-            <a:r>
-              <a:rPr lang="en-US" sz="1600" dirty="0" err="1"/>
-              <a:t>lt</a:t>
-            </a:r>
-            <a:r>
-              <a:rPr lang="en-US" sz="1600" dirty="0"/>
-              <a:t> 4) –or($y –</a:t>
-            </a:r>
-            <a:r>
-              <a:rPr lang="en-US" sz="1600" dirty="0" err="1"/>
-              <a:t>lt</a:t>
-            </a:r>
-            <a:r>
-              <a:rPr lang="en-US" sz="1600" dirty="0"/>
-              <a:t> 6)</a:t>
-            </a:r>
-          </a:p>
-          <a:p>
-            <a:r>
-              <a:rPr lang="en-US" sz="1600" dirty="0"/>
-              <a:t>!: alias for not operator</a:t>
-            </a:r>
-          </a:p>
-          <a:p>
-            <a:r>
-              <a:rPr lang="en-US" sz="1600" dirty="0"/>
-              <a:t>The result will flip</a:t>
-            </a:r>
-          </a:p>
-          <a:p>
-            <a:r>
-              <a:rPr lang="en-US" sz="1600" dirty="0"/>
-              <a:t>!($y –</a:t>
-            </a:r>
-            <a:r>
-              <a:rPr lang="en-US" sz="1600" dirty="0" err="1"/>
-              <a:t>gt</a:t>
-            </a:r>
-            <a:r>
-              <a:rPr lang="en-US" sz="1600" dirty="0"/>
-              <a:t> 5)  : whole thing becomes false</a:t>
-            </a:r>
-          </a:p>
-          <a:p>
-            <a:endParaRPr lang="en-US" sz="1600" dirty="0"/>
-          </a:p>
-          <a:p>
-            <a:endParaRPr lang="en-US" sz="1600" dirty="0"/>
-          </a:p>
-          <a:p>
-            <a:endParaRPr lang="en-US" sz="1600" dirty="0"/>
-          </a:p>
-          <a:p>
-            <a:endParaRPr lang="en-IN" sz="1600" dirty="0"/>
+            <a:pPr marL="0" indent="0">
+              <a:buNone/>
+            </a:pPr>
+            <a:r>
+              <a:rPr lang="en-US" sz="1400" b="1" u="sng" dirty="0"/>
+              <a:t>Example 1: Output of any </a:t>
+            </a:r>
+            <a:r>
+              <a:rPr lang="en-US" sz="1400" b="1" u="sng" dirty="0" err="1"/>
+              <a:t>powershellcommands</a:t>
+            </a:r>
+            <a:r>
+              <a:rPr lang="en-IN" sz="1400" dirty="0"/>
+              <a:t> </a:t>
+            </a:r>
+            <a:endParaRPr lang="en-IN" sz="1400" dirty="0">
+              <a:latin typeface="Lucida Console" panose="020B0609040504020204" pitchFamily="49" charset="0"/>
+            </a:endParaRPr>
+          </a:p>
+          <a:p>
+            <a:pPr marL="0" indent="0">
+              <a:buNone/>
+            </a:pPr>
+            <a:r>
+              <a:rPr lang="en-IN" sz="1400" dirty="0">
+                <a:solidFill>
+                  <a:srgbClr val="C00000"/>
+                </a:solidFill>
+                <a:highlight>
+                  <a:srgbClr val="C0C0C0"/>
+                </a:highlight>
+                <a:latin typeface="Lucida Console" panose="020B0609040504020204" pitchFamily="49" charset="0"/>
+              </a:rPr>
+              <a:t>$a= get-process</a:t>
+            </a:r>
+          </a:p>
+          <a:p>
+            <a:pPr marL="0" indent="0">
+              <a:buNone/>
+            </a:pPr>
+            <a:r>
+              <a:rPr lang="en-IN" sz="1400" dirty="0">
+                <a:solidFill>
+                  <a:srgbClr val="C00000"/>
+                </a:solidFill>
+                <a:highlight>
+                  <a:srgbClr val="C0C0C0"/>
+                </a:highlight>
+                <a:latin typeface="Lucida Console" panose="020B0609040504020204" pitchFamily="49" charset="0"/>
+              </a:rPr>
+              <a:t>$a=ipconfig</a:t>
+            </a:r>
+          </a:p>
+          <a:p>
+            <a:pPr marL="0" indent="0">
+              <a:buNone/>
+            </a:pPr>
+            <a:r>
+              <a:rPr lang="en-IN" sz="1400" dirty="0">
+                <a:solidFill>
+                  <a:srgbClr val="C00000"/>
+                </a:solidFill>
+                <a:highlight>
+                  <a:srgbClr val="C0C0C0"/>
+                </a:highlight>
+                <a:latin typeface="Lucida Console" panose="020B0609040504020204" pitchFamily="49" charset="0"/>
+              </a:rPr>
+              <a:t>$a=get-service</a:t>
+            </a:r>
+          </a:p>
+          <a:p>
+            <a:pPr marL="0" indent="0">
+              <a:buNone/>
+            </a:pPr>
+            <a:r>
+              <a:rPr lang="en-IN" sz="1400" dirty="0">
+                <a:solidFill>
+                  <a:srgbClr val="C00000"/>
+                </a:solidFill>
+                <a:highlight>
+                  <a:srgbClr val="C0C0C0"/>
+                </a:highlight>
+                <a:latin typeface="Lucida Console" panose="020B0609040504020204" pitchFamily="49" charset="0"/>
+              </a:rPr>
+              <a:t>$a=hostname</a:t>
+            </a:r>
+          </a:p>
+          <a:p>
+            <a:pPr marL="0" indent="0">
+              <a:buNone/>
+            </a:pPr>
+            <a:r>
+              <a:rPr lang="en-IN" sz="1400" dirty="0">
+                <a:solidFill>
+                  <a:srgbClr val="C00000"/>
+                </a:solidFill>
+                <a:highlight>
+                  <a:srgbClr val="C0C0C0"/>
+                </a:highlight>
+                <a:latin typeface="Lucida Console" panose="020B0609040504020204" pitchFamily="49" charset="0"/>
+              </a:rPr>
+              <a:t>$email="devopstraining@gmail.com" </a:t>
+            </a:r>
+          </a:p>
+          <a:p>
+            <a:pPr marL="0" indent="0">
+              <a:buNone/>
+            </a:pPr>
+            <a:r>
+              <a:rPr lang="en-US" sz="1600" b="1" u="sng" dirty="0"/>
+              <a:t>Example 2: send an email notification failure or success to teams.</a:t>
+            </a:r>
+          </a:p>
+          <a:p>
+            <a:pPr marL="0" indent="0">
+              <a:buNone/>
+            </a:pPr>
+            <a:r>
+              <a:rPr lang="en-US" sz="1400" dirty="0">
+                <a:highlight>
+                  <a:srgbClr val="C0C0C0"/>
+                </a:highlight>
+              </a:rPr>
+              <a:t> </a:t>
+            </a:r>
+            <a:r>
+              <a:rPr lang="en-US" sz="1400" dirty="0">
+                <a:solidFill>
+                  <a:srgbClr val="A82D00"/>
+                </a:solidFill>
+                <a:highlight>
+                  <a:srgbClr val="C0C0C0"/>
+                </a:highlight>
+                <a:latin typeface="Lucida Console" panose="020B0609040504020204" pitchFamily="49" charset="0"/>
+              </a:rPr>
+              <a:t>$</a:t>
+            </a:r>
+            <a:r>
+              <a:rPr lang="en-US" sz="1400" dirty="0" err="1">
+                <a:solidFill>
+                  <a:srgbClr val="A82D00"/>
+                </a:solidFill>
+                <a:highlight>
+                  <a:srgbClr val="C0C0C0"/>
+                </a:highlight>
+                <a:latin typeface="Lucida Console" panose="020B0609040504020204" pitchFamily="49" charset="0"/>
+              </a:rPr>
+              <a:t>emailbody</a:t>
+            </a:r>
+            <a:r>
+              <a:rPr lang="en-US" sz="1400" dirty="0">
+                <a:solidFill>
+                  <a:prstClr val="black"/>
+                </a:solidFill>
+                <a:highlight>
+                  <a:srgbClr val="C0C0C0"/>
+                </a:highlight>
+                <a:latin typeface="Lucida Console" panose="020B0609040504020204" pitchFamily="49" charset="0"/>
+              </a:rPr>
+              <a:t> </a:t>
+            </a:r>
+            <a:r>
+              <a:rPr lang="en-US" sz="1400" dirty="0">
+                <a:solidFill>
+                  <a:srgbClr val="696969"/>
+                </a:solidFill>
+                <a:highlight>
+                  <a:srgbClr val="C0C0C0"/>
+                </a:highlight>
+                <a:latin typeface="Lucida Console" panose="020B0609040504020204" pitchFamily="49" charset="0"/>
+              </a:rPr>
+              <a:t>=</a:t>
+            </a:r>
+            <a:r>
+              <a:rPr lang="en-US" sz="1400" dirty="0">
+                <a:solidFill>
+                  <a:srgbClr val="8B0000"/>
+                </a:solidFill>
+                <a:highlight>
+                  <a:srgbClr val="C0C0C0"/>
+                </a:highlight>
+                <a:latin typeface="Lucida Console" panose="020B0609040504020204" pitchFamily="49" charset="0"/>
+              </a:rPr>
+              <a:t>“this is my </a:t>
+            </a:r>
+            <a:r>
+              <a:rPr lang="en-US" sz="1400" dirty="0" err="1">
+                <a:solidFill>
+                  <a:srgbClr val="8B0000"/>
+                </a:solidFill>
+                <a:highlight>
+                  <a:srgbClr val="C0C0C0"/>
+                </a:highlight>
+                <a:latin typeface="Lucida Console" panose="020B0609040504020204" pitchFamily="49" charset="0"/>
+              </a:rPr>
+              <a:t>Ipaddress</a:t>
+            </a:r>
+            <a:r>
+              <a:rPr lang="en-US" sz="1400" dirty="0">
+                <a:solidFill>
+                  <a:srgbClr val="8B0000"/>
+                </a:solidFill>
+                <a:highlight>
+                  <a:srgbClr val="C0C0C0"/>
+                </a:highlight>
+                <a:latin typeface="Lucida Console" panose="020B0609040504020204" pitchFamily="49" charset="0"/>
+              </a:rPr>
+              <a:t>”</a:t>
+            </a:r>
+            <a:endParaRPr lang="en-US" sz="1400" dirty="0">
+              <a:solidFill>
+                <a:prstClr val="black"/>
+              </a:solidFill>
+              <a:highlight>
+                <a:srgbClr val="C0C0C0"/>
+              </a:highlight>
+              <a:latin typeface="Lucida Console" panose="020B0609040504020204" pitchFamily="49" charset="0"/>
+            </a:endParaRPr>
+          </a:p>
+          <a:p>
+            <a:pPr marL="0" indent="0">
+              <a:buNone/>
+            </a:pPr>
+            <a:r>
+              <a:rPr lang="en-US" sz="1400" dirty="0">
+                <a:solidFill>
+                  <a:srgbClr val="A82D00"/>
+                </a:solidFill>
+                <a:highlight>
+                  <a:srgbClr val="C0C0C0"/>
+                </a:highlight>
+                <a:latin typeface="Lucida Console" panose="020B0609040504020204" pitchFamily="49" charset="0"/>
+              </a:rPr>
+              <a:t>$</a:t>
+            </a:r>
+            <a:r>
+              <a:rPr lang="en-US" sz="1400" dirty="0" err="1">
+                <a:solidFill>
+                  <a:srgbClr val="A82D00"/>
+                </a:solidFill>
+                <a:highlight>
+                  <a:srgbClr val="C0C0C0"/>
+                </a:highlight>
+                <a:latin typeface="Lucida Console" panose="020B0609040504020204" pitchFamily="49" charset="0"/>
+              </a:rPr>
+              <a:t>emailbody</a:t>
+            </a:r>
+            <a:r>
+              <a:rPr lang="en-US" sz="1400" dirty="0">
+                <a:solidFill>
+                  <a:prstClr val="black"/>
+                </a:solidFill>
+                <a:highlight>
+                  <a:srgbClr val="C0C0C0"/>
+                </a:highlight>
+                <a:latin typeface="Lucida Console" panose="020B0609040504020204" pitchFamily="49" charset="0"/>
+              </a:rPr>
+              <a:t> </a:t>
+            </a:r>
+            <a:r>
+              <a:rPr lang="en-US" sz="1400" dirty="0">
+                <a:solidFill>
+                  <a:srgbClr val="696969"/>
+                </a:solidFill>
+                <a:highlight>
+                  <a:srgbClr val="C0C0C0"/>
+                </a:highlight>
+                <a:latin typeface="Lucida Console" panose="020B0609040504020204" pitchFamily="49" charset="0"/>
+              </a:rPr>
+              <a:t>+=</a:t>
+            </a:r>
+            <a:r>
+              <a:rPr lang="en-US" sz="1400" dirty="0">
+                <a:solidFill>
+                  <a:srgbClr val="8B0000"/>
+                </a:solidFill>
+                <a:highlight>
+                  <a:srgbClr val="C0C0C0"/>
+                </a:highlight>
+                <a:latin typeface="Lucida Console" panose="020B0609040504020204" pitchFamily="49" charset="0"/>
+              </a:rPr>
+              <a:t>“my hostname  is </a:t>
+            </a:r>
+            <a:r>
+              <a:rPr lang="en-US" sz="1400" dirty="0">
+                <a:solidFill>
+                  <a:srgbClr val="A82D00"/>
+                </a:solidFill>
+                <a:highlight>
+                  <a:srgbClr val="C0C0C0"/>
+                </a:highlight>
+                <a:latin typeface="Lucida Console" panose="020B0609040504020204" pitchFamily="49" charset="0"/>
+              </a:rPr>
+              <a:t>$a</a:t>
+            </a:r>
+            <a:r>
+              <a:rPr lang="en-US" sz="1400" dirty="0">
+                <a:solidFill>
+                  <a:srgbClr val="8B0000"/>
+                </a:solidFill>
+                <a:highlight>
+                  <a:srgbClr val="C0C0C0"/>
+                </a:highlight>
+                <a:latin typeface="Lucida Console" panose="020B0609040504020204" pitchFamily="49" charset="0"/>
+              </a:rPr>
+              <a:t> ”</a:t>
+            </a:r>
+            <a:r>
+              <a:rPr lang="en-US" sz="1400" dirty="0">
+                <a:solidFill>
+                  <a:prstClr val="black"/>
+                </a:solidFill>
+                <a:highlight>
+                  <a:srgbClr val="C0C0C0"/>
+                </a:highlight>
+                <a:latin typeface="Lucida Console" panose="020B0609040504020204" pitchFamily="49" charset="0"/>
+              </a:rPr>
+              <a:t> </a:t>
+            </a:r>
+          </a:p>
+          <a:p>
+            <a:pPr marL="0" indent="0">
+              <a:buNone/>
+            </a:pPr>
+            <a:r>
+              <a:rPr lang="en-US" sz="1400" dirty="0">
+                <a:solidFill>
+                  <a:srgbClr val="A82D00"/>
+                </a:solidFill>
+                <a:highlight>
+                  <a:srgbClr val="C0C0C0"/>
+                </a:highlight>
+                <a:latin typeface="Lucida Console" panose="020B0609040504020204" pitchFamily="49" charset="0"/>
+              </a:rPr>
+              <a:t>$</a:t>
+            </a:r>
+            <a:r>
+              <a:rPr lang="en-US" sz="1400" dirty="0" err="1">
+                <a:solidFill>
+                  <a:srgbClr val="A82D00"/>
+                </a:solidFill>
+                <a:highlight>
+                  <a:srgbClr val="C0C0C0"/>
+                </a:highlight>
+                <a:latin typeface="Lucida Console" panose="020B0609040504020204" pitchFamily="49" charset="0"/>
+              </a:rPr>
+              <a:t>emailbody</a:t>
+            </a:r>
+            <a:r>
+              <a:rPr lang="en-US" sz="1400" dirty="0">
+                <a:solidFill>
+                  <a:prstClr val="black"/>
+                </a:solidFill>
+                <a:highlight>
+                  <a:srgbClr val="C0C0C0"/>
+                </a:highlight>
+                <a:latin typeface="Lucida Console" panose="020B0609040504020204" pitchFamily="49" charset="0"/>
+              </a:rPr>
+              <a:t> </a:t>
+            </a:r>
+            <a:r>
+              <a:rPr lang="en-US" sz="1400" dirty="0">
+                <a:solidFill>
+                  <a:srgbClr val="696969"/>
+                </a:solidFill>
+                <a:highlight>
+                  <a:srgbClr val="C0C0C0"/>
+                </a:highlight>
+                <a:latin typeface="Lucida Console" panose="020B0609040504020204" pitchFamily="49" charset="0"/>
+              </a:rPr>
+              <a:t>+=</a:t>
+            </a:r>
+            <a:r>
+              <a:rPr lang="en-US" sz="1400" dirty="0">
+                <a:solidFill>
+                  <a:prstClr val="black"/>
+                </a:solidFill>
+                <a:highlight>
+                  <a:srgbClr val="C0C0C0"/>
+                </a:highlight>
+                <a:latin typeface="Lucida Console" panose="020B0609040504020204" pitchFamily="49" charset="0"/>
+              </a:rPr>
+              <a:t> </a:t>
+            </a:r>
+            <a:r>
+              <a:rPr lang="en-US" sz="1400" dirty="0">
+                <a:solidFill>
+                  <a:srgbClr val="8B0000"/>
+                </a:solidFill>
+                <a:highlight>
+                  <a:srgbClr val="C0C0C0"/>
+                </a:highlight>
+                <a:latin typeface="Lucida Console" panose="020B0609040504020204" pitchFamily="49" charset="0"/>
+              </a:rPr>
+              <a:t>“sending an email to </a:t>
+            </a:r>
+            <a:r>
+              <a:rPr lang="en-US" sz="1400" dirty="0">
+                <a:solidFill>
+                  <a:srgbClr val="A82D00"/>
+                </a:solidFill>
+                <a:highlight>
+                  <a:srgbClr val="C0C0C0"/>
+                </a:highlight>
+                <a:latin typeface="Lucida Console" panose="020B0609040504020204" pitchFamily="49" charset="0"/>
+              </a:rPr>
+              <a:t>$email</a:t>
+            </a:r>
+            <a:r>
+              <a:rPr lang="en-US" sz="1400" dirty="0">
+                <a:solidFill>
+                  <a:srgbClr val="8B0000"/>
+                </a:solidFill>
+                <a:highlight>
+                  <a:srgbClr val="C0C0C0"/>
+                </a:highlight>
+                <a:latin typeface="Lucida Console" panose="020B0609040504020204" pitchFamily="49" charset="0"/>
+              </a:rPr>
+              <a:t>”</a:t>
+            </a:r>
+            <a:endParaRPr lang="en-IN" sz="1400" dirty="0">
+              <a:solidFill>
+                <a:prstClr val="black"/>
+              </a:solidFill>
+              <a:highlight>
+                <a:srgbClr val="C0C0C0"/>
+              </a:highlight>
+              <a:latin typeface="Lucida Console" panose="020B0609040504020204" pitchFamily="49" charset="0"/>
+            </a:endParaRPr>
+          </a:p>
+          <a:p>
+            <a:pPr marL="0" indent="0">
+              <a:buNone/>
+            </a:pPr>
+            <a:r>
+              <a:rPr lang="en-US" sz="1400" b="1" dirty="0">
+                <a:solidFill>
+                  <a:schemeClr val="accent1"/>
+                </a:solidFill>
+              </a:rPr>
+              <a:t>Example 3:  To store multiple commands output to one  variable</a:t>
+            </a:r>
+          </a:p>
+          <a:p>
+            <a:pPr marL="0" indent="0">
+              <a:buNone/>
+            </a:pPr>
+            <a:r>
+              <a:rPr lang="en-IN" sz="1600" dirty="0">
+                <a:solidFill>
+                  <a:srgbClr val="C00000"/>
+                </a:solidFill>
+                <a:highlight>
+                  <a:srgbClr val="C0C0C0"/>
+                </a:highlight>
+              </a:rPr>
+              <a:t> </a:t>
+            </a:r>
+            <a:r>
+              <a:rPr lang="en-IN" sz="1600" dirty="0">
+                <a:solidFill>
+                  <a:srgbClr val="C00000"/>
+                </a:solidFill>
+                <a:highlight>
+                  <a:srgbClr val="C0C0C0"/>
+                </a:highlight>
+                <a:latin typeface="Lucida Console" panose="020B0609040504020204" pitchFamily="49" charset="0"/>
+              </a:rPr>
+              <a:t>$a=hostname</a:t>
+            </a:r>
+          </a:p>
+          <a:p>
+            <a:pPr marL="0" indent="0">
+              <a:buNone/>
+            </a:pPr>
+            <a:r>
+              <a:rPr lang="en-IN" sz="1600" dirty="0">
+                <a:solidFill>
+                  <a:srgbClr val="C00000"/>
+                </a:solidFill>
+                <a:highlight>
+                  <a:srgbClr val="C0C0C0"/>
+                </a:highlight>
+                <a:latin typeface="Lucida Console" panose="020B0609040504020204" pitchFamily="49" charset="0"/>
+              </a:rPr>
+              <a:t>$a +=get-service </a:t>
+            </a:r>
+          </a:p>
+          <a:p>
+            <a:pPr marL="0" indent="0">
+              <a:buNone/>
+            </a:pPr>
+            <a:endParaRPr lang="en-US" sz="1400" b="1" dirty="0">
+              <a:solidFill>
+                <a:schemeClr val="accent1"/>
+              </a:solidFill>
+            </a:endParaRPr>
+          </a:p>
+          <a:p>
+            <a:pPr marL="0" indent="0">
+              <a:buNone/>
+            </a:pPr>
+            <a:endParaRPr lang="en-US" sz="1400" b="1" dirty="0">
+              <a:solidFill>
+                <a:schemeClr val="accent1"/>
+              </a:solidFill>
+            </a:endParaRPr>
+          </a:p>
+          <a:p>
+            <a:pPr marL="0" indent="0">
+              <a:buNone/>
+            </a:pPr>
+            <a:endParaRPr lang="en-US" sz="1400" b="1" dirty="0">
+              <a:solidFill>
+                <a:schemeClr val="accent1"/>
+              </a:solidFill>
+            </a:endParaRPr>
+          </a:p>
+          <a:p>
+            <a:pPr marL="0" indent="0">
+              <a:buNone/>
+            </a:pPr>
+            <a:endParaRPr lang="en-US" sz="1400" dirty="0">
+              <a:solidFill>
+                <a:schemeClr val="accent1"/>
+              </a:solidFill>
+            </a:endParaRPr>
+          </a:p>
+          <a:p>
+            <a:pPr marL="0" indent="0">
+              <a:buNone/>
+            </a:pPr>
+            <a:endParaRPr lang="en-IN" sz="1400" dirty="0">
+              <a:solidFill>
+                <a:srgbClr val="FF0000"/>
+              </a:solidFill>
+            </a:endParaRPr>
           </a:p>
         </p:txBody>
       </p:sp>
     </p:spTree>
     <p:extLst>
       <p:ext uri="{BB962C8B-B14F-4D97-AF65-F5344CB8AC3E}">
-        <p14:creationId xmlns:p14="http://schemas.microsoft.com/office/powerpoint/2010/main" val="2234437593"/>
+        <p14:creationId xmlns:p14="http://schemas.microsoft.com/office/powerpoint/2010/main" val="3296464348"/>
       </p:ext>
     </p:extLst>
   </p:cSld>
@@ -7118,7 +8091,7 @@
           <p:cNvPr id="2" name="Title 1">
             <a:extLst>
               <a:ext uri="{FF2B5EF4-FFF2-40B4-BE49-F238E27FC236}">
-                <a16:creationId xmlns:a16="http://schemas.microsoft.com/office/drawing/2014/main" id="{8ED25D4F-AAFC-9BAB-75AB-831EE690FD22}"/>
+                <a16:creationId xmlns:a16="http://schemas.microsoft.com/office/drawing/2014/main" id="{F9DD28F7-9853-AF0D-0F8D-CA63B96615F0}"/>
               </a:ext>
             </a:extLst>
           </p:cNvPr>
@@ -7129,7 +8102,12 @@
             <p:ph type="title"/>
           </p:nvPr>
         </p:nvSpPr>
-        <p:spPr/>
+        <p:spPr>
+          <a:xfrm>
+            <a:off x="838197" y="-305435"/>
+            <a:ext cx="10515600" cy="1325563"/>
+          </a:xfrm>
+        </p:spPr>
         <p:txBody>
           <a:bodyPr>
             <a:normAutofit/>
@@ -7137,192 +8115,697 @@
           <a:lstStyle/>
           <a:p>
             <a:r>
-              <a:rPr lang="en-US" sz="1800" dirty="0"/>
-              <a:t>String operator</a:t>
-            </a:r>
-            <a:br>
-              <a:rPr lang="en-US" sz="1800" dirty="0"/>
-            </a:br>
-            <a:r>
-              <a:rPr lang="en-US" sz="1800" dirty="0"/>
-              <a:t>manipulating strings :</a:t>
-            </a:r>
-            <a:br>
-              <a:rPr lang="en-US" sz="1800" dirty="0"/>
-            </a:br>
-            <a:r>
-              <a:rPr lang="en-US" sz="1800" dirty="0"/>
-              <a:t>+,*,-f,-replace,-match,-like</a:t>
-            </a:r>
-            <a:endParaRPr lang="en-IN" sz="1800" dirty="0"/>
+              <a:rPr lang="en-IN" sz="1800" b="1" dirty="0"/>
+              <a:t>Comparison operators</a:t>
+            </a:r>
           </a:p>
         </p:txBody>
       </p:sp>
-      <p:sp>
-        <p:nvSpPr>
-          <p:cNvPr id="3" name="Content Placeholder 2">
+      <p:graphicFrame>
+        <p:nvGraphicFramePr>
+          <p:cNvPr id="5" name="Table 5">
             <a:extLst>
               <a:ext uri="{FF2B5EF4-FFF2-40B4-BE49-F238E27FC236}">
-                <a16:creationId xmlns:a16="http://schemas.microsoft.com/office/drawing/2014/main" id="{EFEBA789-0FDA-EAA7-2F33-32822DCDF23C}"/>
+                <a16:creationId xmlns:a16="http://schemas.microsoft.com/office/drawing/2014/main" id="{1816233C-457F-182A-1B29-55E1CABCAB30}"/>
               </a:ext>
             </a:extLst>
           </p:cNvPr>
-          <p:cNvSpPr>
-            <a:spLocks noGrp="1"/>
-          </p:cNvSpPr>
+          <p:cNvGraphicFramePr>
+            <a:graphicFrameLocks noGrp="1"/>
+          </p:cNvGraphicFramePr>
           <p:nvPr>
             <p:ph idx="1"/>
+            <p:extLst>
+              <p:ext uri="{D42A27DB-BD31-4B8C-83A1-F6EECF244321}">
+                <p14:modId xmlns:p14="http://schemas.microsoft.com/office/powerpoint/2010/main" val="3782660925"/>
+              </p:ext>
+            </p:extLst>
           </p:nvPr>
-        </p:nvSpPr>
-        <p:spPr/>
-        <p:txBody>
-          <a:bodyPr>
-            <a:normAutofit lnSpcReduction="10000"/>
-          </a:bodyPr>
-          <a:lstStyle/>
-          <a:p>
-            <a:r>
-              <a:rPr lang="en-US" sz="2000" dirty="0"/>
-              <a:t>matching operator: -like,-</a:t>
-            </a:r>
-            <a:r>
-              <a:rPr lang="en-US" sz="2000" dirty="0" err="1"/>
-              <a:t>notlike</a:t>
-            </a:r>
-            <a:r>
-              <a:rPr lang="en-US" sz="2000" dirty="0"/>
-              <a:t>,-match,-</a:t>
-            </a:r>
-            <a:r>
-              <a:rPr lang="en-US" sz="2000" dirty="0" err="1"/>
-              <a:t>cmatch</a:t>
-            </a:r>
-            <a:br>
-              <a:rPr lang="en-US" sz="2000" dirty="0"/>
-            </a:br>
-            <a:r>
-              <a:rPr lang="en-US" sz="2000" dirty="0"/>
-              <a:t>Replacement ,-replace</a:t>
-            </a:r>
-            <a:br>
-              <a:rPr lang="en-US" sz="2000" dirty="0"/>
-            </a:br>
-            <a:r>
-              <a:rPr lang="en-US" sz="2000" dirty="0"/>
-              <a:t>containment : -</a:t>
-            </a:r>
-            <a:r>
-              <a:rPr lang="en-US" sz="2000" dirty="0" err="1"/>
-              <a:t>contains,in,notin</a:t>
-            </a:r>
-            <a:br>
-              <a:rPr lang="en-US" sz="2000" dirty="0"/>
-            </a:br>
-            <a:r>
-              <a:rPr lang="en-US" sz="2000" dirty="0" err="1"/>
-              <a:t>Tyep</a:t>
-            </a:r>
-            <a:r>
-              <a:rPr lang="en-US" sz="2000" dirty="0"/>
-              <a:t>: -is,-</a:t>
-            </a:r>
-            <a:r>
-              <a:rPr lang="en-US" sz="2000" dirty="0" err="1"/>
-              <a:t>isnot</a:t>
-            </a:r>
-            <a:r>
-              <a:rPr lang="en-US" sz="2000" dirty="0"/>
-              <a:t> (both object are same or not)</a:t>
-            </a:r>
-          </a:p>
-          <a:p>
-            <a:endParaRPr lang="en-US" sz="2000" dirty="0"/>
-          </a:p>
-          <a:p>
-            <a:pPr marL="0" indent="0">
-              <a:buNone/>
-            </a:pPr>
-            <a:r>
-              <a:rPr lang="en-IN" sz="2000" dirty="0"/>
-              <a:t>+ : join strings</a:t>
-            </a:r>
-          </a:p>
-          <a:p>
-            <a:pPr marL="0" indent="0">
-              <a:buNone/>
-            </a:pPr>
-            <a:r>
-              <a:rPr lang="en-IN" sz="2000" dirty="0"/>
-              <a:t>“good” +”morning”</a:t>
-            </a:r>
-          </a:p>
-          <a:p>
-            <a:pPr marL="0" indent="0">
-              <a:buNone/>
-            </a:pPr>
-            <a:r>
-              <a:rPr lang="en-IN" sz="2000" dirty="0"/>
-              <a:t># -f  (Imp)</a:t>
-            </a:r>
-          </a:p>
-          <a:p>
-            <a:pPr marL="0" indent="0">
-              <a:buNone/>
-            </a:pPr>
-            <a:r>
-              <a:rPr lang="en-IN" sz="2000" dirty="0"/>
-              <a:t>“” : double quotes for replacing </a:t>
-            </a:r>
-            <a:r>
-              <a:rPr lang="en-IN" sz="2000" dirty="0" err="1"/>
-              <a:t>varaibels</a:t>
-            </a:r>
-            <a:r>
-              <a:rPr lang="en-IN" sz="2000" dirty="0"/>
-              <a:t> and $()</a:t>
-            </a:r>
-          </a:p>
-          <a:p>
-            <a:pPr marL="0" indent="0">
-              <a:buNone/>
-            </a:pPr>
-            <a:r>
-              <a:rPr lang="en-IN" sz="2000" dirty="0"/>
-              <a:t>‘’: display the string as it is</a:t>
-            </a:r>
-          </a:p>
-          <a:p>
-            <a:pPr marL="0" indent="0">
-              <a:buNone/>
-            </a:pPr>
-            <a:r>
-              <a:rPr lang="en-IN" sz="2000" dirty="0"/>
-              <a:t>-f :replacing values in statements :</a:t>
-            </a:r>
-          </a:p>
-          <a:p>
-            <a:pPr marL="0" indent="0">
-              <a:buNone/>
-            </a:pPr>
-            <a:r>
-              <a:rPr lang="en-IN" sz="2000" dirty="0"/>
-              <a:t>“hello {0},welcome {1} –f “</a:t>
-            </a:r>
-            <a:r>
-              <a:rPr lang="en-IN" sz="2000" dirty="0" err="1"/>
-              <a:t>good”,”everyone</a:t>
-            </a:r>
-            <a:r>
-              <a:rPr lang="en-IN" sz="2000" dirty="0"/>
-              <a:t>”</a:t>
-            </a:r>
-          </a:p>
-        </p:txBody>
-      </p:sp>
+        </p:nvGraphicFramePr>
+        <p:xfrm>
+          <a:off x="838198" y="883065"/>
+          <a:ext cx="10515598" cy="5915901"/>
+        </p:xfrm>
+        <a:graphic>
+          <a:graphicData uri="http://schemas.openxmlformats.org/drawingml/2006/table">
+            <a:tbl>
+              <a:tblPr firstRow="1" bandRow="1">
+                <a:tableStyleId>{5C22544A-7EE6-4342-B048-85BDC9FD1C3A}</a:tableStyleId>
+              </a:tblPr>
+              <a:tblGrid>
+                <a:gridCol w="2169160">
+                  <a:extLst>
+                    <a:ext uri="{9D8B030D-6E8A-4147-A177-3AD203B41FA5}">
+                      <a16:colId xmlns:a16="http://schemas.microsoft.com/office/drawing/2014/main" val="4219069247"/>
+                    </a:ext>
+                  </a:extLst>
+                </a:gridCol>
+                <a:gridCol w="1778000">
+                  <a:extLst>
+                    <a:ext uri="{9D8B030D-6E8A-4147-A177-3AD203B41FA5}">
+                      <a16:colId xmlns:a16="http://schemas.microsoft.com/office/drawing/2014/main" val="1913471593"/>
+                    </a:ext>
+                  </a:extLst>
+                </a:gridCol>
+                <a:gridCol w="6568438">
+                  <a:extLst>
+                    <a:ext uri="{9D8B030D-6E8A-4147-A177-3AD203B41FA5}">
+                      <a16:colId xmlns:a16="http://schemas.microsoft.com/office/drawing/2014/main" val="2380215560"/>
+                    </a:ext>
+                  </a:extLst>
+                </a:gridCol>
+              </a:tblGrid>
+              <a:tr h="0">
+                <a:tc>
+                  <a:txBody>
+                    <a:bodyPr/>
+                    <a:lstStyle/>
+                    <a:p>
+                      <a:pPr algn="ctr"/>
+                      <a:r>
+                        <a:rPr lang="en-IN" sz="1600" b="1" dirty="0">
+                          <a:effectLst/>
+                        </a:rPr>
+                        <a:t>Type</a:t>
+                      </a:r>
+                      <a:endParaRPr lang="en-IN" sz="1600" dirty="0">
+                        <a:effectLst/>
+                      </a:endParaRPr>
+                    </a:p>
+                  </a:txBody>
+                  <a:tcPr anchor="ctr"/>
+                </a:tc>
+                <a:tc>
+                  <a:txBody>
+                    <a:bodyPr/>
+                    <a:lstStyle/>
+                    <a:p>
+                      <a:pPr algn="ctr"/>
+                      <a:r>
+                        <a:rPr lang="en-IN" sz="1600" b="1">
+                          <a:effectLst/>
+                        </a:rPr>
+                        <a:t>Operator</a:t>
+                      </a:r>
+                      <a:endParaRPr lang="en-IN" sz="1600">
+                        <a:effectLst/>
+                      </a:endParaRPr>
+                    </a:p>
+                  </a:txBody>
+                  <a:tcPr anchor="ctr"/>
+                </a:tc>
+                <a:tc>
+                  <a:txBody>
+                    <a:bodyPr/>
+                    <a:lstStyle/>
+                    <a:p>
+                      <a:pPr algn="ctr"/>
+                      <a:r>
+                        <a:rPr lang="en-IN" sz="1600" b="1" dirty="0">
+                          <a:effectLst/>
+                        </a:rPr>
+                        <a:t>Description</a:t>
+                      </a:r>
+                      <a:endParaRPr lang="en-IN" sz="1600" dirty="0">
+                        <a:effectLst/>
+                      </a:endParaRPr>
+                    </a:p>
+                  </a:txBody>
+                  <a:tcPr anchor="ctr"/>
+                </a:tc>
+                <a:extLst>
+                  <a:ext uri="{0D108BD9-81ED-4DB2-BD59-A6C34878D82A}">
+                    <a16:rowId xmlns:a16="http://schemas.microsoft.com/office/drawing/2014/main" val="1176350265"/>
+                  </a:ext>
+                </a:extLst>
+              </a:tr>
+              <a:tr h="1122793">
+                <a:tc>
+                  <a:txBody>
+                    <a:bodyPr/>
+                    <a:lstStyle/>
+                    <a:p>
+                      <a:r>
+                        <a:rPr lang="en-IN" sz="1600" dirty="0">
+                          <a:effectLst/>
+                        </a:rPr>
+                        <a:t>Equality</a:t>
+                      </a:r>
+                    </a:p>
+                  </a:txBody>
+                  <a:tcPr anchor="ctr"/>
+                </a:tc>
+                <a:tc>
+                  <a:txBody>
+                    <a:bodyPr/>
+                    <a:lstStyle/>
+                    <a:p>
+                      <a:r>
+                        <a:rPr lang="en-IN" sz="1600">
+                          <a:effectLst/>
+                        </a:rPr>
+                        <a:t>-eq</a:t>
+                      </a:r>
+                    </a:p>
+                  </a:txBody>
+                  <a:tcPr anchor="ctr"/>
+                </a:tc>
+                <a:tc>
+                  <a:txBody>
+                    <a:bodyPr/>
+                    <a:lstStyle/>
+                    <a:p>
+                      <a:r>
+                        <a:rPr lang="en-US" sz="1600" dirty="0">
+                          <a:effectLst/>
+                        </a:rPr>
+                        <a:t>Compares two values to be equal or not.</a:t>
+                      </a:r>
+                    </a:p>
+                    <a:p>
+                      <a:r>
+                        <a:rPr lang="en-US" sz="1600" dirty="0">
+                          <a:solidFill>
+                            <a:srgbClr val="C00000"/>
+                          </a:solidFill>
+                          <a:effectLst/>
+                          <a:highlight>
+                            <a:srgbClr val="C0C0C0"/>
+                          </a:highlight>
+                        </a:rPr>
+                        <a:t>$y=10</a:t>
+                      </a:r>
+                    </a:p>
+                    <a:p>
+                      <a:r>
+                        <a:rPr lang="en-US" sz="1600" dirty="0">
+                          <a:solidFill>
+                            <a:srgbClr val="C00000"/>
+                          </a:solidFill>
+                          <a:effectLst/>
+                          <a:highlight>
+                            <a:srgbClr val="C0C0C0"/>
+                          </a:highlight>
+                        </a:rPr>
+                        <a:t>$y –eq 10 </a:t>
+                      </a:r>
+                    </a:p>
+                    <a:p>
+                      <a:r>
+                        <a:rPr lang="en-US" sz="1600" dirty="0">
+                          <a:effectLst/>
+                        </a:rPr>
+                        <a:t>o/p :true</a:t>
+                      </a:r>
+                    </a:p>
+                  </a:txBody>
+                  <a:tcPr anchor="ctr"/>
+                </a:tc>
+                <a:extLst>
+                  <a:ext uri="{0D108BD9-81ED-4DB2-BD59-A6C34878D82A}">
+                    <a16:rowId xmlns:a16="http://schemas.microsoft.com/office/drawing/2014/main" val="223136458"/>
+                  </a:ext>
+                </a:extLst>
+              </a:tr>
+              <a:tr h="866155">
+                <a:tc>
+                  <a:txBody>
+                    <a:bodyPr/>
+                    <a:lstStyle/>
+                    <a:p>
+                      <a:r>
+                        <a:rPr lang="en-IN" sz="1600" dirty="0">
+                          <a:effectLst/>
+                        </a:rPr>
+                        <a:t> not equals</a:t>
+                      </a:r>
+                    </a:p>
+                  </a:txBody>
+                  <a:tcPr anchor="ctr"/>
+                </a:tc>
+                <a:tc>
+                  <a:txBody>
+                    <a:bodyPr/>
+                    <a:lstStyle/>
+                    <a:p>
+                      <a:r>
+                        <a:rPr lang="en-IN" sz="1600" dirty="0">
+                          <a:effectLst/>
+                        </a:rPr>
+                        <a:t>-ne</a:t>
+                      </a:r>
+                    </a:p>
+                  </a:txBody>
+                  <a:tcPr anchor="ctr"/>
+                </a:tc>
+                <a:tc>
+                  <a:txBody>
+                    <a:bodyPr/>
+                    <a:lstStyle/>
+                    <a:p>
+                      <a:r>
+                        <a:rPr lang="en-US" sz="1600" dirty="0">
+                          <a:effectLst/>
+                          <a:highlight>
+                            <a:srgbClr val="C0C0C0"/>
+                          </a:highlight>
+                        </a:rPr>
+                        <a:t>Compare the two values to be not equal.</a:t>
+                      </a:r>
+                    </a:p>
+                    <a:p>
+                      <a:r>
+                        <a:rPr lang="en-US" sz="1600" dirty="0">
+                          <a:solidFill>
+                            <a:srgbClr val="C00000"/>
+                          </a:solidFill>
+                          <a:effectLst/>
+                          <a:highlight>
+                            <a:srgbClr val="C0C0C0"/>
+                          </a:highlight>
+                        </a:rPr>
+                        <a:t>$y –ne 10 </a:t>
+                      </a:r>
+                    </a:p>
+                    <a:p>
+                      <a:r>
+                        <a:rPr lang="en-US" sz="1600" dirty="0">
+                          <a:effectLst/>
+                          <a:highlight>
+                            <a:srgbClr val="C0C0C0"/>
+                          </a:highlight>
+                        </a:rPr>
+                        <a:t>o/p : false</a:t>
+                      </a:r>
+                    </a:p>
+                  </a:txBody>
+                  <a:tcPr anchor="ctr"/>
+                </a:tc>
+                <a:extLst>
+                  <a:ext uri="{0D108BD9-81ED-4DB2-BD59-A6C34878D82A}">
+                    <a16:rowId xmlns:a16="http://schemas.microsoft.com/office/drawing/2014/main" val="1381071052"/>
+                  </a:ext>
+                </a:extLst>
+              </a:tr>
+              <a:tr h="1122793">
+                <a:tc>
+                  <a:txBody>
+                    <a:bodyPr/>
+                    <a:lstStyle/>
+                    <a:p>
+                      <a:r>
+                        <a:rPr lang="en-IN" sz="1600" dirty="0">
+                          <a:effectLst/>
+                        </a:rPr>
+                        <a:t> greater than </a:t>
+                      </a:r>
+                    </a:p>
+                  </a:txBody>
+                  <a:tcPr anchor="ctr"/>
+                </a:tc>
+                <a:tc>
+                  <a:txBody>
+                    <a:bodyPr/>
+                    <a:lstStyle/>
+                    <a:p>
+                      <a:r>
+                        <a:rPr lang="en-IN" sz="1600">
+                          <a:effectLst/>
+                        </a:rPr>
+                        <a:t>-gt</a:t>
+                      </a:r>
+                    </a:p>
+                  </a:txBody>
+                  <a:tcPr anchor="ctr"/>
+                </a:tc>
+                <a:tc>
+                  <a:txBody>
+                    <a:bodyPr/>
+                    <a:lstStyle/>
+                    <a:p>
+                      <a:r>
+                        <a:rPr lang="en-US" sz="1600" dirty="0">
+                          <a:effectLst/>
+                        </a:rPr>
+                        <a:t>Compares the first value to be greater than the second one.</a:t>
+                      </a:r>
+                    </a:p>
+                    <a:p>
+                      <a:r>
+                        <a:rPr lang="en-US" sz="1600" dirty="0">
+                          <a:solidFill>
+                            <a:srgbClr val="C00000"/>
+                          </a:solidFill>
+                          <a:effectLst/>
+                          <a:highlight>
+                            <a:srgbClr val="C0C0C0"/>
+                          </a:highlight>
+                        </a:rPr>
+                        <a:t>$x=10,$y=20</a:t>
+                      </a:r>
+                    </a:p>
+                    <a:p>
+                      <a:r>
+                        <a:rPr lang="en-US" sz="1600" dirty="0">
+                          <a:solidFill>
+                            <a:srgbClr val="C00000"/>
+                          </a:solidFill>
+                          <a:effectLst/>
+                          <a:highlight>
+                            <a:srgbClr val="C0C0C0"/>
+                          </a:highlight>
+                        </a:rPr>
+                        <a:t>$x –</a:t>
+                      </a:r>
+                      <a:r>
+                        <a:rPr lang="en-US" sz="1600" dirty="0" err="1">
+                          <a:solidFill>
+                            <a:srgbClr val="C00000"/>
+                          </a:solidFill>
+                          <a:effectLst/>
+                          <a:highlight>
+                            <a:srgbClr val="C0C0C0"/>
+                          </a:highlight>
+                        </a:rPr>
+                        <a:t>gt</a:t>
+                      </a:r>
+                      <a:r>
+                        <a:rPr lang="en-US" sz="1600" dirty="0">
+                          <a:solidFill>
+                            <a:srgbClr val="C00000"/>
+                          </a:solidFill>
+                          <a:effectLst/>
+                          <a:highlight>
+                            <a:srgbClr val="C0C0C0"/>
+                          </a:highlight>
+                        </a:rPr>
+                        <a:t> $y</a:t>
+                      </a:r>
+                    </a:p>
+                    <a:p>
+                      <a:r>
+                        <a:rPr lang="en-US" sz="1600" dirty="0">
+                          <a:effectLst/>
+                        </a:rPr>
+                        <a:t>o/p : false</a:t>
+                      </a:r>
+                    </a:p>
+                  </a:txBody>
+                  <a:tcPr anchor="ctr"/>
+                </a:tc>
+                <a:extLst>
+                  <a:ext uri="{0D108BD9-81ED-4DB2-BD59-A6C34878D82A}">
+                    <a16:rowId xmlns:a16="http://schemas.microsoft.com/office/drawing/2014/main" val="51293164"/>
+                  </a:ext>
+                </a:extLst>
+              </a:tr>
+              <a:tr h="776706">
+                <a:tc>
+                  <a:txBody>
+                    <a:bodyPr/>
+                    <a:lstStyle/>
+                    <a:p>
+                      <a:r>
+                        <a:rPr lang="en-IN" sz="1600" dirty="0">
+                          <a:effectLst/>
+                        </a:rPr>
+                        <a:t> greater than or equal</a:t>
+                      </a:r>
+                    </a:p>
+                  </a:txBody>
+                  <a:tcPr anchor="ctr"/>
+                </a:tc>
+                <a:tc>
+                  <a:txBody>
+                    <a:bodyPr/>
+                    <a:lstStyle/>
+                    <a:p>
+                      <a:r>
+                        <a:rPr lang="en-IN" sz="1600">
+                          <a:effectLst/>
+                        </a:rPr>
+                        <a:t>-ge</a:t>
+                      </a:r>
+                    </a:p>
+                  </a:txBody>
+                  <a:tcPr anchor="ctr"/>
+                </a:tc>
+                <a:tc>
+                  <a:txBody>
+                    <a:bodyPr/>
+                    <a:lstStyle/>
+                    <a:p>
+                      <a:r>
+                        <a:rPr lang="en-US" sz="1600" dirty="0">
+                          <a:effectLst/>
+                        </a:rPr>
+                        <a:t>Compare the first value to be greater than or equals to the second one.</a:t>
+                      </a:r>
+                    </a:p>
+                    <a:p>
+                      <a:r>
+                        <a:rPr lang="en-US" sz="1600" dirty="0">
+                          <a:solidFill>
+                            <a:srgbClr val="C00000"/>
+                          </a:solidFill>
+                          <a:effectLst/>
+                          <a:highlight>
+                            <a:srgbClr val="C0C0C0"/>
+                          </a:highlight>
+                        </a:rPr>
+                        <a:t>$x –</a:t>
+                      </a:r>
+                      <a:r>
+                        <a:rPr lang="en-US" sz="1600" dirty="0" err="1">
+                          <a:solidFill>
+                            <a:srgbClr val="C00000"/>
+                          </a:solidFill>
+                          <a:effectLst/>
+                          <a:highlight>
+                            <a:srgbClr val="C0C0C0"/>
+                          </a:highlight>
+                        </a:rPr>
+                        <a:t>ge</a:t>
+                      </a:r>
+                      <a:r>
+                        <a:rPr lang="en-US" sz="1600" dirty="0">
+                          <a:solidFill>
+                            <a:srgbClr val="C00000"/>
+                          </a:solidFill>
+                          <a:effectLst/>
+                          <a:highlight>
+                            <a:srgbClr val="C0C0C0"/>
+                          </a:highlight>
+                        </a:rPr>
+                        <a:t> $y</a:t>
+                      </a:r>
+                    </a:p>
+                    <a:p>
+                      <a:r>
+                        <a:rPr lang="en-US" sz="1600" dirty="0">
+                          <a:effectLst/>
+                        </a:rPr>
+                        <a:t>o/p :false</a:t>
+                      </a:r>
+                    </a:p>
+                  </a:txBody>
+                  <a:tcPr anchor="ctr"/>
+                </a:tc>
+                <a:extLst>
+                  <a:ext uri="{0D108BD9-81ED-4DB2-BD59-A6C34878D82A}">
+                    <a16:rowId xmlns:a16="http://schemas.microsoft.com/office/drawing/2014/main" val="4271399565"/>
+                  </a:ext>
+                </a:extLst>
+              </a:tr>
+              <a:tr h="776706">
+                <a:tc>
+                  <a:txBody>
+                    <a:bodyPr/>
+                    <a:lstStyle/>
+                    <a:p>
+                      <a:r>
+                        <a:rPr lang="en-IN" sz="1600" dirty="0">
+                          <a:effectLst/>
+                        </a:rPr>
+                        <a:t> less than</a:t>
+                      </a:r>
+                    </a:p>
+                  </a:txBody>
+                  <a:tcPr anchor="ctr"/>
+                </a:tc>
+                <a:tc>
+                  <a:txBody>
+                    <a:bodyPr/>
+                    <a:lstStyle/>
+                    <a:p>
+                      <a:r>
+                        <a:rPr lang="en-IN" sz="1600" dirty="0">
+                          <a:effectLst/>
+                        </a:rPr>
+                        <a:t>-</a:t>
+                      </a:r>
+                      <a:r>
+                        <a:rPr lang="en-IN" sz="1600" dirty="0" err="1">
+                          <a:effectLst/>
+                        </a:rPr>
+                        <a:t>lt</a:t>
+                      </a:r>
+                      <a:endParaRPr lang="en-IN" sz="1600" dirty="0">
+                        <a:effectLst/>
+                      </a:endParaRPr>
+                    </a:p>
+                  </a:txBody>
+                  <a:tcPr anchor="ctr"/>
+                </a:tc>
+                <a:tc>
+                  <a:txBody>
+                    <a:bodyPr/>
+                    <a:lstStyle/>
+                    <a:p>
+                      <a:r>
+                        <a:rPr lang="en-US" sz="1600" dirty="0">
+                          <a:effectLst/>
+                        </a:rPr>
+                        <a:t>Compare the first value to be less than the second one.</a:t>
+                      </a:r>
+                    </a:p>
+                    <a:p>
+                      <a:r>
+                        <a:rPr lang="en-US" sz="1600" dirty="0">
+                          <a:solidFill>
+                            <a:srgbClr val="C00000"/>
+                          </a:solidFill>
+                          <a:effectLst/>
+                          <a:highlight>
+                            <a:srgbClr val="C0C0C0"/>
+                          </a:highlight>
+                        </a:rPr>
+                        <a:t>$x –</a:t>
+                      </a:r>
+                      <a:r>
+                        <a:rPr lang="en-US" sz="1600" dirty="0" err="1">
+                          <a:solidFill>
+                            <a:srgbClr val="C00000"/>
+                          </a:solidFill>
+                          <a:effectLst/>
+                          <a:highlight>
+                            <a:srgbClr val="C0C0C0"/>
+                          </a:highlight>
+                        </a:rPr>
+                        <a:t>lt</a:t>
+                      </a:r>
+                      <a:r>
+                        <a:rPr lang="en-US" sz="1600" dirty="0">
+                          <a:solidFill>
+                            <a:srgbClr val="C00000"/>
+                          </a:solidFill>
+                          <a:effectLst/>
+                          <a:highlight>
+                            <a:srgbClr val="C0C0C0"/>
+                          </a:highlight>
+                        </a:rPr>
+                        <a:t> $y</a:t>
+                      </a:r>
+                    </a:p>
+                    <a:p>
+                      <a:r>
+                        <a:rPr lang="en-US" sz="1600" dirty="0">
+                          <a:effectLst/>
+                        </a:rPr>
+                        <a:t>o/p :True</a:t>
+                      </a:r>
+                    </a:p>
+                  </a:txBody>
+                  <a:tcPr anchor="ctr"/>
+                </a:tc>
+                <a:extLst>
+                  <a:ext uri="{0D108BD9-81ED-4DB2-BD59-A6C34878D82A}">
+                    <a16:rowId xmlns:a16="http://schemas.microsoft.com/office/drawing/2014/main" val="1329848860"/>
+                  </a:ext>
+                </a:extLst>
+              </a:tr>
+              <a:tr h="390304">
+                <a:tc>
+                  <a:txBody>
+                    <a:bodyPr/>
+                    <a:lstStyle/>
+                    <a:p>
+                      <a:r>
+                        <a:rPr lang="en-IN" sz="1600" dirty="0">
+                          <a:effectLst/>
+                        </a:rPr>
+                        <a:t>Less than or equal</a:t>
+                      </a:r>
+                    </a:p>
+                  </a:txBody>
+                  <a:tcPr anchor="ctr"/>
+                </a:tc>
+                <a:tc>
+                  <a:txBody>
+                    <a:bodyPr/>
+                    <a:lstStyle/>
+                    <a:p>
+                      <a:r>
+                        <a:rPr lang="en-IN" sz="1600" dirty="0">
+                          <a:effectLst/>
+                        </a:rPr>
+                        <a:t>-le</a:t>
+                      </a:r>
+                    </a:p>
+                  </a:txBody>
+                  <a:tcPr anchor="ctr"/>
+                </a:tc>
+                <a:tc>
+                  <a:txBody>
+                    <a:bodyPr/>
+                    <a:lstStyle/>
+                    <a:p>
+                      <a:r>
+                        <a:rPr lang="en-US" sz="1600" dirty="0">
+                          <a:effectLst/>
+                        </a:rPr>
+                        <a:t>Compares first value to be less than or equals to second one.</a:t>
+                      </a:r>
+                    </a:p>
+                    <a:p>
+                      <a:r>
+                        <a:rPr lang="en-US" sz="1600" dirty="0">
+                          <a:solidFill>
+                            <a:srgbClr val="C00000"/>
+                          </a:solidFill>
+                          <a:effectLst/>
+                          <a:highlight>
+                            <a:srgbClr val="C0C0C0"/>
+                          </a:highlight>
+                        </a:rPr>
+                        <a:t>$x –le $y</a:t>
+                      </a:r>
+                    </a:p>
+                    <a:p>
+                      <a:r>
+                        <a:rPr lang="en-US" sz="1600" dirty="0">
+                          <a:effectLst/>
+                        </a:rPr>
+                        <a:t>o/p : true</a:t>
+                      </a:r>
+                    </a:p>
+                  </a:txBody>
+                  <a:tcPr anchor="ctr"/>
+                </a:tc>
+                <a:extLst>
+                  <a:ext uri="{0D108BD9-81ED-4DB2-BD59-A6C34878D82A}">
+                    <a16:rowId xmlns:a16="http://schemas.microsoft.com/office/drawing/2014/main" val="2235423038"/>
+                  </a:ext>
+                </a:extLst>
+              </a:tr>
+            </a:tbl>
+          </a:graphicData>
+        </a:graphic>
+      </p:graphicFrame>
     </p:spTree>
     <p:extLst>
       <p:ext uri="{BB962C8B-B14F-4D97-AF65-F5344CB8AC3E}">
-        <p14:creationId xmlns:p14="http://schemas.microsoft.com/office/powerpoint/2010/main" val="1270207866"/>
+        <p14:creationId xmlns:p14="http://schemas.microsoft.com/office/powerpoint/2010/main" val="1738746209"/>
       </p:ext>
     </p:extLst>
   </p:cSld>
@@ -7354,7 +8837,7 @@
           <p:cNvPr id="2" name="Title 1">
             <a:extLst>
               <a:ext uri="{FF2B5EF4-FFF2-40B4-BE49-F238E27FC236}">
-                <a16:creationId xmlns:a16="http://schemas.microsoft.com/office/drawing/2014/main" id="{F9EC896B-FF0C-6ED7-E4F1-1B215C6380EC}"/>
+                <a16:creationId xmlns:a16="http://schemas.microsoft.com/office/drawing/2014/main" id="{EED41A5A-F46B-4ADD-6A37-1AE3199E388F}"/>
               </a:ext>
             </a:extLst>
           </p:cNvPr>
@@ -7365,24 +8848,33 @@
             <p:ph type="title"/>
           </p:nvPr>
         </p:nvSpPr>
-        <p:spPr/>
+        <p:spPr>
+          <a:xfrm>
+            <a:off x="838200" y="365125"/>
+            <a:ext cx="10515600" cy="721995"/>
+          </a:xfrm>
+        </p:spPr>
         <p:txBody>
-          <a:bodyPr/>
+          <a:bodyPr>
+            <a:normAutofit/>
+          </a:bodyPr>
           <a:lstStyle/>
           <a:p>
             <a:r>
-              <a:rPr lang="en-US" dirty="0"/>
-              <a:t>String </a:t>
-            </a:r>
-            <a:r>
-              <a:rPr lang="en-US" dirty="0" err="1"/>
-              <a:t>opeartors</a:t>
-            </a:r>
-            <a:r>
-              <a:rPr lang="en-US" dirty="0"/>
-              <a:t> contd..</a:t>
-            </a:r>
-            <a:endParaRPr lang="en-IN" dirty="0"/>
+              <a:rPr lang="en-IN" sz="1600" b="1" dirty="0"/>
+              <a:t>Assignment operators </a:t>
+            </a:r>
+            <a:r>
+              <a:rPr lang="en-IN" sz="1600" b="1" dirty="0" err="1"/>
+              <a:t>contd</a:t>
+            </a:r>
+            <a:br>
+              <a:rPr lang="en-IN" sz="1600" b="1" dirty="0"/>
+            </a:br>
+            <a:r>
+              <a:rPr lang="en-IN" sz="1600" b="1" dirty="0"/>
+              <a:t>Examples</a:t>
+            </a:r>
           </a:p>
         </p:txBody>
       </p:sp>
@@ -7391,7 +8883,7 @@
           <p:cNvPr id="3" name="Content Placeholder 2">
             <a:extLst>
               <a:ext uri="{FF2B5EF4-FFF2-40B4-BE49-F238E27FC236}">
-                <a16:creationId xmlns:a16="http://schemas.microsoft.com/office/drawing/2014/main" id="{5EA6E8ED-A898-62DD-6BCA-218054B53C92}"/>
+                <a16:creationId xmlns:a16="http://schemas.microsoft.com/office/drawing/2014/main" id="{8D7EF736-FAE8-FD9A-C336-F5BB2A2BE4A1}"/>
               </a:ext>
             </a:extLst>
           </p:cNvPr>
@@ -7402,153 +8894,695 @@
             <p:ph idx="1"/>
           </p:nvPr>
         </p:nvSpPr>
-        <p:spPr/>
+        <p:spPr>
+          <a:xfrm>
+            <a:off x="838200" y="1330960"/>
+            <a:ext cx="10515600" cy="4846003"/>
+          </a:xfrm>
+        </p:spPr>
         <p:txBody>
           <a:bodyPr>
             <a:normAutofit/>
           </a:bodyPr>
           <a:lstStyle/>
           <a:p>
-            <a:r>
-              <a:rPr lang="en-US" sz="2000" dirty="0"/>
-              <a:t>-replace</a:t>
-            </a:r>
-          </a:p>
-          <a:p>
-            <a:r>
-              <a:rPr lang="en-US" sz="2000" dirty="0"/>
+            <a:pPr marL="0" indent="0">
+              <a:buNone/>
+            </a:pPr>
+            <a:r>
+              <a:rPr lang="en-IN" sz="1600" b="1" dirty="0"/>
+              <a:t>Check  “windows search “service exists ?</a:t>
+            </a:r>
+          </a:p>
+          <a:p>
+            <a:pPr marL="0" indent="0">
+              <a:buNone/>
+            </a:pPr>
+            <a:r>
+              <a:rPr lang="en-US" sz="1050" dirty="0"/>
+              <a:t> </a:t>
+            </a:r>
+            <a:r>
+              <a:rPr lang="en-US" sz="1600" dirty="0">
+                <a:solidFill>
+                  <a:srgbClr val="A82D00"/>
+                </a:solidFill>
+                <a:latin typeface="Lucida Console" panose="020B0609040504020204" pitchFamily="49" charset="0"/>
+              </a:rPr>
               <a:t>$</a:t>
             </a:r>
             <a:r>
-              <a:rPr lang="en-US" sz="2000" dirty="0" err="1"/>
-              <a:t>messge</a:t>
-            </a:r>
-            <a:r>
-              <a:rPr lang="en-US" sz="2000" dirty="0"/>
-              <a:t>= “hello </a:t>
-            </a:r>
-            <a:r>
-              <a:rPr lang="en-US" sz="2000" dirty="0" err="1"/>
-              <a:t>indu</a:t>
-            </a:r>
-            <a:r>
-              <a:rPr lang="en-US" sz="2000" dirty="0"/>
-              <a:t>”</a:t>
-            </a:r>
-          </a:p>
-          <a:p>
-            <a:r>
-              <a:rPr lang="en-US" sz="2000" dirty="0"/>
-              <a:t>$message –replace “</a:t>
-            </a:r>
-            <a:r>
-              <a:rPr lang="en-US" sz="2000" dirty="0" err="1"/>
-              <a:t>indu</a:t>
-            </a:r>
-            <a:r>
-              <a:rPr lang="en-US" sz="2000" dirty="0"/>
-              <a:t>” ,“</a:t>
-            </a:r>
-            <a:r>
-              <a:rPr lang="en-US" sz="2000" dirty="0" err="1"/>
-              <a:t>hani</a:t>
-            </a:r>
-            <a:r>
-              <a:rPr lang="en-US" sz="2000" dirty="0"/>
-              <a:t>”</a:t>
-            </a:r>
-          </a:p>
-          <a:p>
-            <a:r>
-              <a:rPr lang="en-US" sz="2000" dirty="0"/>
-              <a:t>$msg=$message –replace “</a:t>
-            </a:r>
-            <a:r>
-              <a:rPr lang="en-US" sz="2000" dirty="0" err="1"/>
-              <a:t>indu</a:t>
-            </a:r>
-            <a:r>
-              <a:rPr lang="en-US" sz="2000" dirty="0"/>
-              <a:t>” ,“</a:t>
-            </a:r>
-            <a:r>
-              <a:rPr lang="en-US" sz="2000" dirty="0" err="1"/>
-              <a:t>hani</a:t>
-            </a:r>
-            <a:r>
-              <a:rPr lang="en-US" sz="2000" dirty="0"/>
-              <a:t>” (if we need it we store it )</a:t>
-            </a:r>
-          </a:p>
-          <a:p>
-            <a:r>
-              <a:rPr lang="en-US" sz="2000" dirty="0"/>
-              <a:t>-</a:t>
-            </a:r>
-            <a:r>
-              <a:rPr lang="en-US" sz="2000" dirty="0" err="1"/>
-              <a:t>ireplace</a:t>
-            </a:r>
-            <a:r>
-              <a:rPr lang="en-US" sz="2000" dirty="0"/>
-              <a:t> : </a:t>
-            </a:r>
-            <a:r>
-              <a:rPr lang="en-US" sz="2000" dirty="0" err="1"/>
-              <a:t>caseinsensiteve</a:t>
-            </a:r>
-            <a:endParaRPr lang="en-US" sz="2000" dirty="0"/>
-          </a:p>
-          <a:p>
-            <a:r>
-              <a:rPr lang="en-US" sz="2000" dirty="0"/>
-              <a:t>-</a:t>
-            </a:r>
-            <a:r>
-              <a:rPr lang="en-US" sz="2000" dirty="0" err="1"/>
-              <a:t>creplace</a:t>
-            </a:r>
-            <a:r>
-              <a:rPr lang="en-US" sz="2000" dirty="0"/>
-              <a:t> :case sensitive</a:t>
-            </a:r>
-          </a:p>
-          <a:p>
-            <a:r>
-              <a:rPr lang="en-US" sz="2000" dirty="0"/>
-              <a:t>$message –replace “INDU”,”</a:t>
-            </a:r>
-            <a:r>
-              <a:rPr lang="en-US" sz="2000" dirty="0" err="1"/>
-              <a:t>hani</a:t>
-            </a:r>
-            <a:r>
-              <a:rPr lang="en-US" sz="2000" dirty="0"/>
-              <a:t>” (no o/p)</a:t>
-            </a:r>
-          </a:p>
-          <a:p>
-            <a:r>
-              <a:rPr lang="en-US" sz="2000" dirty="0" err="1"/>
-              <a:t>Orginal</a:t>
-            </a:r>
-            <a:r>
-              <a:rPr lang="en-US" sz="2000" dirty="0"/>
-              <a:t> and replacement should be same text”</a:t>
-            </a:r>
-          </a:p>
-          <a:p>
-            <a:endParaRPr lang="en-US" sz="2000" dirty="0"/>
-          </a:p>
-          <a:p>
-            <a:endParaRPr lang="en-IN" sz="2000" dirty="0"/>
+              <a:rPr lang="en-US" sz="1600" dirty="0" err="1">
+                <a:solidFill>
+                  <a:srgbClr val="A82D00"/>
+                </a:solidFill>
+                <a:highlight>
+                  <a:srgbClr val="C0C0C0"/>
+                </a:highlight>
+                <a:latin typeface="Lucida Console" panose="020B0609040504020204" pitchFamily="49" charset="0"/>
+              </a:rPr>
+              <a:t>checkserviece</a:t>
+            </a:r>
+            <a:r>
+              <a:rPr lang="en-US" sz="1600" dirty="0">
+                <a:solidFill>
+                  <a:srgbClr val="696969"/>
+                </a:solidFill>
+                <a:highlight>
+                  <a:srgbClr val="C0C0C0"/>
+                </a:highlight>
+                <a:latin typeface="Lucida Console" panose="020B0609040504020204" pitchFamily="49" charset="0"/>
+              </a:rPr>
+              <a:t>=</a:t>
+            </a:r>
+            <a:r>
+              <a:rPr lang="en-US" sz="1600" dirty="0">
+                <a:solidFill>
+                  <a:srgbClr val="0000FF"/>
+                </a:solidFill>
+                <a:highlight>
+                  <a:srgbClr val="C0C0C0"/>
+                </a:highlight>
+                <a:latin typeface="Lucida Console" panose="020B0609040504020204" pitchFamily="49" charset="0"/>
+              </a:rPr>
+              <a:t>get-service</a:t>
+            </a:r>
+            <a:r>
+              <a:rPr lang="en-US" sz="1600" dirty="0">
+                <a:solidFill>
+                  <a:prstClr val="black"/>
+                </a:solidFill>
+                <a:highlight>
+                  <a:srgbClr val="C0C0C0"/>
+                </a:highlight>
+                <a:latin typeface="Lucida Console" panose="020B0609040504020204" pitchFamily="49" charset="0"/>
+              </a:rPr>
+              <a:t> </a:t>
+            </a:r>
+            <a:r>
+              <a:rPr lang="en-US" sz="1600" dirty="0">
+                <a:solidFill>
+                  <a:srgbClr val="696969"/>
+                </a:solidFill>
+                <a:highlight>
+                  <a:srgbClr val="C0C0C0"/>
+                </a:highlight>
+                <a:latin typeface="Lucida Console" panose="020B0609040504020204" pitchFamily="49" charset="0"/>
+              </a:rPr>
+              <a:t>|</a:t>
+            </a:r>
+            <a:r>
+              <a:rPr lang="en-US" sz="1600" dirty="0">
+                <a:solidFill>
+                  <a:prstClr val="black"/>
+                </a:solidFill>
+                <a:highlight>
+                  <a:srgbClr val="C0C0C0"/>
+                </a:highlight>
+                <a:latin typeface="Lucida Console" panose="020B0609040504020204" pitchFamily="49" charset="0"/>
+              </a:rPr>
+              <a:t> </a:t>
+            </a:r>
+            <a:r>
+              <a:rPr lang="en-US" sz="1600" dirty="0">
+                <a:solidFill>
+                  <a:srgbClr val="0000FF"/>
+                </a:solidFill>
+                <a:highlight>
+                  <a:srgbClr val="C0C0C0"/>
+                </a:highlight>
+                <a:latin typeface="Lucida Console" panose="020B0609040504020204" pitchFamily="49" charset="0"/>
+              </a:rPr>
+              <a:t>Where-Object</a:t>
+            </a:r>
+            <a:r>
+              <a:rPr lang="en-US" sz="1600" dirty="0">
+                <a:solidFill>
+                  <a:prstClr val="black"/>
+                </a:solidFill>
+                <a:highlight>
+                  <a:srgbClr val="C0C0C0"/>
+                </a:highlight>
+                <a:latin typeface="Lucida Console" panose="020B0609040504020204" pitchFamily="49" charset="0"/>
+              </a:rPr>
+              <a:t> {</a:t>
+            </a:r>
+            <a:r>
+              <a:rPr lang="en-US" sz="1600" dirty="0">
+                <a:solidFill>
+                  <a:srgbClr val="A82D00"/>
+                </a:solidFill>
+                <a:highlight>
+                  <a:srgbClr val="C0C0C0"/>
+                </a:highlight>
+                <a:latin typeface="Lucida Console" panose="020B0609040504020204" pitchFamily="49" charset="0"/>
+              </a:rPr>
+              <a:t>$_</a:t>
+            </a:r>
+            <a:r>
+              <a:rPr lang="en-US" sz="1600" dirty="0">
+                <a:solidFill>
+                  <a:srgbClr val="696969"/>
+                </a:solidFill>
+                <a:highlight>
+                  <a:srgbClr val="C0C0C0"/>
+                </a:highlight>
+                <a:latin typeface="Lucida Console" panose="020B0609040504020204" pitchFamily="49" charset="0"/>
+              </a:rPr>
+              <a:t>.</a:t>
+            </a:r>
+            <a:r>
+              <a:rPr lang="en-US" sz="1600" dirty="0">
+                <a:solidFill>
+                  <a:prstClr val="black"/>
+                </a:solidFill>
+                <a:highlight>
+                  <a:srgbClr val="C0C0C0"/>
+                </a:highlight>
+                <a:latin typeface="Lucida Console" panose="020B0609040504020204" pitchFamily="49" charset="0"/>
+              </a:rPr>
+              <a:t>name </a:t>
+            </a:r>
+            <a:r>
+              <a:rPr lang="en-US" sz="1600" dirty="0">
+                <a:solidFill>
+                  <a:srgbClr val="696969"/>
+                </a:solidFill>
+                <a:highlight>
+                  <a:srgbClr val="C0C0C0"/>
+                </a:highlight>
+                <a:latin typeface="Lucida Console" panose="020B0609040504020204" pitchFamily="49" charset="0"/>
+              </a:rPr>
+              <a:t>-eq</a:t>
+            </a:r>
+            <a:r>
+              <a:rPr lang="en-US" sz="1600" dirty="0">
+                <a:solidFill>
+                  <a:prstClr val="black"/>
+                </a:solidFill>
+                <a:highlight>
+                  <a:srgbClr val="C0C0C0"/>
+                </a:highlight>
+                <a:latin typeface="Lucida Console" panose="020B0609040504020204" pitchFamily="49" charset="0"/>
+              </a:rPr>
+              <a:t> </a:t>
+            </a:r>
+            <a:r>
+              <a:rPr lang="en-US" sz="1600" dirty="0">
+                <a:solidFill>
+                  <a:srgbClr val="8B0000"/>
+                </a:solidFill>
+                <a:highlight>
+                  <a:srgbClr val="C0C0C0"/>
+                </a:highlight>
+                <a:latin typeface="Lucida Console" panose="020B0609040504020204" pitchFamily="49" charset="0"/>
+              </a:rPr>
+              <a:t>"</a:t>
+            </a:r>
+            <a:r>
+              <a:rPr lang="en-US" sz="1600" dirty="0" err="1">
+                <a:solidFill>
+                  <a:srgbClr val="8B0000"/>
+                </a:solidFill>
+                <a:highlight>
+                  <a:srgbClr val="C0C0C0"/>
+                </a:highlight>
+                <a:latin typeface="Lucida Console" panose="020B0609040504020204" pitchFamily="49" charset="0"/>
+              </a:rPr>
+              <a:t>wsearch</a:t>
+            </a:r>
+            <a:r>
+              <a:rPr lang="en-US" sz="1600" dirty="0">
+                <a:solidFill>
+                  <a:srgbClr val="8B0000"/>
+                </a:solidFill>
+                <a:highlight>
+                  <a:srgbClr val="C0C0C0"/>
+                </a:highlight>
+                <a:latin typeface="Lucida Console" panose="020B0609040504020204" pitchFamily="49" charset="0"/>
+              </a:rPr>
+              <a:t>"</a:t>
+            </a:r>
+            <a:r>
+              <a:rPr lang="en-US" sz="1600" dirty="0">
+                <a:solidFill>
+                  <a:prstClr val="black"/>
+                </a:solidFill>
+                <a:highlight>
+                  <a:srgbClr val="C0C0C0"/>
+                </a:highlight>
+                <a:latin typeface="Lucida Console" panose="020B0609040504020204" pitchFamily="49" charset="0"/>
+              </a:rPr>
+              <a:t>} </a:t>
+            </a:r>
+          </a:p>
+          <a:p>
+            <a:pPr marL="0" indent="0">
+              <a:buNone/>
+            </a:pPr>
+            <a:endParaRPr lang="en-US" sz="1600" dirty="0">
+              <a:solidFill>
+                <a:prstClr val="black"/>
+              </a:solidFill>
+              <a:highlight>
+                <a:srgbClr val="C0C0C0"/>
+              </a:highlight>
+              <a:latin typeface="Lucida Console" panose="020B0609040504020204" pitchFamily="49" charset="0"/>
+            </a:endParaRPr>
+          </a:p>
+          <a:p>
+            <a:pPr marL="0" indent="0">
+              <a:buNone/>
+            </a:pPr>
+            <a:r>
+              <a:rPr lang="en-IN" sz="1600" b="1" dirty="0"/>
+              <a:t>Check user exists from active directory ?</a:t>
+            </a:r>
+          </a:p>
+          <a:p>
+            <a:pPr marL="0" indent="0">
+              <a:buNone/>
+            </a:pPr>
+            <a:r>
+              <a:rPr lang="en-IN" sz="1600" b="1" dirty="0">
+                <a:highlight>
+                  <a:srgbClr val="C0C0C0"/>
+                </a:highlight>
+              </a:rPr>
+              <a:t>$checkuser =</a:t>
+            </a:r>
+            <a:r>
+              <a:rPr lang="en-IN" sz="1600" b="0" i="0" dirty="0">
+                <a:solidFill>
+                  <a:srgbClr val="0101FD"/>
+                </a:solidFill>
+                <a:effectLst/>
+                <a:highlight>
+                  <a:srgbClr val="C0C0C0"/>
+                </a:highlight>
+                <a:latin typeface="SFMono-Regular"/>
+              </a:rPr>
+              <a:t>Get-</a:t>
+            </a:r>
+            <a:r>
+              <a:rPr lang="en-IN" sz="1600" b="0" i="0" dirty="0" err="1">
+                <a:solidFill>
+                  <a:srgbClr val="0101FD"/>
+                </a:solidFill>
+                <a:effectLst/>
+                <a:highlight>
+                  <a:srgbClr val="C0C0C0"/>
+                </a:highlight>
+                <a:latin typeface="SFMono-Regular"/>
+              </a:rPr>
+              <a:t>ADUser</a:t>
+            </a:r>
+            <a:r>
+              <a:rPr lang="en-IN" sz="1600" b="0" i="0" dirty="0">
+                <a:solidFill>
+                  <a:srgbClr val="006881"/>
+                </a:solidFill>
+                <a:effectLst/>
+                <a:highlight>
+                  <a:srgbClr val="C0C0C0"/>
+                </a:highlight>
+                <a:latin typeface="SFMono-Regular"/>
+              </a:rPr>
+              <a:t> -Filter</a:t>
+            </a:r>
+            <a:r>
+              <a:rPr lang="en-IN" sz="1600" b="0" i="0" dirty="0">
+                <a:solidFill>
+                  <a:srgbClr val="171717"/>
+                </a:solidFill>
+                <a:effectLst/>
+                <a:highlight>
+                  <a:srgbClr val="C0C0C0"/>
+                </a:highlight>
+                <a:latin typeface="SFMono-Regular"/>
+              </a:rPr>
+              <a:t> </a:t>
+            </a:r>
+            <a:r>
+              <a:rPr lang="en-IN" sz="1600" b="0" i="0" dirty="0">
+                <a:solidFill>
+                  <a:srgbClr val="A31515"/>
+                </a:solidFill>
+                <a:effectLst/>
+                <a:highlight>
+                  <a:srgbClr val="C0C0C0"/>
+                </a:highlight>
+                <a:latin typeface="SFMono-Regular"/>
+              </a:rPr>
+              <a:t>"Name -</a:t>
+            </a:r>
+            <a:r>
+              <a:rPr lang="en-IN" sz="1600" b="0" i="0" dirty="0" err="1">
+                <a:solidFill>
+                  <a:srgbClr val="A31515"/>
+                </a:solidFill>
+                <a:effectLst/>
+                <a:highlight>
+                  <a:srgbClr val="C0C0C0"/>
+                </a:highlight>
+                <a:latin typeface="SFMono-Regular"/>
+              </a:rPr>
+              <a:t>eq</a:t>
+            </a:r>
+            <a:r>
+              <a:rPr lang="en-IN" sz="1600" b="0" i="0" dirty="0">
+                <a:solidFill>
+                  <a:srgbClr val="A31515"/>
+                </a:solidFill>
+                <a:effectLst/>
+                <a:highlight>
+                  <a:srgbClr val="C0C0C0"/>
+                </a:highlight>
+                <a:latin typeface="SFMono-Regular"/>
+              </a:rPr>
+              <a:t> '</a:t>
+            </a:r>
+            <a:r>
+              <a:rPr lang="en-IN" sz="1600" b="0" i="0" dirty="0" err="1">
+                <a:solidFill>
+                  <a:srgbClr val="A31515"/>
+                </a:solidFill>
+                <a:effectLst/>
+                <a:highlight>
+                  <a:srgbClr val="C0C0C0"/>
+                </a:highlight>
+                <a:latin typeface="SFMono-Regular"/>
+              </a:rPr>
+              <a:t>ChewDavid</a:t>
+            </a:r>
+            <a:r>
+              <a:rPr lang="en-IN" sz="1600" b="0" i="0" dirty="0">
+                <a:solidFill>
+                  <a:srgbClr val="A31515"/>
+                </a:solidFill>
+                <a:effectLst/>
+                <a:highlight>
+                  <a:srgbClr val="C0C0C0"/>
+                </a:highlight>
+                <a:latin typeface="SFMono-Regular"/>
+              </a:rPr>
+              <a:t>’”</a:t>
+            </a:r>
+          </a:p>
+          <a:p>
+            <a:pPr marL="0" indent="0">
+              <a:buNone/>
+            </a:pPr>
+            <a:endParaRPr lang="en-IN" sz="1600" b="1" dirty="0">
+              <a:solidFill>
+                <a:srgbClr val="A31515"/>
+              </a:solidFill>
+              <a:highlight>
+                <a:srgbClr val="C0C0C0"/>
+              </a:highlight>
+              <a:latin typeface="SFMono-Regular"/>
+            </a:endParaRPr>
+          </a:p>
+          <a:p>
+            <a:pPr marL="0" indent="0">
+              <a:buNone/>
+            </a:pPr>
+            <a:r>
+              <a:rPr lang="en-IN" sz="1600" b="1" dirty="0">
+                <a:highlight>
+                  <a:srgbClr val="C0C0C0"/>
+                </a:highlight>
+                <a:latin typeface="SFMono-Regular"/>
+              </a:rPr>
+              <a:t>Get files which are created two days back in particular folder</a:t>
+            </a:r>
+          </a:p>
+          <a:p>
+            <a:pPr marL="0" indent="0">
+              <a:buNone/>
+            </a:pPr>
+            <a:r>
+              <a:rPr lang="en-US" sz="1100" dirty="0">
+                <a:solidFill>
+                  <a:srgbClr val="C00000"/>
+                </a:solidFill>
+                <a:highlight>
+                  <a:srgbClr val="C0C0C0"/>
+                </a:highlight>
+              </a:rPr>
+              <a:t> </a:t>
+            </a:r>
+            <a:r>
+              <a:rPr lang="en-US" sz="1600" dirty="0">
+                <a:solidFill>
+                  <a:srgbClr val="C00000"/>
+                </a:solidFill>
+                <a:highlight>
+                  <a:srgbClr val="C0C0C0"/>
+                </a:highlight>
+                <a:latin typeface="Lucida Console" panose="020B0609040504020204" pitchFamily="49" charset="0"/>
+              </a:rPr>
+              <a:t>Get-</a:t>
+            </a:r>
+            <a:r>
+              <a:rPr lang="en-US" sz="1600" dirty="0" err="1">
+                <a:solidFill>
+                  <a:srgbClr val="C00000"/>
+                </a:solidFill>
+                <a:highlight>
+                  <a:srgbClr val="C0C0C0"/>
+                </a:highlight>
+                <a:latin typeface="Lucida Console" panose="020B0609040504020204" pitchFamily="49" charset="0"/>
+              </a:rPr>
+              <a:t>ChildItem</a:t>
+            </a:r>
+            <a:r>
+              <a:rPr lang="en-US" sz="1600" dirty="0">
+                <a:solidFill>
+                  <a:srgbClr val="C00000"/>
+                </a:solidFill>
+                <a:highlight>
+                  <a:srgbClr val="C0C0C0"/>
+                </a:highlight>
+                <a:latin typeface="Lucida Console" panose="020B0609040504020204" pitchFamily="49" charset="0"/>
+              </a:rPr>
+              <a:t> –path “</a:t>
+            </a:r>
+            <a:r>
+              <a:rPr lang="en-US" sz="1600" dirty="0" err="1">
+                <a:solidFill>
+                  <a:srgbClr val="C00000"/>
+                </a:solidFill>
+                <a:highlight>
+                  <a:srgbClr val="C0C0C0"/>
+                </a:highlight>
+                <a:latin typeface="Lucida Console" panose="020B0609040504020204" pitchFamily="49" charset="0"/>
+              </a:rPr>
+              <a:t>c:users</a:t>
+            </a:r>
+            <a:r>
+              <a:rPr lang="en-US" sz="1600" dirty="0">
+                <a:solidFill>
+                  <a:srgbClr val="C00000"/>
+                </a:solidFill>
+                <a:highlight>
+                  <a:srgbClr val="C0C0C0"/>
+                </a:highlight>
+                <a:latin typeface="Lucida Console" panose="020B0609040504020204" pitchFamily="49" charset="0"/>
+              </a:rPr>
+              <a:t>\test” |Where-Object{$_.</a:t>
+            </a:r>
+            <a:r>
+              <a:rPr lang="en-US" sz="1600" dirty="0" err="1">
+                <a:solidFill>
+                  <a:srgbClr val="C00000"/>
+                </a:solidFill>
+                <a:highlight>
+                  <a:srgbClr val="C0C0C0"/>
+                </a:highlight>
+                <a:latin typeface="Lucida Console" panose="020B0609040504020204" pitchFamily="49" charset="0"/>
+              </a:rPr>
+              <a:t>CreationTime</a:t>
+            </a:r>
+            <a:r>
+              <a:rPr lang="en-US" sz="1600" dirty="0">
+                <a:solidFill>
+                  <a:srgbClr val="C00000"/>
+                </a:solidFill>
+                <a:highlight>
+                  <a:srgbClr val="C0C0C0"/>
+                </a:highlight>
+                <a:latin typeface="Lucida Console" panose="020B0609040504020204" pitchFamily="49" charset="0"/>
+              </a:rPr>
+              <a:t> -le (get-date).</a:t>
+            </a:r>
+            <a:r>
+              <a:rPr lang="en-US" sz="1600" dirty="0" err="1">
+                <a:solidFill>
+                  <a:srgbClr val="C00000"/>
+                </a:solidFill>
+                <a:highlight>
+                  <a:srgbClr val="C0C0C0"/>
+                </a:highlight>
+                <a:latin typeface="Lucida Console" panose="020B0609040504020204" pitchFamily="49" charset="0"/>
+              </a:rPr>
+              <a:t>AddDays</a:t>
+            </a:r>
+            <a:r>
+              <a:rPr lang="en-US" sz="1600" dirty="0">
+                <a:solidFill>
+                  <a:srgbClr val="C00000"/>
+                </a:solidFill>
+                <a:highlight>
+                  <a:srgbClr val="C0C0C0"/>
+                </a:highlight>
+                <a:latin typeface="Lucida Console" panose="020B0609040504020204" pitchFamily="49" charset="0"/>
+              </a:rPr>
+              <a:t>(-2)} </a:t>
+            </a:r>
+          </a:p>
+          <a:p>
+            <a:pPr marL="0" indent="0">
+              <a:buNone/>
+            </a:pPr>
+            <a:endParaRPr lang="en-IN" sz="1600" dirty="0">
+              <a:highlight>
+                <a:srgbClr val="C0C0C0"/>
+              </a:highlight>
+              <a:latin typeface="SFMono-Regular"/>
+            </a:endParaRPr>
+          </a:p>
+          <a:p>
+            <a:pPr marL="0" indent="0">
+              <a:buNone/>
+            </a:pPr>
+            <a:r>
+              <a:rPr lang="en-IN" sz="1600" b="1" dirty="0">
+                <a:highlight>
+                  <a:srgbClr val="C0C0C0"/>
+                </a:highlight>
+                <a:latin typeface="SFMono-Regular"/>
+              </a:rPr>
+              <a:t>Get files which are not created  to today</a:t>
+            </a:r>
+          </a:p>
+          <a:p>
+            <a:pPr marL="0" indent="0">
+              <a:buNone/>
+            </a:pPr>
+            <a:r>
+              <a:rPr lang="en-US" sz="1100" dirty="0">
+                <a:solidFill>
+                  <a:srgbClr val="C00000"/>
+                </a:solidFill>
+                <a:highlight>
+                  <a:srgbClr val="C0C0C0"/>
+                </a:highlight>
+              </a:rPr>
+              <a:t> </a:t>
+            </a:r>
+            <a:r>
+              <a:rPr lang="en-US" sz="1600" dirty="0">
+                <a:solidFill>
+                  <a:srgbClr val="C00000"/>
+                </a:solidFill>
+                <a:highlight>
+                  <a:srgbClr val="C0C0C0"/>
+                </a:highlight>
+                <a:latin typeface="Lucida Console" panose="020B0609040504020204" pitchFamily="49" charset="0"/>
+              </a:rPr>
+              <a:t>Get-</a:t>
+            </a:r>
+            <a:r>
+              <a:rPr lang="en-US" sz="1600" dirty="0" err="1">
+                <a:solidFill>
+                  <a:srgbClr val="C00000"/>
+                </a:solidFill>
+                <a:highlight>
+                  <a:srgbClr val="C0C0C0"/>
+                </a:highlight>
+                <a:latin typeface="Lucida Console" panose="020B0609040504020204" pitchFamily="49" charset="0"/>
+              </a:rPr>
+              <a:t>ChildItem</a:t>
+            </a:r>
+            <a:r>
+              <a:rPr lang="en-US" sz="1600" dirty="0">
+                <a:solidFill>
+                  <a:srgbClr val="C00000"/>
+                </a:solidFill>
+                <a:highlight>
+                  <a:srgbClr val="C0C0C0"/>
+                </a:highlight>
+                <a:latin typeface="Lucida Console" panose="020B0609040504020204" pitchFamily="49" charset="0"/>
+              </a:rPr>
+              <a:t> –path “</a:t>
+            </a:r>
+            <a:r>
+              <a:rPr lang="en-US" sz="1600" dirty="0" err="1">
+                <a:solidFill>
+                  <a:srgbClr val="C00000"/>
+                </a:solidFill>
+                <a:highlight>
+                  <a:srgbClr val="C0C0C0"/>
+                </a:highlight>
+                <a:latin typeface="Lucida Console" panose="020B0609040504020204" pitchFamily="49" charset="0"/>
+              </a:rPr>
+              <a:t>c:users</a:t>
+            </a:r>
+            <a:r>
+              <a:rPr lang="en-US" sz="1600" dirty="0">
+                <a:solidFill>
+                  <a:srgbClr val="C00000"/>
+                </a:solidFill>
+                <a:highlight>
+                  <a:srgbClr val="C0C0C0"/>
+                </a:highlight>
+                <a:latin typeface="Lucida Console" panose="020B0609040504020204" pitchFamily="49" charset="0"/>
+              </a:rPr>
+              <a:t>\test” |Where-Object{$_.</a:t>
+            </a:r>
+            <a:r>
+              <a:rPr lang="en-US" sz="1600" dirty="0" err="1">
+                <a:solidFill>
+                  <a:srgbClr val="C00000"/>
+                </a:solidFill>
+                <a:highlight>
+                  <a:srgbClr val="C0C0C0"/>
+                </a:highlight>
+                <a:latin typeface="Lucida Console" panose="020B0609040504020204" pitchFamily="49" charset="0"/>
+              </a:rPr>
+              <a:t>CreationTime</a:t>
+            </a:r>
+            <a:r>
+              <a:rPr lang="en-US" sz="1600" dirty="0">
+                <a:solidFill>
+                  <a:srgbClr val="C00000"/>
+                </a:solidFill>
+                <a:highlight>
+                  <a:srgbClr val="C0C0C0"/>
+                </a:highlight>
+                <a:latin typeface="Lucida Console" panose="020B0609040504020204" pitchFamily="49" charset="0"/>
+              </a:rPr>
+              <a:t> -ne (get-date)}</a:t>
+            </a:r>
+          </a:p>
+          <a:p>
+            <a:pPr marL="0" indent="0">
+              <a:buNone/>
+            </a:pPr>
+            <a:endParaRPr lang="en-IN" sz="1600" dirty="0">
+              <a:highlight>
+                <a:srgbClr val="C0C0C0"/>
+              </a:highlight>
+              <a:latin typeface="SFMono-Regular"/>
+            </a:endParaRPr>
           </a:p>
         </p:txBody>
       </p:sp>
     </p:spTree>
     <p:extLst>
       <p:ext uri="{BB962C8B-B14F-4D97-AF65-F5344CB8AC3E}">
-        <p14:creationId xmlns:p14="http://schemas.microsoft.com/office/powerpoint/2010/main" val="723990046"/>
+        <p14:creationId xmlns:p14="http://schemas.microsoft.com/office/powerpoint/2010/main" val="186565965"/>
       </p:ext>
     </p:extLst>
   </p:cSld>
@@ -7580,7 +9614,7 @@
           <p:cNvPr id="2" name="Title 1">
             <a:extLst>
               <a:ext uri="{FF2B5EF4-FFF2-40B4-BE49-F238E27FC236}">
-                <a16:creationId xmlns:a16="http://schemas.microsoft.com/office/drawing/2014/main" id="{A199B150-A0EB-2EFF-2650-10487ED0359A}"/>
+                <a16:creationId xmlns:a16="http://schemas.microsoft.com/office/drawing/2014/main" id="{10385EC8-3727-0E02-8426-DA118BE132A9}"/>
               </a:ext>
             </a:extLst>
           </p:cNvPr>
@@ -7591,32 +9625,12 @@
             <p:ph type="title"/>
           </p:nvPr>
         </p:nvSpPr>
-        <p:spPr/>
-        <p:txBody>
-          <a:bodyPr/>
-          <a:lstStyle/>
-          <a:p>
-            <a:endParaRPr lang="en-IN"/>
-          </a:p>
-        </p:txBody>
-      </p:sp>
-      <p:sp>
-        <p:nvSpPr>
-          <p:cNvPr id="3" name="Content Placeholder 2">
-            <a:extLst>
-              <a:ext uri="{FF2B5EF4-FFF2-40B4-BE49-F238E27FC236}">
-                <a16:creationId xmlns:a16="http://schemas.microsoft.com/office/drawing/2014/main" id="{064EA9A4-E9CE-6F09-EF54-FE3C81233B90}"/>
-              </a:ext>
-            </a:extLst>
-          </p:cNvPr>
-          <p:cNvSpPr>
-            <a:spLocks noGrp="1"/>
-          </p:cNvSpPr>
-          <p:nvPr>
-            <p:ph idx="1"/>
-          </p:nvPr>
-        </p:nvSpPr>
-        <p:spPr/>
+        <p:spPr>
+          <a:xfrm>
+            <a:off x="838200" y="365125"/>
+            <a:ext cx="10515600" cy="975995"/>
+          </a:xfrm>
+        </p:spPr>
         <p:txBody>
           <a:bodyPr>
             <a:normAutofit/>
@@ -7624,155 +9638,503 @@
           <a:lstStyle/>
           <a:p>
             <a:r>
-              <a:rPr lang="en-US" sz="1800" dirty="0"/>
-              <a:t>Like </a:t>
-            </a:r>
-          </a:p>
-          <a:p>
-            <a:pPr marL="0" indent="0">
-              <a:buNone/>
-            </a:pPr>
-            <a:r>
-              <a:rPr lang="en-US" sz="1800" dirty="0" err="1"/>
-              <a:t>Notlike,clike,ilike</a:t>
-            </a:r>
-            <a:endParaRPr lang="en-US" sz="1800" dirty="0"/>
-          </a:p>
-          <a:p>
-            <a:pPr marL="0" indent="0">
-              <a:buNone/>
-            </a:pPr>
-            <a:r>
-              <a:rPr lang="en-US" sz="1800" dirty="0"/>
-              <a:t>$text=“rose are red”</a:t>
-            </a:r>
-          </a:p>
-          <a:p>
-            <a:pPr marL="0" indent="0">
-              <a:buNone/>
-            </a:pPr>
-            <a:r>
-              <a:rPr lang="en-US" sz="1800" dirty="0"/>
-              <a:t>Which is to test  given  string </a:t>
-            </a:r>
-            <a:r>
-              <a:rPr lang="en-US" sz="1800" dirty="0" err="1"/>
-              <a:t>format,and</a:t>
-            </a:r>
-            <a:r>
-              <a:rPr lang="en-US" sz="1800" dirty="0"/>
-              <a:t> we always use *,wild card ,one or more chars</a:t>
-            </a:r>
-          </a:p>
-          <a:p>
-            <a:pPr marL="0" indent="0">
-              <a:buNone/>
-            </a:pPr>
-            <a:r>
-              <a:rPr lang="en-US" sz="1800" dirty="0"/>
-              <a:t>$text=“rose are *”</a:t>
-            </a:r>
-          </a:p>
-          <a:p>
-            <a:pPr marL="0" indent="0">
-              <a:buNone/>
-            </a:pPr>
-            <a:r>
-              <a:rPr lang="en-US" sz="1800" dirty="0"/>
-              <a:t>$text=“* are*”</a:t>
-            </a:r>
-          </a:p>
-          <a:p>
-            <a:pPr marL="0" indent="0">
-              <a:buNone/>
-            </a:pPr>
-            <a:r>
-              <a:rPr lang="en-IN" sz="1800" dirty="0" err="1"/>
-              <a:t>Notlike</a:t>
-            </a:r>
-            <a:r>
-              <a:rPr lang="en-IN" sz="1800" dirty="0"/>
-              <a:t> </a:t>
-            </a:r>
-          </a:p>
-          <a:p>
-            <a:pPr marL="0" indent="0">
-              <a:buNone/>
-            </a:pPr>
-            <a:r>
-              <a:rPr lang="en-IN" sz="1800" dirty="0"/>
-              <a:t>$text –</a:t>
-            </a:r>
-            <a:r>
-              <a:rPr lang="en-IN" sz="1800" dirty="0" err="1"/>
-              <a:t>notlike</a:t>
-            </a:r>
-            <a:r>
-              <a:rPr lang="en-IN" sz="1800" dirty="0"/>
-              <a:t> “rose*”</a:t>
-            </a:r>
-          </a:p>
-          <a:p>
-            <a:pPr marL="0" indent="0">
-              <a:buNone/>
-            </a:pPr>
-            <a:r>
-              <a:rPr lang="en-IN" sz="1800" dirty="0" err="1"/>
-              <a:t>Clike</a:t>
-            </a:r>
-            <a:r>
-              <a:rPr lang="en-IN" sz="1800" dirty="0"/>
-              <a:t>: case sensitive</a:t>
-            </a:r>
-          </a:p>
-          <a:p>
-            <a:pPr marL="0" indent="0">
-              <a:buNone/>
-            </a:pPr>
-            <a:r>
-              <a:rPr lang="en-IN" sz="1800" dirty="0"/>
-              <a:t>$text –</a:t>
-            </a:r>
-            <a:r>
-              <a:rPr lang="en-IN" sz="1800" dirty="0" err="1"/>
-              <a:t>clike</a:t>
-            </a:r>
-            <a:r>
-              <a:rPr lang="en-IN" sz="1800" dirty="0"/>
-              <a:t> “Rose”</a:t>
-            </a:r>
-          </a:p>
-          <a:p>
-            <a:pPr marL="0" indent="0">
-              <a:buNone/>
-            </a:pPr>
-            <a:r>
-              <a:rPr lang="en-IN" sz="1800" dirty="0" err="1"/>
-              <a:t>Ilike</a:t>
-            </a:r>
-            <a:r>
-              <a:rPr lang="en-IN" sz="1800" dirty="0"/>
-              <a:t>: case insensitive</a:t>
-            </a:r>
-          </a:p>
-          <a:p>
-            <a:pPr marL="0" indent="0">
-              <a:buNone/>
-            </a:pPr>
-            <a:endParaRPr lang="en-IN" sz="1800" dirty="0"/>
-          </a:p>
-          <a:p>
-            <a:pPr marL="0" indent="0">
-              <a:buNone/>
-            </a:pPr>
-            <a:endParaRPr lang="en-US" sz="1800" dirty="0"/>
+              <a:rPr lang="en-IN" sz="1800" b="1" dirty="0"/>
+              <a:t>Logical Operators</a:t>
+            </a:r>
           </a:p>
         </p:txBody>
       </p:sp>
+      <p:graphicFrame>
+        <p:nvGraphicFramePr>
+          <p:cNvPr id="4" name="Table 4">
+            <a:extLst>
+              <a:ext uri="{FF2B5EF4-FFF2-40B4-BE49-F238E27FC236}">
+                <a16:creationId xmlns:a16="http://schemas.microsoft.com/office/drawing/2014/main" id="{7E4B8A7E-C027-8DEB-114E-9FFBE8E5ED9F}"/>
+              </a:ext>
+            </a:extLst>
+          </p:cNvPr>
+          <p:cNvGraphicFramePr>
+            <a:graphicFrameLocks noGrp="1"/>
+          </p:cNvGraphicFramePr>
+          <p:nvPr>
+            <p:ph idx="1"/>
+            <p:extLst>
+              <p:ext uri="{D42A27DB-BD31-4B8C-83A1-F6EECF244321}">
+                <p14:modId xmlns:p14="http://schemas.microsoft.com/office/powerpoint/2010/main" val="3217223249"/>
+              </p:ext>
+            </p:extLst>
+          </p:nvPr>
+        </p:nvGraphicFramePr>
+        <p:xfrm>
+          <a:off x="736600" y="1684020"/>
+          <a:ext cx="10825479" cy="3484880"/>
+        </p:xfrm>
+        <a:graphic>
+          <a:graphicData uri="http://schemas.openxmlformats.org/drawingml/2006/table">
+            <a:tbl>
+              <a:tblPr firstRow="1" bandRow="1">
+                <a:tableStyleId>{5C22544A-7EE6-4342-B048-85BDC9FD1C3A}</a:tableStyleId>
+              </a:tblPr>
+              <a:tblGrid>
+                <a:gridCol w="1595059">
+                  <a:extLst>
+                    <a:ext uri="{9D8B030D-6E8A-4147-A177-3AD203B41FA5}">
+                      <a16:colId xmlns:a16="http://schemas.microsoft.com/office/drawing/2014/main" val="1326568203"/>
+                    </a:ext>
+                  </a:extLst>
+                </a:gridCol>
+                <a:gridCol w="4256977">
+                  <a:extLst>
+                    <a:ext uri="{9D8B030D-6E8A-4147-A177-3AD203B41FA5}">
+                      <a16:colId xmlns:a16="http://schemas.microsoft.com/office/drawing/2014/main" val="1852076488"/>
+                    </a:ext>
+                  </a:extLst>
+                </a:gridCol>
+                <a:gridCol w="4973443">
+                  <a:extLst>
+                    <a:ext uri="{9D8B030D-6E8A-4147-A177-3AD203B41FA5}">
+                      <a16:colId xmlns:a16="http://schemas.microsoft.com/office/drawing/2014/main" val="842270242"/>
+                    </a:ext>
+                  </a:extLst>
+                </a:gridCol>
+              </a:tblGrid>
+              <a:tr h="370840">
+                <a:tc>
+                  <a:txBody>
+                    <a:bodyPr/>
+                    <a:lstStyle/>
+                    <a:p>
+                      <a:r>
+                        <a:rPr lang="en-IN" dirty="0"/>
+                        <a:t>Type</a:t>
+                      </a:r>
+                    </a:p>
+                  </a:txBody>
+                  <a:tcPr/>
+                </a:tc>
+                <a:tc>
+                  <a:txBody>
+                    <a:bodyPr/>
+                    <a:lstStyle/>
+                    <a:p>
+                      <a:r>
+                        <a:rPr lang="en-IN" dirty="0"/>
+                        <a:t>operator</a:t>
+                      </a:r>
+                    </a:p>
+                  </a:txBody>
+                  <a:tcPr/>
+                </a:tc>
+                <a:tc>
+                  <a:txBody>
+                    <a:bodyPr/>
+                    <a:lstStyle/>
+                    <a:p>
+                      <a:r>
+                        <a:rPr lang="en-IN" dirty="0"/>
+                        <a:t>description</a:t>
+                      </a:r>
+                    </a:p>
+                  </a:txBody>
+                  <a:tcPr/>
+                </a:tc>
+                <a:extLst>
+                  <a:ext uri="{0D108BD9-81ED-4DB2-BD59-A6C34878D82A}">
+                    <a16:rowId xmlns:a16="http://schemas.microsoft.com/office/drawing/2014/main" val="1677020017"/>
+                  </a:ext>
+                </a:extLst>
+              </a:tr>
+              <a:tr h="370840">
+                <a:tc>
+                  <a:txBody>
+                    <a:bodyPr/>
+                    <a:lstStyle/>
+                    <a:p>
+                      <a:r>
+                        <a:rPr lang="en-IN" dirty="0"/>
+                        <a:t>Logical not</a:t>
+                      </a:r>
+                    </a:p>
+                  </a:txBody>
+                  <a:tcPr/>
+                </a:tc>
+                <a:tc>
+                  <a:txBody>
+                    <a:bodyPr/>
+                    <a:lstStyle/>
+                    <a:p>
+                      <a:r>
+                        <a:rPr lang="en-IN" dirty="0"/>
+                        <a:t>! : For reversing the output</a:t>
+                      </a:r>
+                    </a:p>
+                  </a:txBody>
+                  <a:tcPr/>
+                </a:tc>
+                <a:tc>
+                  <a:txBody>
+                    <a:bodyPr/>
+                    <a:lstStyle/>
+                    <a:p>
+                      <a:r>
+                        <a:rPr lang="en-IN" dirty="0"/>
+                        <a:t>$y =10</a:t>
+                      </a:r>
+                    </a:p>
+                    <a:p>
+                      <a:r>
+                        <a:rPr lang="en-IN" dirty="0"/>
+                        <a:t>!($y –</a:t>
+                      </a:r>
+                      <a:r>
+                        <a:rPr lang="en-IN" dirty="0" err="1"/>
+                        <a:t>gt</a:t>
+                      </a:r>
+                      <a:r>
+                        <a:rPr lang="en-IN" dirty="0"/>
+                        <a:t> 5)</a:t>
+                      </a:r>
+                    </a:p>
+                  </a:txBody>
+                  <a:tcPr/>
+                </a:tc>
+                <a:extLst>
+                  <a:ext uri="{0D108BD9-81ED-4DB2-BD59-A6C34878D82A}">
+                    <a16:rowId xmlns:a16="http://schemas.microsoft.com/office/drawing/2014/main" val="583094825"/>
+                  </a:ext>
+                </a:extLst>
+              </a:tr>
+              <a:tr h="0">
+                <a:tc>
+                  <a:txBody>
+                    <a:bodyPr/>
+                    <a:lstStyle/>
+                    <a:p>
+                      <a:r>
+                        <a:rPr lang="en-IN" dirty="0"/>
+                        <a:t>Logical and</a:t>
+                      </a:r>
+                    </a:p>
+                  </a:txBody>
+                  <a:tcPr/>
+                </a:tc>
+                <a:tc>
+                  <a:txBody>
+                    <a:bodyPr/>
+                    <a:lstStyle/>
+                    <a:p>
+                      <a:pPr marL="0" marR="0" lvl="0" indent="0" algn="l" defTabSz="914400" rtl="0" eaLnBrk="1" fontAlgn="auto" latinLnBrk="0" hangingPunct="1">
+                        <a:lnSpc>
+                          <a:spcPct val="100000"/>
+                        </a:lnSpc>
+                        <a:spcBef>
+                          <a:spcPts val="0"/>
+                        </a:spcBef>
+                        <a:spcAft>
+                          <a:spcPts val="0"/>
+                        </a:spcAft>
+                        <a:buClrTx/>
+                        <a:buSzTx/>
+                        <a:buFontTx/>
+                        <a:buNone/>
+                        <a:tabLst/>
+                        <a:defRPr/>
+                      </a:pPr>
+                      <a:r>
+                        <a:rPr lang="en-US" sz="1800" dirty="0"/>
+                        <a:t>-and :if all the statements </a:t>
+                      </a:r>
+                      <a:r>
+                        <a:rPr lang="en-US" sz="1800" dirty="0" err="1"/>
+                        <a:t>true,it</a:t>
+                      </a:r>
+                      <a:r>
+                        <a:rPr lang="en-US" sz="1800" dirty="0"/>
+                        <a:t> gives true.</a:t>
+                      </a:r>
+                    </a:p>
+                    <a:p>
+                      <a:r>
+                        <a:rPr lang="en-IN" dirty="0"/>
+                        <a:t>Which is to combine multiple statements</a:t>
+                      </a:r>
+                    </a:p>
+                  </a:txBody>
+                  <a:tcPr/>
+                </a:tc>
+                <a:tc>
+                  <a:txBody>
+                    <a:bodyPr/>
+                    <a:lstStyle/>
+                    <a:p>
+                      <a:pPr marL="0" marR="0" lvl="0" indent="0" algn="l" defTabSz="914400" rtl="0" eaLnBrk="1" fontAlgn="auto" latinLnBrk="0" hangingPunct="1">
+                        <a:lnSpc>
+                          <a:spcPct val="100000"/>
+                        </a:lnSpc>
+                        <a:spcBef>
+                          <a:spcPts val="0"/>
+                        </a:spcBef>
+                        <a:spcAft>
+                          <a:spcPts val="0"/>
+                        </a:spcAft>
+                        <a:buClrTx/>
+                        <a:buSzTx/>
+                        <a:buFontTx/>
+                        <a:buNone/>
+                        <a:tabLst/>
+                        <a:defRPr/>
+                      </a:pPr>
+                      <a:r>
+                        <a:rPr lang="en-US" sz="1800" dirty="0"/>
+                        <a:t>$y=10</a:t>
+                      </a:r>
+                    </a:p>
+                    <a:p>
+                      <a:pPr marL="0" marR="0" lvl="0" indent="0" algn="l" defTabSz="914400" rtl="0" eaLnBrk="1" fontAlgn="auto" latinLnBrk="0" hangingPunct="1">
+                        <a:lnSpc>
+                          <a:spcPct val="100000"/>
+                        </a:lnSpc>
+                        <a:spcBef>
+                          <a:spcPts val="0"/>
+                        </a:spcBef>
+                        <a:spcAft>
+                          <a:spcPts val="0"/>
+                        </a:spcAft>
+                        <a:buClrTx/>
+                        <a:buSzTx/>
+                        <a:buFontTx/>
+                        <a:buNone/>
+                        <a:tabLst/>
+                        <a:defRPr/>
+                      </a:pPr>
+                      <a:r>
+                        <a:rPr lang="en-US" sz="1800" dirty="0"/>
+                        <a:t>($y –</a:t>
+                      </a:r>
+                      <a:r>
+                        <a:rPr lang="en-US" sz="1800" dirty="0" err="1"/>
+                        <a:t>gt</a:t>
+                      </a:r>
+                      <a:r>
+                        <a:rPr lang="en-US" sz="1800" dirty="0"/>
+                        <a:t> 5) –and ($y –</a:t>
+                      </a:r>
+                      <a:r>
+                        <a:rPr lang="en-US" sz="1800" dirty="0" err="1"/>
+                        <a:t>lt</a:t>
+                      </a:r>
+                      <a:r>
+                        <a:rPr lang="en-US" sz="1800" dirty="0"/>
+                        <a:t> 4) –and($y –</a:t>
+                      </a:r>
+                      <a:r>
+                        <a:rPr lang="en-US" sz="1800" dirty="0" err="1"/>
+                        <a:t>lt</a:t>
+                      </a:r>
+                      <a:r>
+                        <a:rPr lang="en-US" sz="1800" dirty="0"/>
+                        <a:t> 6)</a:t>
+                      </a:r>
+                    </a:p>
+                    <a:p>
+                      <a:pPr marL="0" marR="0" lvl="0" indent="0" algn="l" defTabSz="914400" rtl="0" eaLnBrk="1" fontAlgn="auto" latinLnBrk="0" hangingPunct="1">
+                        <a:lnSpc>
+                          <a:spcPct val="100000"/>
+                        </a:lnSpc>
+                        <a:spcBef>
+                          <a:spcPts val="0"/>
+                        </a:spcBef>
+                        <a:spcAft>
+                          <a:spcPts val="0"/>
+                        </a:spcAft>
+                        <a:buClrTx/>
+                        <a:buSzTx/>
+                        <a:buFontTx/>
+                        <a:buNone/>
+                        <a:tabLst/>
+                        <a:defRPr/>
+                      </a:pPr>
+                      <a:endParaRPr lang="en-US" sz="1800" dirty="0"/>
+                    </a:p>
+                    <a:p>
+                      <a:pPr marL="0" marR="0" lvl="0" indent="0" algn="l" defTabSz="914400" rtl="0" eaLnBrk="1" fontAlgn="auto" latinLnBrk="0" hangingPunct="1">
+                        <a:lnSpc>
+                          <a:spcPct val="100000"/>
+                        </a:lnSpc>
+                        <a:spcBef>
+                          <a:spcPts val="0"/>
+                        </a:spcBef>
+                        <a:spcAft>
+                          <a:spcPts val="0"/>
+                        </a:spcAft>
+                        <a:buClrTx/>
+                        <a:buSzTx/>
+                        <a:buFontTx/>
+                        <a:buNone/>
+                        <a:tabLst/>
+                        <a:defRPr/>
+                      </a:pPr>
+                      <a:r>
+                        <a:rPr lang="en-US" sz="1800" dirty="0"/>
+                        <a:t>o/p :true</a:t>
+                      </a:r>
+                    </a:p>
+                    <a:p>
+                      <a:endParaRPr lang="en-IN" dirty="0"/>
+                    </a:p>
+                  </a:txBody>
+                  <a:tcPr/>
+                </a:tc>
+                <a:extLst>
+                  <a:ext uri="{0D108BD9-81ED-4DB2-BD59-A6C34878D82A}">
+                    <a16:rowId xmlns:a16="http://schemas.microsoft.com/office/drawing/2014/main" val="1306686621"/>
+                  </a:ext>
+                </a:extLst>
+              </a:tr>
+              <a:tr h="370840">
+                <a:tc>
+                  <a:txBody>
+                    <a:bodyPr/>
+                    <a:lstStyle/>
+                    <a:p>
+                      <a:r>
+                        <a:rPr lang="en-IN" dirty="0"/>
+                        <a:t>Logical or</a:t>
+                      </a:r>
+                    </a:p>
+                  </a:txBody>
+                  <a:tcPr/>
+                </a:tc>
+                <a:tc>
+                  <a:txBody>
+                    <a:bodyPr/>
+                    <a:lstStyle/>
+                    <a:p>
+                      <a:r>
+                        <a:rPr lang="en-IN" dirty="0"/>
+                        <a:t>-or :If any of the statement is true, result is true</a:t>
+                      </a:r>
+                    </a:p>
+                  </a:txBody>
+                  <a:tcPr/>
+                </a:tc>
+                <a:tc>
+                  <a:txBody>
+                    <a:bodyPr/>
+                    <a:lstStyle/>
+                    <a:p>
+                      <a:pPr marL="0" marR="0" lvl="0" indent="0" algn="l" defTabSz="914400" rtl="0" eaLnBrk="1" fontAlgn="auto" latinLnBrk="0" hangingPunct="1">
+                        <a:lnSpc>
+                          <a:spcPct val="100000"/>
+                        </a:lnSpc>
+                        <a:spcBef>
+                          <a:spcPts val="0"/>
+                        </a:spcBef>
+                        <a:spcAft>
+                          <a:spcPts val="0"/>
+                        </a:spcAft>
+                        <a:buClrTx/>
+                        <a:buSzTx/>
+                        <a:buFontTx/>
+                        <a:buNone/>
+                        <a:tabLst/>
+                        <a:defRPr/>
+                      </a:pPr>
+                      <a:r>
+                        <a:rPr lang="en-US" sz="1800" dirty="0"/>
+                        <a:t>($y –</a:t>
+                      </a:r>
+                      <a:r>
+                        <a:rPr lang="en-US" sz="1800" dirty="0" err="1"/>
+                        <a:t>gt</a:t>
+                      </a:r>
+                      <a:r>
+                        <a:rPr lang="en-US" sz="1800" dirty="0"/>
+                        <a:t> 5) –or ($y –</a:t>
+                      </a:r>
+                      <a:r>
+                        <a:rPr lang="en-US" sz="1800" dirty="0" err="1"/>
+                        <a:t>lt</a:t>
+                      </a:r>
+                      <a:r>
+                        <a:rPr lang="en-US" sz="1800" dirty="0"/>
+                        <a:t> 4) –or($y –</a:t>
+                      </a:r>
+                      <a:r>
+                        <a:rPr lang="en-US" sz="1800" dirty="0" err="1"/>
+                        <a:t>lt</a:t>
+                      </a:r>
+                      <a:r>
+                        <a:rPr lang="en-US" sz="1800" dirty="0"/>
+                        <a:t> 6)</a:t>
+                      </a:r>
+                    </a:p>
+                    <a:p>
+                      <a:endParaRPr lang="en-IN" dirty="0"/>
+                    </a:p>
+                  </a:txBody>
+                  <a:tcPr/>
+                </a:tc>
+                <a:extLst>
+                  <a:ext uri="{0D108BD9-81ED-4DB2-BD59-A6C34878D82A}">
+                    <a16:rowId xmlns:a16="http://schemas.microsoft.com/office/drawing/2014/main" val="3285256684"/>
+                  </a:ext>
+                </a:extLst>
+              </a:tr>
+              <a:tr h="370840">
+                <a:tc>
+                  <a:txBody>
+                    <a:bodyPr/>
+                    <a:lstStyle/>
+                    <a:p>
+                      <a:r>
+                        <a:rPr lang="en-IN" dirty="0"/>
+                        <a:t>Logical not</a:t>
+                      </a:r>
+                    </a:p>
+                  </a:txBody>
+                  <a:tcPr/>
+                </a:tc>
+                <a:tc>
+                  <a:txBody>
+                    <a:bodyPr/>
+                    <a:lstStyle/>
+                    <a:p>
+                      <a:r>
+                        <a:rPr lang="en-IN" dirty="0"/>
+                        <a:t>Similar to !</a:t>
+                      </a:r>
+                    </a:p>
+                  </a:txBody>
+                  <a:tcPr/>
+                </a:tc>
+                <a:tc>
+                  <a:txBody>
+                    <a:bodyPr/>
+                    <a:lstStyle/>
+                    <a:p>
+                      <a:r>
+                        <a:rPr lang="en-IN" dirty="0"/>
+                        <a:t> -not($a+$b)</a:t>
+                      </a:r>
+                    </a:p>
+                  </a:txBody>
+                  <a:tcPr/>
+                </a:tc>
+                <a:extLst>
+                  <a:ext uri="{0D108BD9-81ED-4DB2-BD59-A6C34878D82A}">
+                    <a16:rowId xmlns:a16="http://schemas.microsoft.com/office/drawing/2014/main" val="2912017309"/>
+                  </a:ext>
+                </a:extLst>
+              </a:tr>
+            </a:tbl>
+          </a:graphicData>
+        </a:graphic>
+      </p:graphicFrame>
     </p:spTree>
     <p:extLst>
       <p:ext uri="{BB962C8B-B14F-4D97-AF65-F5344CB8AC3E}">
-        <p14:creationId xmlns:p14="http://schemas.microsoft.com/office/powerpoint/2010/main" val="302028030"/>
+        <p14:creationId xmlns:p14="http://schemas.microsoft.com/office/powerpoint/2010/main" val="1122995534"/>
       </p:ext>
     </p:extLst>
   </p:cSld>
@@ -7804,7 +10166,7 @@
           <p:cNvPr id="2" name="Title 1">
             <a:extLst>
               <a:ext uri="{FF2B5EF4-FFF2-40B4-BE49-F238E27FC236}">
-                <a16:creationId xmlns:a16="http://schemas.microsoft.com/office/drawing/2014/main" id="{2ACF8AFD-746C-81FF-4656-A2B669962AFC}"/>
+                <a16:creationId xmlns:a16="http://schemas.microsoft.com/office/drawing/2014/main" id="{668188B4-4896-2FC2-9AAF-7F0445322FA7}"/>
               </a:ext>
             </a:extLst>
           </p:cNvPr>
@@ -7815,215 +10177,765 @@
             <p:ph type="title"/>
           </p:nvPr>
         </p:nvSpPr>
-        <p:spPr/>
+        <p:spPr>
+          <a:xfrm>
+            <a:off x="838200" y="365125"/>
+            <a:ext cx="10515600" cy="478155"/>
+          </a:xfrm>
+        </p:spPr>
         <p:txBody>
-          <a:bodyPr/>
+          <a:bodyPr>
+            <a:normAutofit/>
+          </a:bodyPr>
           <a:lstStyle/>
           <a:p>
-            <a:endParaRPr lang="en-IN"/>
+            <a:r>
+              <a:rPr lang="en-IN" sz="2000" b="1" dirty="0"/>
+              <a:t>String operators </a:t>
+            </a:r>
           </a:p>
         </p:txBody>
       </p:sp>
-      <p:sp>
-        <p:nvSpPr>
-          <p:cNvPr id="3" name="Content Placeholder 2">
+      <p:graphicFrame>
+        <p:nvGraphicFramePr>
+          <p:cNvPr id="4" name="Table 4">
             <a:extLst>
               <a:ext uri="{FF2B5EF4-FFF2-40B4-BE49-F238E27FC236}">
-                <a16:creationId xmlns:a16="http://schemas.microsoft.com/office/drawing/2014/main" id="{2E7E057D-CBCB-DF30-5D84-00367BF27740}"/>
+                <a16:creationId xmlns:a16="http://schemas.microsoft.com/office/drawing/2014/main" id="{33319FA5-892D-2F66-BF86-0533ED73E037}"/>
               </a:ext>
             </a:extLst>
           </p:cNvPr>
-          <p:cNvSpPr>
-            <a:spLocks noGrp="1"/>
-          </p:cNvSpPr>
+          <p:cNvGraphicFramePr>
+            <a:graphicFrameLocks noGrp="1"/>
+          </p:cNvGraphicFramePr>
           <p:nvPr>
             <p:ph idx="1"/>
+            <p:extLst>
+              <p:ext uri="{D42A27DB-BD31-4B8C-83A1-F6EECF244321}">
+                <p14:modId xmlns:p14="http://schemas.microsoft.com/office/powerpoint/2010/main" val="709051593"/>
+              </p:ext>
+            </p:extLst>
           </p:nvPr>
-        </p:nvSpPr>
-        <p:spPr/>
-        <p:txBody>
-          <a:bodyPr>
-            <a:normAutofit fontScale="92500" lnSpcReduction="10000"/>
-          </a:bodyPr>
-          <a:lstStyle/>
-          <a:p>
-            <a:pPr marL="0" indent="0">
-              <a:buNone/>
-            </a:pPr>
-            <a:r>
-              <a:rPr lang="en-IN" sz="1600" dirty="0"/>
-              <a:t>-match</a:t>
-            </a:r>
-          </a:p>
-          <a:p>
-            <a:pPr marL="0" indent="0">
-              <a:buNone/>
-            </a:pPr>
-            <a:r>
-              <a:rPr lang="en-IN" sz="1600" dirty="0"/>
-              <a:t>Regular expressions / regex/ pattern matching</a:t>
-            </a:r>
-          </a:p>
-          <a:p>
-            <a:pPr marL="0" indent="0">
-              <a:buNone/>
-            </a:pPr>
-            <a:r>
-              <a:rPr lang="en-IN" sz="1600" dirty="0"/>
-              <a:t>Validation of </a:t>
-            </a:r>
-            <a:r>
-              <a:rPr lang="en-IN" sz="1600" dirty="0" err="1"/>
-              <a:t>email,can</a:t>
-            </a:r>
-            <a:r>
-              <a:rPr lang="en-IN" sz="1600" dirty="0"/>
-              <a:t> be done by regex</a:t>
-            </a:r>
-          </a:p>
-          <a:p>
-            <a:pPr marL="0" indent="0">
-              <a:buNone/>
-            </a:pPr>
-            <a:endParaRPr lang="en-IN" sz="1600" dirty="0"/>
-          </a:p>
-          <a:p>
-            <a:pPr marL="0" indent="0">
-              <a:buNone/>
-            </a:pPr>
-            <a:r>
-              <a:rPr lang="en-IN" sz="1600" dirty="0"/>
-              <a:t>Regex for anything can be searched in  </a:t>
-            </a:r>
-            <a:r>
-              <a:rPr lang="en-IN" sz="1600" dirty="0" err="1"/>
-              <a:t>regexvalidator</a:t>
-            </a:r>
-            <a:r>
-              <a:rPr lang="en-IN" sz="1600" dirty="0"/>
-              <a:t> etc</a:t>
-            </a:r>
-          </a:p>
-          <a:p>
-            <a:pPr marL="0" indent="0">
-              <a:buNone/>
-            </a:pPr>
-            <a:r>
-              <a:rPr lang="en-IN" sz="1600" dirty="0"/>
-              <a:t>Validate a text to be particular format</a:t>
-            </a:r>
-          </a:p>
-          <a:p>
-            <a:pPr marL="0" indent="0">
-              <a:buNone/>
-            </a:pPr>
-            <a:r>
-              <a:rPr lang="en-IN" sz="1600" dirty="0"/>
-              <a:t>#email :</a:t>
-            </a:r>
-          </a:p>
-          <a:p>
-            <a:pPr marL="0" indent="0">
-              <a:buNone/>
-            </a:pPr>
-            <a:r>
-              <a:rPr lang="en-IN" sz="1600" dirty="0">
-                <a:hlinkClick r:id="rId2"/>
-              </a:rPr>
-              <a:t>indu@training.com</a:t>
-            </a:r>
-            <a:r>
-              <a:rPr lang="en-IN" sz="1600" dirty="0"/>
-              <a:t> –match “^[a-zA-Z0-9+_.-]+@[a-zA-Z0-9+_.-]+$”</a:t>
-            </a:r>
-          </a:p>
-          <a:p>
-            <a:pPr marL="0" indent="0">
-              <a:buNone/>
-            </a:pPr>
-            <a:r>
-              <a:rPr lang="en-IN" sz="1600" dirty="0"/>
-              <a:t>Basically it check the incoming text with, what is mentioned here.</a:t>
-            </a:r>
-          </a:p>
-          <a:p>
-            <a:pPr marL="0" indent="0">
-              <a:buNone/>
-            </a:pPr>
-            <a:r>
-              <a:rPr lang="en-IN" sz="1600" dirty="0"/>
-              <a:t>Match: for pattern matching or regex</a:t>
-            </a:r>
-          </a:p>
-          <a:p>
-            <a:pPr marL="0" indent="0">
-              <a:buNone/>
-            </a:pPr>
-            <a:r>
-              <a:rPr lang="en-IN" sz="1600" dirty="0"/>
-              <a:t>https:regiexr</a:t>
-            </a:r>
-          </a:p>
-          <a:p>
-            <a:pPr marL="0" indent="0">
-              <a:buNone/>
-            </a:pPr>
-            <a:r>
-              <a:rPr lang="en-IN" sz="1600" dirty="0"/>
-              <a:t>$</a:t>
-            </a:r>
-            <a:r>
-              <a:rPr lang="en-IN" sz="1600" dirty="0" err="1"/>
-              <a:t>Ippattern</a:t>
-            </a:r>
-            <a:r>
-              <a:rPr lang="en-IN" sz="1600" dirty="0"/>
-              <a:t> =“^(?:[0-9]{1,3}\.){3}[0-9]{1,3}$</a:t>
-            </a:r>
-          </a:p>
-          <a:p>
-            <a:pPr marL="0" indent="0">
-              <a:buNone/>
-            </a:pPr>
-            <a:r>
-              <a:rPr lang="en-IN" sz="1600" dirty="0"/>
-              <a:t>Any digit between 0 t9 ,and any digit between 1 and 3 ,all are by </a:t>
-            </a:r>
-            <a:r>
-              <a:rPr lang="en-IN" sz="1600" dirty="0" err="1"/>
-              <a:t>dot.all</a:t>
-            </a:r>
-            <a:r>
-              <a:rPr lang="en-IN" sz="1600" dirty="0"/>
-              <a:t> thing repeats  3 times</a:t>
-            </a:r>
-          </a:p>
-          <a:p>
-            <a:pPr marL="0" indent="0">
-              <a:buNone/>
-            </a:pPr>
-            <a:r>
-              <a:rPr lang="en-IN" sz="1600" dirty="0"/>
-              <a:t>Ex: 128.10.6.9 –match $</a:t>
-            </a:r>
-            <a:r>
-              <a:rPr lang="en-IN" sz="1600" dirty="0" err="1"/>
-              <a:t>ipatterm</a:t>
-            </a:r>
-            <a:endParaRPr lang="en-IN" sz="1600" dirty="0"/>
-          </a:p>
-          <a:p>
-            <a:pPr marL="0" indent="0">
-              <a:buNone/>
-            </a:pPr>
-            <a:endParaRPr lang="en-IN" sz="1600" dirty="0"/>
-          </a:p>
-        </p:txBody>
-      </p:sp>
+        </p:nvGraphicFramePr>
+        <p:xfrm>
+          <a:off x="467360" y="0"/>
+          <a:ext cx="11633200" cy="6766560"/>
+        </p:xfrm>
+        <a:graphic>
+          <a:graphicData uri="http://schemas.openxmlformats.org/drawingml/2006/table">
+            <a:tbl>
+              <a:tblPr firstRow="1" bandRow="1">
+                <a:tableStyleId>{5C22544A-7EE6-4342-B048-85BDC9FD1C3A}</a:tableStyleId>
+              </a:tblPr>
+              <a:tblGrid>
+                <a:gridCol w="2452493">
+                  <a:extLst>
+                    <a:ext uri="{9D8B030D-6E8A-4147-A177-3AD203B41FA5}">
+                      <a16:colId xmlns:a16="http://schemas.microsoft.com/office/drawing/2014/main" val="3015162956"/>
+                    </a:ext>
+                  </a:extLst>
+                </a:gridCol>
+                <a:gridCol w="3494032">
+                  <a:extLst>
+                    <a:ext uri="{9D8B030D-6E8A-4147-A177-3AD203B41FA5}">
+                      <a16:colId xmlns:a16="http://schemas.microsoft.com/office/drawing/2014/main" val="3078137111"/>
+                    </a:ext>
+                  </a:extLst>
+                </a:gridCol>
+                <a:gridCol w="5686675">
+                  <a:extLst>
+                    <a:ext uri="{9D8B030D-6E8A-4147-A177-3AD203B41FA5}">
+                      <a16:colId xmlns:a16="http://schemas.microsoft.com/office/drawing/2014/main" val="14861685"/>
+                    </a:ext>
+                  </a:extLst>
+                </a:gridCol>
+              </a:tblGrid>
+              <a:tr h="331710">
+                <a:tc>
+                  <a:txBody>
+                    <a:bodyPr/>
+                    <a:lstStyle/>
+                    <a:p>
+                      <a:r>
+                        <a:rPr lang="en-IN" dirty="0"/>
+                        <a:t>operator</a:t>
+                      </a:r>
+                    </a:p>
+                  </a:txBody>
+                  <a:tcPr/>
+                </a:tc>
+                <a:tc>
+                  <a:txBody>
+                    <a:bodyPr/>
+                    <a:lstStyle/>
+                    <a:p>
+                      <a:r>
+                        <a:rPr lang="en-IN" dirty="0"/>
+                        <a:t>description</a:t>
+                      </a:r>
+                    </a:p>
+                  </a:txBody>
+                  <a:tcPr/>
+                </a:tc>
+                <a:tc>
+                  <a:txBody>
+                    <a:bodyPr/>
+                    <a:lstStyle/>
+                    <a:p>
+                      <a:r>
+                        <a:rPr lang="en-IN" dirty="0"/>
+                        <a:t>example</a:t>
+                      </a:r>
+                    </a:p>
+                  </a:txBody>
+                  <a:tcPr/>
+                </a:tc>
+                <a:extLst>
+                  <a:ext uri="{0D108BD9-81ED-4DB2-BD59-A6C34878D82A}">
+                    <a16:rowId xmlns:a16="http://schemas.microsoft.com/office/drawing/2014/main" val="1847119298"/>
+                  </a:ext>
+                </a:extLst>
+              </a:tr>
+              <a:tr h="1078058">
+                <a:tc>
+                  <a:txBody>
+                    <a:bodyPr/>
+                    <a:lstStyle/>
+                    <a:p>
+                      <a:r>
+                        <a:rPr lang="en-IN" dirty="0"/>
+                        <a:t>-join </a:t>
+                      </a:r>
+                    </a:p>
+                  </a:txBody>
+                  <a:tcPr/>
+                </a:tc>
+                <a:tc>
+                  <a:txBody>
+                    <a:bodyPr/>
+                    <a:lstStyle/>
+                    <a:p>
+                      <a:r>
+                        <a:rPr lang="en-IN" dirty="0"/>
+                        <a:t>Which is used to join two strings</a:t>
+                      </a:r>
+                    </a:p>
+                  </a:txBody>
+                  <a:tcPr/>
+                </a:tc>
+                <a:tc>
+                  <a:txBody>
+                    <a:bodyPr/>
+                    <a:lstStyle/>
+                    <a:p>
+                      <a:r>
+                        <a:rPr lang="en-IN" dirty="0"/>
+                        <a:t>  </a:t>
+                      </a:r>
+                      <a:r>
+                        <a:rPr lang="en-IN" sz="1800" kern="1200" dirty="0">
+                          <a:solidFill>
+                            <a:schemeClr val="dk1"/>
+                          </a:solidFill>
+                          <a:latin typeface="+mn-lt"/>
+                          <a:ea typeface="+mn-ea"/>
+                          <a:cs typeface="+mn-cs"/>
+                        </a:rPr>
+                        <a:t>$a="hello"</a:t>
+                      </a:r>
+                    </a:p>
+                    <a:p>
+                      <a:r>
+                        <a:rPr lang="en-IN" sz="1800" kern="1200" dirty="0">
+                          <a:solidFill>
+                            <a:schemeClr val="dk1"/>
+                          </a:solidFill>
+                          <a:latin typeface="+mn-lt"/>
+                          <a:ea typeface="+mn-ea"/>
+                          <a:cs typeface="+mn-cs"/>
+                        </a:rPr>
+                        <a:t>$b="</a:t>
+                      </a:r>
+                      <a:r>
+                        <a:rPr lang="en-IN" sz="1800" kern="1200" dirty="0" err="1">
+                          <a:solidFill>
+                            <a:schemeClr val="dk1"/>
+                          </a:solidFill>
+                          <a:latin typeface="+mn-lt"/>
+                          <a:ea typeface="+mn-ea"/>
+                          <a:cs typeface="+mn-cs"/>
+                        </a:rPr>
+                        <a:t>goodmorning</a:t>
+                      </a:r>
+                      <a:r>
+                        <a:rPr lang="en-IN" sz="1800" kern="1200" dirty="0">
+                          <a:solidFill>
+                            <a:schemeClr val="dk1"/>
+                          </a:solidFill>
+                          <a:latin typeface="+mn-lt"/>
+                          <a:ea typeface="+mn-ea"/>
+                          <a:cs typeface="+mn-cs"/>
+                        </a:rPr>
+                        <a:t>"</a:t>
+                      </a:r>
+                    </a:p>
+                    <a:p>
+                      <a:r>
+                        <a:rPr lang="en-IN" sz="1800" kern="1200" dirty="0">
+                          <a:solidFill>
+                            <a:schemeClr val="dk1"/>
+                          </a:solidFill>
+                          <a:latin typeface="+mn-lt"/>
+                          <a:ea typeface="+mn-ea"/>
+                          <a:cs typeface="+mn-cs"/>
+                        </a:rPr>
+                        <a:t>$a -join $b </a:t>
+                      </a:r>
+                    </a:p>
+                    <a:p>
+                      <a:endParaRPr lang="en-IN" dirty="0"/>
+                    </a:p>
+                  </a:txBody>
+                  <a:tcPr/>
+                </a:tc>
+                <a:extLst>
+                  <a:ext uri="{0D108BD9-81ED-4DB2-BD59-A6C34878D82A}">
+                    <a16:rowId xmlns:a16="http://schemas.microsoft.com/office/drawing/2014/main" val="315224522"/>
+                  </a:ext>
+                </a:extLst>
+              </a:tr>
+              <a:tr h="829276">
+                <a:tc>
+                  <a:txBody>
+                    <a:bodyPr/>
+                    <a:lstStyle/>
+                    <a:p>
+                      <a:r>
+                        <a:rPr lang="en-IN" dirty="0"/>
+                        <a:t>-like , -</a:t>
+                      </a:r>
+                      <a:r>
+                        <a:rPr lang="en-IN" dirty="0" err="1"/>
+                        <a:t>notlike,clike,ilike</a:t>
+                      </a:r>
+                      <a:endParaRPr lang="en-IN" dirty="0"/>
+                    </a:p>
+                  </a:txBody>
+                  <a:tcPr/>
+                </a:tc>
+                <a:tc>
+                  <a:txBody>
+                    <a:bodyPr/>
+                    <a:lstStyle/>
+                    <a:p>
+                      <a:r>
+                        <a:rPr lang="en-IN" dirty="0"/>
+                        <a:t>Like operator returns true value when string matches the wildcard(*)</a:t>
+                      </a:r>
+                    </a:p>
+                  </a:txBody>
+                  <a:tcPr/>
+                </a:tc>
+                <a:tc>
+                  <a:txBody>
+                    <a:bodyPr/>
+                    <a:lstStyle/>
+                    <a:p>
+                      <a:r>
+                        <a:rPr lang="en-IN" sz="1800" b="0" i="0" kern="1200" dirty="0">
+                          <a:solidFill>
+                            <a:schemeClr val="dk1"/>
+                          </a:solidFill>
+                          <a:effectLst/>
+                          <a:latin typeface="+mn-lt"/>
+                          <a:ea typeface="+mn-ea"/>
+                          <a:cs typeface="+mn-cs"/>
+                        </a:rPr>
+                        <a:t> "PowerShell" -like "*shell“</a:t>
+                      </a:r>
+                    </a:p>
+                    <a:p>
+                      <a:r>
+                        <a:rPr lang="en-IN" sz="1800" b="0" i="0" kern="1200" dirty="0">
+                          <a:solidFill>
+                            <a:schemeClr val="dk1"/>
+                          </a:solidFill>
+                          <a:effectLst/>
+                          <a:latin typeface="+mn-lt"/>
+                          <a:ea typeface="+mn-ea"/>
+                          <a:cs typeface="+mn-cs"/>
+                        </a:rPr>
+                        <a:t>o/p :true</a:t>
+                      </a:r>
+                      <a:endParaRPr lang="en-IN" dirty="0"/>
+                    </a:p>
+                  </a:txBody>
+                  <a:tcPr/>
+                </a:tc>
+                <a:extLst>
+                  <a:ext uri="{0D108BD9-81ED-4DB2-BD59-A6C34878D82A}">
+                    <a16:rowId xmlns:a16="http://schemas.microsoft.com/office/drawing/2014/main" val="4101655944"/>
+                  </a:ext>
+                </a:extLst>
+              </a:tr>
+              <a:tr h="580493">
+                <a:tc>
+                  <a:txBody>
+                    <a:bodyPr/>
+                    <a:lstStyle/>
+                    <a:p>
+                      <a:r>
+                        <a:rPr lang="en-IN" dirty="0"/>
+                        <a:t>-contains</a:t>
+                      </a:r>
+                    </a:p>
+                  </a:txBody>
+                  <a:tcPr/>
+                </a:tc>
+                <a:tc>
+                  <a:txBody>
+                    <a:bodyPr/>
+                    <a:lstStyle/>
+                    <a:p>
+                      <a:r>
+                        <a:rPr lang="en-IN" dirty="0"/>
+                        <a:t>This operator </a:t>
+                      </a:r>
+                      <a:r>
+                        <a:rPr lang="en-IN" dirty="0" err="1"/>
+                        <a:t>tells,if</a:t>
+                      </a:r>
+                      <a:r>
+                        <a:rPr lang="en-IN" dirty="0"/>
+                        <a:t> set of values includes a single value</a:t>
+                      </a:r>
+                    </a:p>
+                  </a:txBody>
+                  <a:tcPr/>
+                </a:tc>
+                <a:tc>
+                  <a:txBody>
+                    <a:bodyPr/>
+                    <a:lstStyle/>
+                    <a:p>
+                      <a:r>
+                        <a:rPr lang="en-IN" dirty="0"/>
+                        <a:t>“Windows”,”</a:t>
+                      </a:r>
+                      <a:r>
+                        <a:rPr lang="en-IN" dirty="0" err="1"/>
+                        <a:t>linux</a:t>
+                      </a:r>
+                      <a:r>
+                        <a:rPr lang="en-IN" dirty="0"/>
+                        <a:t>” –contains “</a:t>
+                      </a:r>
+                      <a:r>
+                        <a:rPr lang="en-IN" dirty="0" err="1"/>
+                        <a:t>linux</a:t>
+                      </a:r>
+                      <a:r>
+                        <a:rPr lang="en-IN" dirty="0"/>
+                        <a:t>”</a:t>
+                      </a:r>
+                    </a:p>
+                    <a:p>
+                      <a:r>
+                        <a:rPr lang="en-IN" dirty="0"/>
+                        <a:t>1,10 –</a:t>
+                      </a:r>
+                      <a:r>
+                        <a:rPr lang="en-IN" dirty="0" err="1"/>
+                        <a:t>notcontains</a:t>
+                      </a:r>
+                      <a:r>
+                        <a:rPr lang="en-IN" dirty="0"/>
+                        <a:t>  5</a:t>
+                      </a:r>
+                    </a:p>
+                  </a:txBody>
+                  <a:tcPr/>
+                </a:tc>
+                <a:extLst>
+                  <a:ext uri="{0D108BD9-81ED-4DB2-BD59-A6C34878D82A}">
+                    <a16:rowId xmlns:a16="http://schemas.microsoft.com/office/drawing/2014/main" val="3917934434"/>
+                  </a:ext>
+                </a:extLst>
+              </a:tr>
+              <a:tr h="1575624">
+                <a:tc>
+                  <a:txBody>
+                    <a:bodyPr/>
+                    <a:lstStyle/>
+                    <a:p>
+                      <a:r>
+                        <a:rPr lang="en-IN" dirty="0"/>
+                        <a:t>-match</a:t>
+                      </a:r>
+                    </a:p>
+                  </a:txBody>
+                  <a:tcPr/>
+                </a:tc>
+                <a:tc>
+                  <a:txBody>
+                    <a:bodyPr/>
+                    <a:lstStyle/>
+                    <a:p>
+                      <a:r>
+                        <a:rPr lang="en-US" sz="1800" b="0" i="0" kern="1200" dirty="0">
+                          <a:solidFill>
+                            <a:schemeClr val="dk1"/>
+                          </a:solidFill>
+                          <a:effectLst/>
+                          <a:latin typeface="+mn-lt"/>
+                          <a:ea typeface="+mn-ea"/>
+                          <a:cs typeface="+mn-cs"/>
+                        </a:rPr>
+                        <a:t>This operator will return a true value when the string matches the regex pattern</a:t>
+                      </a:r>
+                      <a:endParaRPr lang="en-IN" dirty="0"/>
+                    </a:p>
+                  </a:txBody>
+                  <a:tcPr/>
+                </a:tc>
+                <a:tc>
+                  <a:txBody>
+                    <a:bodyPr/>
+                    <a:lstStyle/>
+                    <a:p>
+                      <a:pPr marL="0" marR="0" lvl="0" indent="0" algn="l" defTabSz="914400" rtl="0" eaLnBrk="1" fontAlgn="auto" latinLnBrk="0" hangingPunct="1">
+                        <a:lnSpc>
+                          <a:spcPct val="100000"/>
+                        </a:lnSpc>
+                        <a:spcBef>
+                          <a:spcPts val="0"/>
+                        </a:spcBef>
+                        <a:spcAft>
+                          <a:spcPts val="0"/>
+                        </a:spcAft>
+                        <a:buClrTx/>
+                        <a:buSzTx/>
+                        <a:buFontTx/>
+                        <a:buNone/>
+                        <a:tabLst/>
+                        <a:defRPr/>
+                      </a:pPr>
+                      <a:r>
+                        <a:rPr lang="en-IN" sz="1800" dirty="0">
+                          <a:hlinkClick r:id="rId2"/>
+                        </a:rPr>
+                        <a:t>indu@training.com</a:t>
+                      </a:r>
+                      <a:r>
+                        <a:rPr lang="en-IN" sz="1800" dirty="0"/>
+                        <a:t> –match “^[a-zA-Z0-9+_.-]+@[a-zA-Z0-9+_.-]+$”</a:t>
+                      </a:r>
+                    </a:p>
+                    <a:p>
+                      <a:endParaRPr lang="en-IN" dirty="0"/>
+                    </a:p>
+                    <a:p>
+                      <a:pPr marL="0" marR="0" lvl="0" indent="0" algn="l" defTabSz="914400" rtl="0" eaLnBrk="1" fontAlgn="auto" latinLnBrk="0" hangingPunct="1">
+                        <a:lnSpc>
+                          <a:spcPct val="100000"/>
+                        </a:lnSpc>
+                        <a:spcBef>
+                          <a:spcPts val="0"/>
+                        </a:spcBef>
+                        <a:spcAft>
+                          <a:spcPts val="0"/>
+                        </a:spcAft>
+                        <a:buClrTx/>
+                        <a:buSzTx/>
+                        <a:buFontTx/>
+                        <a:buNone/>
+                        <a:tabLst/>
+                        <a:defRPr/>
+                      </a:pPr>
+                      <a:r>
+                        <a:rPr lang="en-IN" sz="1800" dirty="0"/>
+                        <a:t>$</a:t>
+                      </a:r>
+                      <a:r>
+                        <a:rPr lang="en-IN" sz="1800" dirty="0" err="1"/>
+                        <a:t>Ippattern</a:t>
+                      </a:r>
+                      <a:r>
+                        <a:rPr lang="en-IN" sz="1800" dirty="0"/>
+                        <a:t> =“^(?:[0-9]{1,3}\.){3}[0-9]{1,3}$</a:t>
+                      </a:r>
+                    </a:p>
+                    <a:p>
+                      <a:pPr marL="0" marR="0" lvl="0" indent="0" algn="l" defTabSz="914400" rtl="0" eaLnBrk="1" fontAlgn="auto" latinLnBrk="0" hangingPunct="1">
+                        <a:lnSpc>
+                          <a:spcPct val="100000"/>
+                        </a:lnSpc>
+                        <a:spcBef>
+                          <a:spcPts val="0"/>
+                        </a:spcBef>
+                        <a:spcAft>
+                          <a:spcPts val="0"/>
+                        </a:spcAft>
+                        <a:buClrTx/>
+                        <a:buSzTx/>
+                        <a:buFontTx/>
+                        <a:buNone/>
+                        <a:tabLst/>
+                        <a:defRPr/>
+                      </a:pPr>
+                      <a:r>
+                        <a:rPr lang="en-IN" sz="1800" dirty="0"/>
+                        <a:t>128.10.6.9 –match $</a:t>
+                      </a:r>
+                      <a:r>
+                        <a:rPr lang="en-IN" sz="1800" dirty="0" err="1"/>
+                        <a:t>ipatterm</a:t>
+                      </a:r>
+                      <a:endParaRPr lang="en-IN" sz="1800" dirty="0"/>
+                    </a:p>
+                    <a:p>
+                      <a:endParaRPr lang="en-IN" dirty="0"/>
+                    </a:p>
+                  </a:txBody>
+                  <a:tcPr/>
+                </a:tc>
+                <a:extLst>
+                  <a:ext uri="{0D108BD9-81ED-4DB2-BD59-A6C34878D82A}">
+                    <a16:rowId xmlns:a16="http://schemas.microsoft.com/office/drawing/2014/main" val="1638102817"/>
+                  </a:ext>
+                </a:extLst>
+              </a:tr>
+              <a:tr h="1078058">
+                <a:tc>
+                  <a:txBody>
+                    <a:bodyPr/>
+                    <a:lstStyle/>
+                    <a:p>
+                      <a:r>
+                        <a:rPr lang="en-IN" dirty="0"/>
+                        <a:t>-replace</a:t>
+                      </a:r>
+                    </a:p>
+                  </a:txBody>
+                  <a:tcPr/>
+                </a:tc>
+                <a:tc>
+                  <a:txBody>
+                    <a:bodyPr/>
+                    <a:lstStyle/>
+                    <a:p>
+                      <a:r>
+                        <a:rPr lang="en-IN" dirty="0"/>
+                        <a:t>Which we will replace the values in a </a:t>
+                      </a:r>
+                      <a:r>
+                        <a:rPr lang="en-IN" dirty="0" err="1"/>
+                        <a:t>varaibles</a:t>
+                      </a:r>
+                      <a:endParaRPr lang="en-IN" dirty="0"/>
+                    </a:p>
+                  </a:txBody>
+                  <a:tcPr/>
+                </a:tc>
+                <a:tc>
+                  <a:txBody>
+                    <a:bodyPr/>
+                    <a:lstStyle/>
+                    <a:p>
+                      <a:pPr marL="0" marR="0" lvl="0" indent="0" algn="l" defTabSz="914400" rtl="0" eaLnBrk="1" fontAlgn="auto" latinLnBrk="0" hangingPunct="1">
+                        <a:lnSpc>
+                          <a:spcPct val="100000"/>
+                        </a:lnSpc>
+                        <a:spcBef>
+                          <a:spcPts val="0"/>
+                        </a:spcBef>
+                        <a:spcAft>
+                          <a:spcPts val="0"/>
+                        </a:spcAft>
+                        <a:buClrTx/>
+                        <a:buSzTx/>
+                        <a:buFontTx/>
+                        <a:buNone/>
+                        <a:tabLst/>
+                        <a:defRPr/>
+                      </a:pPr>
+                      <a:r>
+                        <a:rPr lang="en-US" sz="1800" dirty="0"/>
+                        <a:t>$</a:t>
+                      </a:r>
+                      <a:r>
+                        <a:rPr lang="en-US" sz="1800" dirty="0" err="1"/>
+                        <a:t>messge</a:t>
+                      </a:r>
+                      <a:r>
+                        <a:rPr lang="en-US" sz="1800" dirty="0"/>
+                        <a:t>= “hello </a:t>
+                      </a:r>
+                      <a:r>
+                        <a:rPr lang="en-US" sz="1800" dirty="0" err="1"/>
+                        <a:t>indu</a:t>
+                      </a:r>
+                      <a:r>
+                        <a:rPr lang="en-US" sz="1800" dirty="0"/>
+                        <a:t>”</a:t>
+                      </a:r>
+                      <a:br>
+                        <a:rPr lang="en-US" sz="1800" dirty="0"/>
+                      </a:br>
+                      <a:r>
+                        <a:rPr lang="en-US" sz="1800" dirty="0"/>
+                        <a:t>$message –replace “</a:t>
+                      </a:r>
+                      <a:r>
+                        <a:rPr lang="en-US" sz="1800" dirty="0" err="1"/>
+                        <a:t>indu</a:t>
+                      </a:r>
+                      <a:r>
+                        <a:rPr lang="en-US" sz="1800" dirty="0"/>
+                        <a:t>” ,“</a:t>
+                      </a:r>
+                      <a:r>
+                        <a:rPr lang="en-US" sz="1800" dirty="0" err="1"/>
+                        <a:t>hani</a:t>
+                      </a:r>
+                      <a:r>
+                        <a:rPr lang="en-US" sz="1800" dirty="0"/>
+                        <a:t>”</a:t>
+                      </a:r>
+                    </a:p>
+                    <a:p>
+                      <a:pPr marL="0" marR="0" lvl="0" indent="0" algn="l" defTabSz="914400" rtl="0" eaLnBrk="1" fontAlgn="auto" latinLnBrk="0" hangingPunct="1">
+                        <a:lnSpc>
+                          <a:spcPct val="100000"/>
+                        </a:lnSpc>
+                        <a:spcBef>
+                          <a:spcPts val="0"/>
+                        </a:spcBef>
+                        <a:spcAft>
+                          <a:spcPts val="0"/>
+                        </a:spcAft>
+                        <a:buClrTx/>
+                        <a:buSzTx/>
+                        <a:buFontTx/>
+                        <a:buNone/>
+                        <a:tabLst/>
+                        <a:defRPr/>
+                      </a:pPr>
+                      <a:endParaRPr lang="en-US" sz="1800" dirty="0"/>
+                    </a:p>
+                    <a:p>
+                      <a:endParaRPr lang="en-IN" dirty="0"/>
+                    </a:p>
+                  </a:txBody>
+                  <a:tcPr/>
+                </a:tc>
+                <a:extLst>
+                  <a:ext uri="{0D108BD9-81ED-4DB2-BD59-A6C34878D82A}">
+                    <a16:rowId xmlns:a16="http://schemas.microsoft.com/office/drawing/2014/main" val="1727544659"/>
+                  </a:ext>
+                </a:extLst>
+              </a:tr>
+              <a:tr h="331710">
+                <a:tc>
+                  <a:txBody>
+                    <a:bodyPr/>
+                    <a:lstStyle/>
+                    <a:p>
+                      <a:r>
+                        <a:rPr lang="en-IN" dirty="0"/>
+                        <a:t>Is ,</a:t>
+                      </a:r>
+                      <a:r>
+                        <a:rPr lang="en-IN" dirty="0" err="1"/>
+                        <a:t>isnot</a:t>
+                      </a:r>
+                      <a:endParaRPr lang="en-IN" dirty="0"/>
+                    </a:p>
+                  </a:txBody>
+                  <a:tcPr/>
+                </a:tc>
+                <a:tc>
+                  <a:txBody>
+                    <a:bodyPr/>
+                    <a:lstStyle/>
+                    <a:p>
+                      <a:r>
+                        <a:rPr lang="en-IN" dirty="0"/>
+                        <a:t>Type </a:t>
+                      </a:r>
+                      <a:r>
+                        <a:rPr lang="en-IN" dirty="0" err="1"/>
+                        <a:t>comparision</a:t>
+                      </a:r>
+                      <a:r>
+                        <a:rPr lang="en-IN" dirty="0"/>
+                        <a:t> operators</a:t>
+                      </a:r>
+                    </a:p>
+                  </a:txBody>
+                  <a:tcPr/>
+                </a:tc>
+                <a:tc>
+                  <a:txBody>
+                    <a:bodyPr/>
+                    <a:lstStyle/>
+                    <a:p>
+                      <a:endParaRPr lang="en-IN"/>
+                    </a:p>
+                  </a:txBody>
+                  <a:tcPr/>
+                </a:tc>
+                <a:extLst>
+                  <a:ext uri="{0D108BD9-81ED-4DB2-BD59-A6C34878D82A}">
+                    <a16:rowId xmlns:a16="http://schemas.microsoft.com/office/drawing/2014/main" val="1249144691"/>
+                  </a:ext>
+                </a:extLst>
+              </a:tr>
+              <a:tr h="331710">
+                <a:tc>
+                  <a:txBody>
+                    <a:bodyPr/>
+                    <a:lstStyle/>
+                    <a:p>
+                      <a:endParaRPr lang="en-IN"/>
+                    </a:p>
+                  </a:txBody>
+                  <a:tcPr/>
+                </a:tc>
+                <a:tc>
+                  <a:txBody>
+                    <a:bodyPr/>
+                    <a:lstStyle/>
+                    <a:p>
+                      <a:endParaRPr lang="en-IN" dirty="0"/>
+                    </a:p>
+                  </a:txBody>
+                  <a:tcPr/>
+                </a:tc>
+                <a:tc>
+                  <a:txBody>
+                    <a:bodyPr/>
+                    <a:lstStyle/>
+                    <a:p>
+                      <a:endParaRPr lang="en-IN" dirty="0"/>
+                    </a:p>
+                  </a:txBody>
+                  <a:tcPr/>
+                </a:tc>
+                <a:extLst>
+                  <a:ext uri="{0D108BD9-81ED-4DB2-BD59-A6C34878D82A}">
+                    <a16:rowId xmlns:a16="http://schemas.microsoft.com/office/drawing/2014/main" val="3980276541"/>
+                  </a:ext>
+                </a:extLst>
+              </a:tr>
+            </a:tbl>
+          </a:graphicData>
+        </a:graphic>
+      </p:graphicFrame>
     </p:spTree>
     <p:extLst>
       <p:ext uri="{BB962C8B-B14F-4D97-AF65-F5344CB8AC3E}">
-        <p14:creationId xmlns:p14="http://schemas.microsoft.com/office/powerpoint/2010/main" val="993693669"/>
+        <p14:creationId xmlns:p14="http://schemas.microsoft.com/office/powerpoint/2010/main" val="1685828394"/>
       </p:ext>
     </p:extLst>
   </p:cSld>
@@ -8034,600 +10946,6 @@
 </file>
 
 <file path=ppt/slides/slide25.xml><?xml version="1.0" encoding="utf-8"?>
-<p:sld xmlns:a="http://schemas.openxmlformats.org/drawingml/2006/main" xmlns:r="http://schemas.openxmlformats.org/officeDocument/2006/relationships" xmlns:p="http://schemas.openxmlformats.org/presentationml/2006/main">
-  <p:cSld>
-    <p:spTree>
-      <p:nvGrpSpPr>
-        <p:cNvPr id="1" name=""/>
-        <p:cNvGrpSpPr/>
-        <p:nvPr/>
-      </p:nvGrpSpPr>
-      <p:grpSpPr>
-        <a:xfrm>
-          <a:off x="0" y="0"/>
-          <a:ext cx="0" cy="0"/>
-          <a:chOff x="0" y="0"/>
-          <a:chExt cx="0" cy="0"/>
-        </a:xfrm>
-      </p:grpSpPr>
-      <p:sp>
-        <p:nvSpPr>
-          <p:cNvPr id="2" name="Title 1">
-            <a:extLst>
-              <a:ext uri="{FF2B5EF4-FFF2-40B4-BE49-F238E27FC236}">
-                <a16:creationId xmlns:a16="http://schemas.microsoft.com/office/drawing/2014/main" id="{C025147F-E14C-325A-078F-6633B1200740}"/>
-              </a:ext>
-            </a:extLst>
-          </p:cNvPr>
-          <p:cNvSpPr>
-            <a:spLocks noGrp="1"/>
-          </p:cNvSpPr>
-          <p:nvPr>
-            <p:ph type="title"/>
-          </p:nvPr>
-        </p:nvSpPr>
-        <p:spPr/>
-        <p:txBody>
-          <a:bodyPr/>
-          <a:lstStyle/>
-          <a:p>
-            <a:r>
-              <a:rPr lang="en-IN" dirty="0"/>
-              <a:t>Arrays</a:t>
-            </a:r>
-            <a:br>
-              <a:rPr lang="en-IN" dirty="0"/>
-            </a:br>
-            <a:endParaRPr lang="en-IN" dirty="0"/>
-          </a:p>
-        </p:txBody>
-      </p:sp>
-      <p:sp>
-        <p:nvSpPr>
-          <p:cNvPr id="3" name="Content Placeholder 2">
-            <a:extLst>
-              <a:ext uri="{FF2B5EF4-FFF2-40B4-BE49-F238E27FC236}">
-                <a16:creationId xmlns:a16="http://schemas.microsoft.com/office/drawing/2014/main" id="{719D2F80-4F91-220F-7F3E-78A9B1629EB6}"/>
-              </a:ext>
-            </a:extLst>
-          </p:cNvPr>
-          <p:cNvSpPr>
-            <a:spLocks noGrp="1"/>
-          </p:cNvSpPr>
-          <p:nvPr>
-            <p:ph idx="1"/>
-          </p:nvPr>
-        </p:nvSpPr>
-        <p:spPr/>
-        <p:txBody>
-          <a:bodyPr>
-            <a:normAutofit/>
-          </a:bodyPr>
-          <a:lstStyle/>
-          <a:p>
-            <a:r>
-              <a:rPr lang="en-IN" sz="1600" dirty="0"/>
-              <a:t>$</a:t>
-            </a:r>
-            <a:r>
-              <a:rPr lang="en-IN" sz="1600" dirty="0" err="1"/>
-              <a:t>arr</a:t>
-            </a:r>
-            <a:r>
-              <a:rPr lang="en-IN" sz="1600" dirty="0"/>
-              <a:t>=“test”,”test3”,”test4”,”test6”</a:t>
-            </a:r>
-          </a:p>
-          <a:p>
-            <a:pPr marL="0" indent="0">
-              <a:buNone/>
-            </a:pPr>
-            <a:r>
-              <a:rPr lang="en-IN" sz="1600" dirty="0"/>
-              <a:t>Adding to array </a:t>
-            </a:r>
-          </a:p>
-          <a:p>
-            <a:pPr marL="0" indent="0">
-              <a:buNone/>
-            </a:pPr>
-            <a:r>
-              <a:rPr lang="en-IN" sz="1600" dirty="0"/>
-              <a:t>$</a:t>
-            </a:r>
-            <a:r>
-              <a:rPr lang="en-IN" sz="1600" dirty="0" err="1"/>
-              <a:t>arr</a:t>
-            </a:r>
-            <a:r>
-              <a:rPr lang="en-IN" sz="1600" dirty="0"/>
-              <a:t> +=“hello”</a:t>
-            </a:r>
-          </a:p>
-          <a:p>
-            <a:pPr marL="0" indent="0">
-              <a:buNone/>
-            </a:pPr>
-            <a:r>
-              <a:rPr lang="en-IN" sz="1600" dirty="0"/>
-              <a:t>$</a:t>
-            </a:r>
-            <a:r>
-              <a:rPr lang="en-IN" sz="1600" dirty="0" err="1"/>
-              <a:t>arr.count</a:t>
-            </a:r>
-            <a:r>
-              <a:rPr lang="en-IN" sz="1600" dirty="0"/>
-              <a:t> (no of items)</a:t>
-            </a:r>
-          </a:p>
-          <a:p>
-            <a:pPr marL="0" indent="0">
-              <a:buNone/>
-            </a:pPr>
-            <a:r>
-              <a:rPr lang="en-IN" sz="1600" dirty="0" err="1"/>
-              <a:t>Arr</a:t>
-            </a:r>
-            <a:r>
-              <a:rPr lang="en-IN" sz="1600" dirty="0"/>
-              <a:t>[0] : </a:t>
-            </a:r>
-            <a:r>
-              <a:rPr lang="en-IN" sz="1600" dirty="0" err="1"/>
-              <a:t>fisrt</a:t>
-            </a:r>
-            <a:r>
-              <a:rPr lang="en-IN" sz="1600" dirty="0"/>
-              <a:t> element</a:t>
-            </a:r>
-          </a:p>
-          <a:p>
-            <a:pPr marL="0" indent="0">
-              <a:buNone/>
-            </a:pPr>
-            <a:r>
-              <a:rPr lang="en-IN" sz="1600" dirty="0" err="1"/>
-              <a:t>Arr</a:t>
-            </a:r>
-            <a:r>
-              <a:rPr lang="en-IN" sz="1600" dirty="0"/>
-              <a:t>[-1] : reverse order</a:t>
-            </a:r>
-          </a:p>
-          <a:p>
-            <a:pPr marL="0" indent="0">
-              <a:buNone/>
-            </a:pPr>
-            <a:r>
-              <a:rPr lang="en-IN" sz="1600" dirty="0"/>
-              <a:t>$</a:t>
-            </a:r>
-            <a:r>
-              <a:rPr lang="en-IN" sz="1600" dirty="0" err="1"/>
-              <a:t>arry.gettype</a:t>
-            </a:r>
-            <a:r>
-              <a:rPr lang="en-IN" sz="1600" dirty="0"/>
-              <a:t>()</a:t>
-            </a:r>
-          </a:p>
-          <a:p>
-            <a:pPr marL="0" indent="0">
-              <a:buNone/>
-            </a:pPr>
-            <a:r>
-              <a:rPr lang="en-IN" sz="1600" dirty="0"/>
-              <a:t>Output : object[]  :o\p says mixed output :can be any output</a:t>
-            </a:r>
-          </a:p>
-          <a:p>
-            <a:r>
-              <a:rPr lang="en-IN" sz="1600" dirty="0"/>
-              <a:t>For arrays we can also specify datatypes</a:t>
-            </a:r>
-          </a:p>
-          <a:p>
-            <a:pPr marL="0" indent="0">
-              <a:buNone/>
-            </a:pPr>
-            <a:r>
-              <a:rPr lang="en-IN" sz="1600" dirty="0"/>
-              <a:t>[int]$list =1,2,3,4,5,6</a:t>
-            </a:r>
-          </a:p>
-          <a:p>
-            <a:pPr marL="0" indent="0">
-              <a:buNone/>
-            </a:pPr>
-            <a:r>
-              <a:rPr lang="en-IN" sz="1600" dirty="0"/>
-              <a:t>[string]$list=“</a:t>
-            </a:r>
-            <a:r>
-              <a:rPr lang="en-IN" sz="1600" dirty="0" err="1"/>
-              <a:t>litsr</a:t>
-            </a:r>
-            <a:r>
-              <a:rPr lang="en-IN" sz="1600" dirty="0"/>
-              <a:t>””text”</a:t>
-            </a:r>
-          </a:p>
-          <a:p>
-            <a:pPr marL="0" indent="0">
-              <a:buNone/>
-            </a:pPr>
-            <a:r>
-              <a:rPr lang="en-IN" sz="1600" dirty="0"/>
-              <a:t>Methods: </a:t>
-            </a:r>
-            <a:r>
-              <a:rPr lang="en-IN" sz="1600" dirty="0" err="1"/>
-              <a:t>contains,contains</a:t>
-            </a:r>
-            <a:r>
-              <a:rPr lang="en-IN" sz="1600" dirty="0"/>
-              <a:t>(exact item present in array)</a:t>
-            </a:r>
-          </a:p>
-        </p:txBody>
-      </p:sp>
-    </p:spTree>
-    <p:extLst>
-      <p:ext uri="{BB962C8B-B14F-4D97-AF65-F5344CB8AC3E}">
-        <p14:creationId xmlns:p14="http://schemas.microsoft.com/office/powerpoint/2010/main" val="2959857382"/>
-      </p:ext>
-    </p:extLst>
-  </p:cSld>
-  <p:clrMapOvr>
-    <a:masterClrMapping/>
-  </p:clrMapOvr>
-</p:sld>
-</file>
-
-<file path=ppt/slides/slide26.xml><?xml version="1.0" encoding="utf-8"?>
-<p:sld xmlns:a="http://schemas.openxmlformats.org/drawingml/2006/main" xmlns:r="http://schemas.openxmlformats.org/officeDocument/2006/relationships" xmlns:p="http://schemas.openxmlformats.org/presentationml/2006/main">
-  <p:cSld>
-    <p:spTree>
-      <p:nvGrpSpPr>
-        <p:cNvPr id="1" name=""/>
-        <p:cNvGrpSpPr/>
-        <p:nvPr/>
-      </p:nvGrpSpPr>
-      <p:grpSpPr>
-        <a:xfrm>
-          <a:off x="0" y="0"/>
-          <a:ext cx="0" cy="0"/>
-          <a:chOff x="0" y="0"/>
-          <a:chExt cx="0" cy="0"/>
-        </a:xfrm>
-      </p:grpSpPr>
-      <p:sp>
-        <p:nvSpPr>
-          <p:cNvPr id="2" name="Title 1">
-            <a:extLst>
-              <a:ext uri="{FF2B5EF4-FFF2-40B4-BE49-F238E27FC236}">
-                <a16:creationId xmlns:a16="http://schemas.microsoft.com/office/drawing/2014/main" id="{90014703-86A4-AA81-4CBB-305C59576995}"/>
-              </a:ext>
-            </a:extLst>
-          </p:cNvPr>
-          <p:cNvSpPr>
-            <a:spLocks noGrp="1"/>
-          </p:cNvSpPr>
-          <p:nvPr>
-            <p:ph type="title"/>
-          </p:nvPr>
-        </p:nvSpPr>
-        <p:spPr/>
-        <p:txBody>
-          <a:bodyPr/>
-          <a:lstStyle/>
-          <a:p>
-            <a:r>
-              <a:rPr lang="en-IN" dirty="0"/>
-              <a:t>Arrays contd..</a:t>
-            </a:r>
-          </a:p>
-        </p:txBody>
-      </p:sp>
-      <p:sp>
-        <p:nvSpPr>
-          <p:cNvPr id="3" name="Content Placeholder 2">
-            <a:extLst>
-              <a:ext uri="{FF2B5EF4-FFF2-40B4-BE49-F238E27FC236}">
-                <a16:creationId xmlns:a16="http://schemas.microsoft.com/office/drawing/2014/main" id="{36CB3C80-EF50-9347-A015-C4213BF3869A}"/>
-              </a:ext>
-            </a:extLst>
-          </p:cNvPr>
-          <p:cNvSpPr>
-            <a:spLocks noGrp="1"/>
-          </p:cNvSpPr>
-          <p:nvPr>
-            <p:ph idx="1"/>
-          </p:nvPr>
-        </p:nvSpPr>
-        <p:spPr/>
-        <p:txBody>
-          <a:bodyPr>
-            <a:normAutofit/>
-          </a:bodyPr>
-          <a:lstStyle/>
-          <a:p>
-            <a:r>
-              <a:rPr lang="en-IN" sz="1800" dirty="0"/>
-              <a:t>Create an empty array :</a:t>
-            </a:r>
-          </a:p>
-          <a:p>
-            <a:pPr marL="0" indent="0">
-              <a:buNone/>
-            </a:pPr>
-            <a:r>
-              <a:rPr lang="en-IN" sz="1800" dirty="0"/>
-              <a:t>$</a:t>
-            </a:r>
-            <a:r>
-              <a:rPr lang="en-IN" sz="1800" dirty="0" err="1"/>
-              <a:t>newarry</a:t>
-            </a:r>
-            <a:r>
-              <a:rPr lang="en-IN" sz="1800" dirty="0"/>
-              <a:t>=@()</a:t>
-            </a:r>
-          </a:p>
-          <a:p>
-            <a:pPr marL="0" indent="0">
-              <a:buNone/>
-            </a:pPr>
-            <a:r>
-              <a:rPr lang="en-IN" sz="1800" dirty="0"/>
-              <a:t>$</a:t>
-            </a:r>
-            <a:r>
-              <a:rPr lang="en-IN" sz="1800" dirty="0" err="1"/>
-              <a:t>newarr.gettype</a:t>
-            </a:r>
-            <a:r>
-              <a:rPr lang="en-IN" sz="1800" dirty="0"/>
-              <a:t>();</a:t>
-            </a:r>
-          </a:p>
-          <a:p>
-            <a:pPr marL="0" indent="0">
-              <a:buNone/>
-            </a:pPr>
-            <a:r>
-              <a:rPr lang="en-IN" sz="1800" dirty="0"/>
-              <a:t>$</a:t>
-            </a:r>
-            <a:r>
-              <a:rPr lang="en-IN" sz="1800" dirty="0" err="1"/>
-              <a:t>newarry</a:t>
-            </a:r>
-            <a:r>
-              <a:rPr lang="en-IN" sz="1800" dirty="0"/>
-              <a:t> += “Monday”</a:t>
-            </a:r>
-          </a:p>
-          <a:p>
-            <a:pPr marL="0" indent="0">
-              <a:buNone/>
-            </a:pPr>
-            <a:r>
-              <a:rPr lang="en-IN" sz="1800" dirty="0"/>
-              <a:t>$</a:t>
-            </a:r>
-            <a:r>
-              <a:rPr lang="en-IN" sz="1800" dirty="0" err="1"/>
-              <a:t>newarray</a:t>
-            </a:r>
-            <a:r>
-              <a:rPr lang="en-IN" sz="1800" dirty="0"/>
-              <a:t> += “Sunday”</a:t>
-            </a:r>
-          </a:p>
-          <a:p>
-            <a:pPr marL="0" indent="0">
-              <a:buNone/>
-            </a:pPr>
-            <a:endParaRPr lang="en-IN" sz="1800" dirty="0"/>
-          </a:p>
-        </p:txBody>
-      </p:sp>
-    </p:spTree>
-    <p:extLst>
-      <p:ext uri="{BB962C8B-B14F-4D97-AF65-F5344CB8AC3E}">
-        <p14:creationId xmlns:p14="http://schemas.microsoft.com/office/powerpoint/2010/main" val="2416659271"/>
-      </p:ext>
-    </p:extLst>
-  </p:cSld>
-  <p:clrMapOvr>
-    <a:masterClrMapping/>
-  </p:clrMapOvr>
-</p:sld>
-</file>
-
-<file path=ppt/slides/slide27.xml><?xml version="1.0" encoding="utf-8"?>
-<p:sld xmlns:a="http://schemas.openxmlformats.org/drawingml/2006/main" xmlns:r="http://schemas.openxmlformats.org/officeDocument/2006/relationships" xmlns:p="http://schemas.openxmlformats.org/presentationml/2006/main">
-  <p:cSld>
-    <p:spTree>
-      <p:nvGrpSpPr>
-        <p:cNvPr id="1" name=""/>
-        <p:cNvGrpSpPr/>
-        <p:nvPr/>
-      </p:nvGrpSpPr>
-      <p:grpSpPr>
-        <a:xfrm>
-          <a:off x="0" y="0"/>
-          <a:ext cx="0" cy="0"/>
-          <a:chOff x="0" y="0"/>
-          <a:chExt cx="0" cy="0"/>
-        </a:xfrm>
-      </p:grpSpPr>
-      <p:sp>
-        <p:nvSpPr>
-          <p:cNvPr id="2" name="Title 1">
-            <a:extLst>
-              <a:ext uri="{FF2B5EF4-FFF2-40B4-BE49-F238E27FC236}">
-                <a16:creationId xmlns:a16="http://schemas.microsoft.com/office/drawing/2014/main" id="{F782123F-6448-ABDC-344B-3F7F9C39D6FC}"/>
-              </a:ext>
-            </a:extLst>
-          </p:cNvPr>
-          <p:cNvSpPr>
-            <a:spLocks noGrp="1"/>
-          </p:cNvSpPr>
-          <p:nvPr>
-            <p:ph type="title"/>
-          </p:nvPr>
-        </p:nvSpPr>
-        <p:spPr/>
-        <p:txBody>
-          <a:bodyPr>
-            <a:normAutofit/>
-          </a:bodyPr>
-          <a:lstStyle/>
-          <a:p>
-            <a:r>
-              <a:rPr lang="en-IN" sz="2400" dirty="0"/>
-              <a:t>Hash tables</a:t>
-            </a:r>
-          </a:p>
-        </p:txBody>
-      </p:sp>
-      <p:sp>
-        <p:nvSpPr>
-          <p:cNvPr id="3" name="Content Placeholder 2">
-            <a:extLst>
-              <a:ext uri="{FF2B5EF4-FFF2-40B4-BE49-F238E27FC236}">
-                <a16:creationId xmlns:a16="http://schemas.microsoft.com/office/drawing/2014/main" id="{EA98BFAD-2C9F-48D0-8CBF-C9C51D289C0E}"/>
-              </a:ext>
-            </a:extLst>
-          </p:cNvPr>
-          <p:cNvSpPr>
-            <a:spLocks noGrp="1"/>
-          </p:cNvSpPr>
-          <p:nvPr>
-            <p:ph idx="1"/>
-          </p:nvPr>
-        </p:nvSpPr>
-        <p:spPr/>
-        <p:txBody>
-          <a:bodyPr>
-            <a:normAutofit/>
-          </a:bodyPr>
-          <a:lstStyle/>
-          <a:p>
-            <a:r>
-              <a:rPr lang="en-IN" sz="2000" dirty="0"/>
-              <a:t>$</a:t>
-            </a:r>
-            <a:r>
-              <a:rPr lang="en-IN" sz="2000" dirty="0" err="1"/>
-              <a:t>contries</a:t>
-            </a:r>
-            <a:r>
-              <a:rPr lang="en-IN" sz="2000" dirty="0"/>
-              <a:t> =@{}</a:t>
-            </a:r>
-          </a:p>
-          <a:p>
-            <a:pPr marL="0" indent="0">
-              <a:buNone/>
-            </a:pPr>
-            <a:r>
-              <a:rPr lang="en-IN" sz="2000" dirty="0"/>
-              <a:t>$country=@{“india”=“delhi”;</a:t>
-            </a:r>
-          </a:p>
-          <a:p>
-            <a:pPr marL="0" indent="0">
-              <a:buNone/>
-            </a:pPr>
-            <a:r>
-              <a:rPr lang="en-IN" sz="2000" dirty="0"/>
-              <a:t>                        “</a:t>
-            </a:r>
-            <a:r>
-              <a:rPr lang="en-IN" sz="2000" dirty="0" err="1"/>
-              <a:t>usa</a:t>
-            </a:r>
-            <a:r>
-              <a:rPr lang="en-IN" sz="2000" dirty="0"/>
-              <a:t>”=“Washington”;</a:t>
-            </a:r>
-          </a:p>
-          <a:p>
-            <a:pPr marL="0" indent="0">
-              <a:buNone/>
-            </a:pPr>
-            <a:r>
-              <a:rPr lang="en-IN" sz="2000" dirty="0"/>
-              <a:t>                         “Russia”=“Moscow”}</a:t>
-            </a:r>
-          </a:p>
-          <a:p>
-            <a:pPr marL="0" indent="0">
-              <a:buNone/>
-            </a:pPr>
-            <a:r>
-              <a:rPr lang="en-IN" sz="2000" dirty="0"/>
-              <a:t>$</a:t>
-            </a:r>
-            <a:r>
-              <a:rPr lang="en-IN" sz="2000" dirty="0" err="1"/>
-              <a:t>country.india</a:t>
-            </a:r>
-            <a:r>
-              <a:rPr lang="en-IN" sz="2000" dirty="0"/>
-              <a:t> =</a:t>
-            </a:r>
-            <a:r>
-              <a:rPr lang="en-IN" sz="2000" dirty="0" err="1"/>
-              <a:t>delhi</a:t>
-            </a:r>
-            <a:endParaRPr lang="en-IN" sz="2000" dirty="0"/>
-          </a:p>
-          <a:p>
-            <a:pPr marL="0" indent="0">
-              <a:buNone/>
-            </a:pPr>
-            <a:r>
-              <a:rPr lang="en-IN" sz="2000" dirty="0"/>
-              <a:t>$</a:t>
-            </a:r>
-            <a:r>
-              <a:rPr lang="en-IN" sz="2000" dirty="0" err="1"/>
-              <a:t>country.india</a:t>
-            </a:r>
-            <a:r>
-              <a:rPr lang="en-IN" sz="2000" dirty="0"/>
-              <a:t> =“new </a:t>
-            </a:r>
-            <a:r>
-              <a:rPr lang="en-IN" sz="2000" dirty="0" err="1"/>
-              <a:t>delhi</a:t>
-            </a:r>
-            <a:r>
-              <a:rPr lang="en-IN" sz="2000" dirty="0"/>
-              <a:t>”</a:t>
-            </a:r>
-          </a:p>
-        </p:txBody>
-      </p:sp>
-    </p:spTree>
-    <p:extLst>
-      <p:ext uri="{BB962C8B-B14F-4D97-AF65-F5344CB8AC3E}">
-        <p14:creationId xmlns:p14="http://schemas.microsoft.com/office/powerpoint/2010/main" val="2844473090"/>
-      </p:ext>
-    </p:extLst>
-  </p:cSld>
-  <p:clrMapOvr>
-    <a:masterClrMapping/>
-  </p:clrMapOvr>
-</p:sld>
-</file>
-
-<file path=ppt/slides/slide28.xml><?xml version="1.0" encoding="utf-8"?>
 <p:sld xmlns:a="http://schemas.openxmlformats.org/drawingml/2006/main" xmlns:r="http://schemas.openxmlformats.org/officeDocument/2006/relationships" xmlns:p="http://schemas.openxmlformats.org/presentationml/2006/main">
   <p:cSld>
     <p:spTree>
@@ -8875,7 +11193,7 @@
 </p:sld>
 </file>
 
-<file path=ppt/slides/slide29.xml><?xml version="1.0" encoding="utf-8"?>
+<file path=ppt/slides/slide26.xml><?xml version="1.0" encoding="utf-8"?>
 <p:sld xmlns:a="http://schemas.openxmlformats.org/drawingml/2006/main" xmlns:r="http://schemas.openxmlformats.org/officeDocument/2006/relationships" xmlns:p="http://schemas.openxmlformats.org/presentationml/2006/main">
   <p:cSld>
     <p:spTree>
@@ -9179,6 +11497,671 @@
     <p:extLst>
       <p:ext uri="{BB962C8B-B14F-4D97-AF65-F5344CB8AC3E}">
         <p14:creationId xmlns:p14="http://schemas.microsoft.com/office/powerpoint/2010/main" val="3288403359"/>
+      </p:ext>
+    </p:extLst>
+  </p:cSld>
+  <p:clrMapOvr>
+    <a:masterClrMapping/>
+  </p:clrMapOvr>
+</p:sld>
+</file>
+
+<file path=ppt/slides/slide27.xml><?xml version="1.0" encoding="utf-8"?>
+<p:sld xmlns:a="http://schemas.openxmlformats.org/drawingml/2006/main" xmlns:r="http://schemas.openxmlformats.org/officeDocument/2006/relationships" xmlns:p="http://schemas.openxmlformats.org/presentationml/2006/main">
+  <p:cSld>
+    <p:spTree>
+      <p:nvGrpSpPr>
+        <p:cNvPr id="1" name=""/>
+        <p:cNvGrpSpPr/>
+        <p:nvPr/>
+      </p:nvGrpSpPr>
+      <p:grpSpPr>
+        <a:xfrm>
+          <a:off x="0" y="0"/>
+          <a:ext cx="0" cy="0"/>
+          <a:chOff x="0" y="0"/>
+          <a:chExt cx="0" cy="0"/>
+        </a:xfrm>
+      </p:grpSpPr>
+      <p:sp>
+        <p:nvSpPr>
+          <p:cNvPr id="2" name="Title 1">
+            <a:extLst>
+              <a:ext uri="{FF2B5EF4-FFF2-40B4-BE49-F238E27FC236}">
+                <a16:creationId xmlns:a16="http://schemas.microsoft.com/office/drawing/2014/main" id="{EEA1623A-9F0B-D15D-977B-08D0E0B0EFFF}"/>
+              </a:ext>
+            </a:extLst>
+          </p:cNvPr>
+          <p:cNvSpPr>
+            <a:spLocks noGrp="1"/>
+          </p:cNvSpPr>
+          <p:nvPr>
+            <p:ph type="title"/>
+          </p:nvPr>
+        </p:nvSpPr>
+        <p:spPr/>
+        <p:txBody>
+          <a:bodyPr/>
+          <a:lstStyle/>
+          <a:p>
+            <a:r>
+              <a:rPr lang="en-IN" dirty="0"/>
+              <a:t>Cmdlets contd..</a:t>
+            </a:r>
+          </a:p>
+        </p:txBody>
+      </p:sp>
+      <p:sp>
+        <p:nvSpPr>
+          <p:cNvPr id="3" name="Content Placeholder 2">
+            <a:extLst>
+              <a:ext uri="{FF2B5EF4-FFF2-40B4-BE49-F238E27FC236}">
+                <a16:creationId xmlns:a16="http://schemas.microsoft.com/office/drawing/2014/main" id="{E45E0388-5FE2-81BE-B44B-401AB8C5F61D}"/>
+              </a:ext>
+            </a:extLst>
+          </p:cNvPr>
+          <p:cNvSpPr>
+            <a:spLocks noGrp="1"/>
+          </p:cNvSpPr>
+          <p:nvPr>
+            <p:ph idx="1"/>
+          </p:nvPr>
+        </p:nvSpPr>
+        <p:spPr/>
+        <p:txBody>
+          <a:bodyPr>
+            <a:normAutofit/>
+          </a:bodyPr>
+          <a:lstStyle/>
+          <a:p>
+            <a:r>
+              <a:rPr lang="en-IN" sz="1600" dirty="0"/>
+              <a:t>-object (any data type)</a:t>
+            </a:r>
+          </a:p>
+          <a:p>
+            <a:r>
+              <a:rPr lang="en-IN" sz="1600" dirty="0"/>
+              <a:t>-</a:t>
+            </a:r>
+            <a:r>
+              <a:rPr lang="en-IN" sz="1600" dirty="0" err="1"/>
+              <a:t>separater</a:t>
+            </a:r>
+            <a:r>
+              <a:rPr lang="en-IN" sz="1600" dirty="0"/>
+              <a:t> : any </a:t>
+            </a:r>
+            <a:r>
+              <a:rPr lang="en-IN" sz="1600" dirty="0" err="1"/>
+              <a:t>spearaters</a:t>
+            </a:r>
+            <a:r>
+              <a:rPr lang="en-IN" sz="1600" dirty="0"/>
+              <a:t> like |,, etc</a:t>
+            </a:r>
+          </a:p>
+          <a:p>
+            <a:r>
+              <a:rPr lang="en-IN" sz="1600" dirty="0"/>
+              <a:t>-</a:t>
+            </a:r>
+            <a:r>
+              <a:rPr lang="en-IN" sz="1600" dirty="0" err="1"/>
+              <a:t>forground</a:t>
+            </a:r>
+            <a:r>
+              <a:rPr lang="en-IN" sz="1600" dirty="0"/>
+              <a:t> </a:t>
+            </a:r>
+          </a:p>
+          <a:p>
+            <a:r>
+              <a:rPr lang="en-IN" sz="1600" dirty="0"/>
+              <a:t>-</a:t>
+            </a:r>
+            <a:r>
+              <a:rPr lang="en-IN" sz="1600" dirty="0" err="1"/>
+              <a:t>backgroundś</a:t>
+            </a:r>
+            <a:endParaRPr lang="en-IN" sz="1600" dirty="0"/>
+          </a:p>
+          <a:p>
+            <a:r>
+              <a:rPr lang="en-IN" sz="1600" dirty="0"/>
+              <a:t>-</a:t>
+            </a:r>
+            <a:r>
+              <a:rPr lang="en-IN" sz="1600" dirty="0" err="1"/>
+              <a:t>nonewline</a:t>
+            </a:r>
+            <a:r>
+              <a:rPr lang="en-IN" sz="1600" dirty="0"/>
+              <a:t> : all </a:t>
+            </a:r>
+            <a:r>
+              <a:rPr lang="en-IN" sz="1600" dirty="0" err="1"/>
+              <a:t>stamenst</a:t>
+            </a:r>
+            <a:r>
+              <a:rPr lang="en-IN" sz="1600" dirty="0"/>
+              <a:t> in single line</a:t>
+            </a:r>
+          </a:p>
+          <a:p>
+            <a:pPr marL="0" indent="0">
+              <a:buNone/>
+            </a:pPr>
+            <a:r>
+              <a:rPr lang="en-IN" sz="1600" dirty="0"/>
+              <a:t>Imp :</a:t>
+            </a:r>
+            <a:r>
+              <a:rPr lang="en-IN" sz="1600" dirty="0" err="1"/>
+              <a:t>Powershell</a:t>
+            </a:r>
+            <a:r>
+              <a:rPr lang="en-IN" sz="1600" dirty="0"/>
+              <a:t> documentation can also be used</a:t>
+            </a:r>
+          </a:p>
+          <a:p>
+            <a:pPr marL="0" indent="0">
+              <a:buNone/>
+            </a:pPr>
+            <a:endParaRPr lang="en-IN" sz="1600" dirty="0"/>
+          </a:p>
+          <a:p>
+            <a:pPr marL="0" indent="0">
+              <a:buNone/>
+            </a:pPr>
+            <a:r>
+              <a:rPr lang="en-IN" sz="1600" b="1" dirty="0"/>
+              <a:t>Get-help Get-content </a:t>
+            </a:r>
+          </a:p>
+          <a:p>
+            <a:pPr marL="0" indent="0">
+              <a:buNone/>
+            </a:pPr>
+            <a:endParaRPr lang="en-IN" sz="1600" b="1" dirty="0"/>
+          </a:p>
+          <a:p>
+            <a:pPr marL="0" indent="0">
+              <a:buNone/>
+            </a:pPr>
+            <a:r>
+              <a:rPr lang="en-IN" sz="1600" b="1" dirty="0"/>
+              <a:t>Parameters :</a:t>
+            </a:r>
+            <a:r>
+              <a:rPr lang="en-US" sz="1100" b="0" i="0" dirty="0">
+                <a:solidFill>
+                  <a:srgbClr val="202124"/>
+                </a:solidFill>
+                <a:effectLst/>
+                <a:latin typeface="arial" panose="020B0604020202020204" pitchFamily="34" charset="0"/>
+              </a:rPr>
+              <a:t>. A parameter is </a:t>
+            </a:r>
+            <a:r>
+              <a:rPr lang="en-US" sz="1100" b="1" i="0" dirty="0">
+                <a:solidFill>
+                  <a:srgbClr val="202124"/>
+                </a:solidFill>
+                <a:effectLst/>
+                <a:latin typeface="arial" panose="020B0604020202020204" pitchFamily="34" charset="0"/>
+              </a:rPr>
+              <a:t>a way that developers enable script users to provide input at runtime</a:t>
+            </a:r>
+            <a:r>
+              <a:rPr lang="en-US" sz="1100" b="0" i="0" dirty="0">
+                <a:solidFill>
+                  <a:srgbClr val="202124"/>
+                </a:solidFill>
+                <a:effectLst/>
+                <a:latin typeface="arial" panose="020B0604020202020204" pitchFamily="34" charset="0"/>
+              </a:rPr>
+              <a:t>. </a:t>
+            </a:r>
+            <a:r>
+              <a:rPr lang="en-US" sz="1100" dirty="0">
+                <a:solidFill>
+                  <a:srgbClr val="202124"/>
+                </a:solidFill>
+                <a:latin typeface="arial" panose="020B0604020202020204" pitchFamily="34" charset="0"/>
+              </a:rPr>
+              <a:t> Or passing arguments</a:t>
+            </a:r>
+          </a:p>
+          <a:p>
+            <a:pPr marL="0" indent="0">
+              <a:buNone/>
+            </a:pPr>
+            <a:r>
+              <a:rPr lang="en-US" sz="1100" b="1" dirty="0">
+                <a:solidFill>
+                  <a:srgbClr val="202124"/>
+                </a:solidFill>
+                <a:latin typeface="arial" panose="020B0604020202020204" pitchFamily="34" charset="0"/>
+              </a:rPr>
+              <a:t>Property : </a:t>
+            </a:r>
+            <a:r>
+              <a:rPr lang="en-US" sz="1100" b="1" dirty="0" err="1">
+                <a:solidFill>
+                  <a:srgbClr val="202124"/>
+                </a:solidFill>
+                <a:latin typeface="arial" panose="020B0604020202020204" pitchFamily="34" charset="0"/>
+              </a:rPr>
+              <a:t>charcterstic</a:t>
+            </a:r>
+            <a:r>
+              <a:rPr lang="en-US" sz="1100" b="1" dirty="0">
+                <a:solidFill>
+                  <a:srgbClr val="202124"/>
+                </a:solidFill>
+                <a:latin typeface="arial" panose="020B0604020202020204" pitchFamily="34" charset="0"/>
+              </a:rPr>
+              <a:t> of an item</a:t>
+            </a:r>
+          </a:p>
+          <a:p>
+            <a:pPr marL="0" indent="0">
+              <a:buNone/>
+            </a:pPr>
+            <a:endParaRPr lang="en-IN" sz="1600" b="1" dirty="0"/>
+          </a:p>
+        </p:txBody>
+      </p:sp>
+    </p:spTree>
+    <p:extLst>
+      <p:ext uri="{BB962C8B-B14F-4D97-AF65-F5344CB8AC3E}">
+        <p14:creationId xmlns:p14="http://schemas.microsoft.com/office/powerpoint/2010/main" val="1336372779"/>
+      </p:ext>
+    </p:extLst>
+  </p:cSld>
+  <p:clrMapOvr>
+    <a:masterClrMapping/>
+  </p:clrMapOvr>
+</p:sld>
+</file>
+
+<file path=ppt/slides/slide28.xml><?xml version="1.0" encoding="utf-8"?>
+<p:sld xmlns:a="http://schemas.openxmlformats.org/drawingml/2006/main" xmlns:r="http://schemas.openxmlformats.org/officeDocument/2006/relationships" xmlns:p="http://schemas.openxmlformats.org/presentationml/2006/main">
+  <p:cSld>
+    <p:spTree>
+      <p:nvGrpSpPr>
+        <p:cNvPr id="1" name=""/>
+        <p:cNvGrpSpPr/>
+        <p:nvPr/>
+      </p:nvGrpSpPr>
+      <p:grpSpPr>
+        <a:xfrm>
+          <a:off x="0" y="0"/>
+          <a:ext cx="0" cy="0"/>
+          <a:chOff x="0" y="0"/>
+          <a:chExt cx="0" cy="0"/>
+        </a:xfrm>
+      </p:grpSpPr>
+      <p:sp>
+        <p:nvSpPr>
+          <p:cNvPr id="2" name="Title 1">
+            <a:extLst>
+              <a:ext uri="{FF2B5EF4-FFF2-40B4-BE49-F238E27FC236}">
+                <a16:creationId xmlns:a16="http://schemas.microsoft.com/office/drawing/2014/main" id="{3A9515AC-55FE-535F-273C-266A1BF1D5F3}"/>
+              </a:ext>
+            </a:extLst>
+          </p:cNvPr>
+          <p:cNvSpPr>
+            <a:spLocks noGrp="1"/>
+          </p:cNvSpPr>
+          <p:nvPr>
+            <p:ph type="title"/>
+          </p:nvPr>
+        </p:nvSpPr>
+        <p:spPr/>
+        <p:txBody>
+          <a:bodyPr>
+            <a:normAutofit/>
+          </a:bodyPr>
+          <a:lstStyle/>
+          <a:p>
+            <a:r>
+              <a:rPr lang="en-IN" sz="1800" dirty="0"/>
+              <a:t>Imp: force and wait are switch </a:t>
+            </a:r>
+            <a:r>
+              <a:rPr lang="en-IN" sz="1800" dirty="0" err="1"/>
+              <a:t>typeso</a:t>
+            </a:r>
+            <a:r>
+              <a:rPr lang="en-IN" sz="1800" dirty="0"/>
+              <a:t>\p will be differed and types depends on  it will read </a:t>
+            </a:r>
+            <a:r>
+              <a:rPr lang="en-IN" sz="1800" dirty="0" err="1"/>
+              <a:t>whater</a:t>
+            </a:r>
+            <a:r>
+              <a:rPr lang="en-IN" sz="1800" dirty="0"/>
+              <a:t> is there in file</a:t>
+            </a:r>
+            <a:br>
+              <a:rPr lang="en-IN" sz="1800" dirty="0"/>
+            </a:br>
+            <a:r>
+              <a:rPr lang="en-IN" sz="1800" dirty="0"/>
+              <a:t>parameters</a:t>
+            </a:r>
+          </a:p>
+        </p:txBody>
+      </p:sp>
+      <p:sp>
+        <p:nvSpPr>
+          <p:cNvPr id="3" name="Content Placeholder 2">
+            <a:extLst>
+              <a:ext uri="{FF2B5EF4-FFF2-40B4-BE49-F238E27FC236}">
+                <a16:creationId xmlns:a16="http://schemas.microsoft.com/office/drawing/2014/main" id="{2D22FE1B-D35A-C9CA-3058-CA96EFC23FF0}"/>
+              </a:ext>
+            </a:extLst>
+          </p:cNvPr>
+          <p:cNvSpPr>
+            <a:spLocks noGrp="1"/>
+          </p:cNvSpPr>
+          <p:nvPr>
+            <p:ph idx="1"/>
+          </p:nvPr>
+        </p:nvSpPr>
+        <p:spPr/>
+        <p:txBody>
+          <a:bodyPr>
+            <a:normAutofit fontScale="85000" lnSpcReduction="20000"/>
+          </a:bodyPr>
+          <a:lstStyle/>
+          <a:p>
+            <a:r>
+              <a:rPr lang="en-IN" sz="1400" dirty="0"/>
+              <a:t> Get-Content </a:t>
+            </a:r>
+          </a:p>
+          <a:p>
+            <a:r>
+              <a:rPr lang="en-IN" sz="1400" dirty="0"/>
+              <a:t>[-Path] &lt;string[]&gt; </a:t>
+            </a:r>
+          </a:p>
+          <a:p>
+            <a:r>
+              <a:rPr lang="en-IN" sz="1400" dirty="0"/>
+              <a:t>[-</a:t>
+            </a:r>
+            <a:r>
+              <a:rPr lang="en-IN" sz="1400" dirty="0" err="1"/>
+              <a:t>ReadCount</a:t>
+            </a:r>
+            <a:r>
+              <a:rPr lang="en-IN" sz="1400" dirty="0"/>
+              <a:t> &lt;long&gt;] </a:t>
+            </a:r>
+          </a:p>
+          <a:p>
+            <a:r>
+              <a:rPr lang="en-IN" sz="1400" dirty="0"/>
+              <a:t>[-</a:t>
+            </a:r>
+            <a:r>
+              <a:rPr lang="en-IN" sz="1400" dirty="0" err="1"/>
+              <a:t>TotalCount</a:t>
+            </a:r>
+            <a:r>
+              <a:rPr lang="en-IN" sz="1400" dirty="0"/>
+              <a:t> &lt;long&gt;]</a:t>
+            </a:r>
+          </a:p>
+          <a:p>
+            <a:r>
+              <a:rPr lang="en-IN" sz="1400" dirty="0"/>
+              <a:t> [-Tail &lt;int&gt;] </a:t>
+            </a:r>
+          </a:p>
+          <a:p>
+            <a:r>
+              <a:rPr lang="en-IN" sz="1400" dirty="0"/>
+              <a:t>[-Filter &lt;string&gt;]</a:t>
+            </a:r>
+          </a:p>
+          <a:p>
+            <a:r>
+              <a:rPr lang="en-IN" sz="1400" dirty="0"/>
+              <a:t> [-Include&lt;string[]&gt;]</a:t>
+            </a:r>
+          </a:p>
+          <a:p>
+            <a:r>
+              <a:rPr lang="en-IN" sz="1400" dirty="0"/>
+              <a:t> [-Exclude &lt;string[]&gt;] </a:t>
+            </a:r>
+          </a:p>
+          <a:p>
+            <a:r>
+              <a:rPr lang="en-IN" sz="1400" dirty="0"/>
+              <a:t>[-Force] </a:t>
+            </a:r>
+          </a:p>
+          <a:p>
+            <a:r>
+              <a:rPr lang="en-IN" sz="1400" dirty="0"/>
+              <a:t>Credential &lt;</a:t>
+            </a:r>
+            <a:r>
+              <a:rPr lang="en-IN" sz="1400" dirty="0" err="1"/>
+              <a:t>pscredential</a:t>
+            </a:r>
+            <a:r>
+              <a:rPr lang="en-IN" sz="1400" dirty="0"/>
+              <a:t>&gt;]</a:t>
+            </a:r>
+          </a:p>
+          <a:p>
+            <a:r>
+              <a:rPr lang="en-IN" sz="1400" dirty="0"/>
+              <a:t> [-</a:t>
+            </a:r>
+            <a:r>
+              <a:rPr lang="en-IN" sz="1400" dirty="0" err="1"/>
+              <a:t>UseTransaction</a:t>
+            </a:r>
+            <a:r>
+              <a:rPr lang="en-IN" sz="1400" dirty="0"/>
+              <a:t>] </a:t>
+            </a:r>
+          </a:p>
+          <a:p>
+            <a:r>
+              <a:rPr lang="en-IN" sz="1400" dirty="0"/>
+              <a:t>[-Delimiter &lt;string&gt;]</a:t>
+            </a:r>
+          </a:p>
+          <a:p>
+            <a:r>
+              <a:rPr lang="en-IN" sz="1400" dirty="0"/>
+              <a:t>   [-Wait]</a:t>
+            </a:r>
+          </a:p>
+          <a:p>
+            <a:r>
+              <a:rPr lang="en-IN" sz="1400" dirty="0"/>
+              <a:t> [-Raw] </a:t>
+            </a:r>
+          </a:p>
+          <a:p>
+            <a:r>
+              <a:rPr lang="en-IN" sz="1400" dirty="0"/>
+              <a:t>[-Encoding {Unknown | String | Unicode | Byte | </a:t>
+            </a:r>
+            <a:r>
+              <a:rPr lang="en-IN" sz="1400" dirty="0" err="1"/>
+              <a:t>BigEndianUnicode</a:t>
+            </a:r>
+            <a:r>
+              <a:rPr lang="en-IN" sz="1400" dirty="0"/>
+              <a:t> | UTF8 | UTF7 | UTF32 | Ascii |</a:t>
+            </a:r>
+          </a:p>
+          <a:p>
+            <a:r>
+              <a:rPr lang="en-IN" sz="1400" dirty="0"/>
+              <a:t>    Default | </a:t>
+            </a:r>
+            <a:r>
+              <a:rPr lang="en-IN" sz="1400" dirty="0" err="1"/>
+              <a:t>Oem</a:t>
+            </a:r>
+            <a:r>
+              <a:rPr lang="en-IN" sz="1400" dirty="0"/>
+              <a:t> | BigEndianUTF32}]</a:t>
+            </a:r>
+          </a:p>
+          <a:p>
+            <a:r>
+              <a:rPr lang="en-IN" sz="1400" dirty="0"/>
+              <a:t> [-Stream &lt;string&gt;]  [&lt;</a:t>
+            </a:r>
+            <a:r>
+              <a:rPr lang="en-IN" sz="1400" dirty="0" err="1"/>
+              <a:t>CommonParameters</a:t>
+            </a:r>
+            <a:r>
+              <a:rPr lang="en-IN" sz="1400" dirty="0"/>
+              <a:t>&gt;]</a:t>
+            </a:r>
+          </a:p>
+        </p:txBody>
+      </p:sp>
+    </p:spTree>
+    <p:extLst>
+      <p:ext uri="{BB962C8B-B14F-4D97-AF65-F5344CB8AC3E}">
+        <p14:creationId xmlns:p14="http://schemas.microsoft.com/office/powerpoint/2010/main" val="2138242679"/>
+      </p:ext>
+    </p:extLst>
+  </p:cSld>
+  <p:clrMapOvr>
+    <a:masterClrMapping/>
+  </p:clrMapOvr>
+</p:sld>
+</file>
+
+<file path=ppt/slides/slide29.xml><?xml version="1.0" encoding="utf-8"?>
+<p:sld xmlns:a="http://schemas.openxmlformats.org/drawingml/2006/main" xmlns:r="http://schemas.openxmlformats.org/officeDocument/2006/relationships" xmlns:p="http://schemas.openxmlformats.org/presentationml/2006/main">
+  <p:cSld>
+    <p:spTree>
+      <p:nvGrpSpPr>
+        <p:cNvPr id="1" name=""/>
+        <p:cNvGrpSpPr/>
+        <p:nvPr/>
+      </p:nvGrpSpPr>
+      <p:grpSpPr>
+        <a:xfrm>
+          <a:off x="0" y="0"/>
+          <a:ext cx="0" cy="0"/>
+          <a:chOff x="0" y="0"/>
+          <a:chExt cx="0" cy="0"/>
+        </a:xfrm>
+      </p:grpSpPr>
+      <p:sp>
+        <p:nvSpPr>
+          <p:cNvPr id="2" name="Title 1">
+            <a:extLst>
+              <a:ext uri="{FF2B5EF4-FFF2-40B4-BE49-F238E27FC236}">
+                <a16:creationId xmlns:a16="http://schemas.microsoft.com/office/drawing/2014/main" id="{558AB6F6-6907-8D0A-9A7C-25B6A98A7FC4}"/>
+              </a:ext>
+            </a:extLst>
+          </p:cNvPr>
+          <p:cNvSpPr>
+            <a:spLocks noGrp="1"/>
+          </p:cNvSpPr>
+          <p:nvPr>
+            <p:ph type="title"/>
+          </p:nvPr>
+        </p:nvSpPr>
+        <p:spPr/>
+        <p:txBody>
+          <a:bodyPr>
+            <a:normAutofit/>
+          </a:bodyPr>
+          <a:lstStyle/>
+          <a:p>
+            <a:r>
+              <a:rPr lang="en-IN" sz="1800" dirty="0"/>
+              <a:t>Common parameters </a:t>
+            </a:r>
+          </a:p>
+        </p:txBody>
+      </p:sp>
+      <p:sp>
+        <p:nvSpPr>
+          <p:cNvPr id="3" name="Content Placeholder 2">
+            <a:extLst>
+              <a:ext uri="{FF2B5EF4-FFF2-40B4-BE49-F238E27FC236}">
+                <a16:creationId xmlns:a16="http://schemas.microsoft.com/office/drawing/2014/main" id="{8DF56EAF-E021-1CDE-8D64-81ED562AC45C}"/>
+              </a:ext>
+            </a:extLst>
+          </p:cNvPr>
+          <p:cNvSpPr>
+            <a:spLocks noGrp="1"/>
+          </p:cNvSpPr>
+          <p:nvPr>
+            <p:ph idx="1"/>
+          </p:nvPr>
+        </p:nvSpPr>
+        <p:spPr/>
+        <p:txBody>
+          <a:bodyPr/>
+          <a:lstStyle/>
+          <a:p>
+            <a:r>
+              <a:rPr lang="en-IN" dirty="0"/>
+              <a:t>Parameters which are common to all cmdlets</a:t>
+            </a:r>
+          </a:p>
+          <a:p>
+            <a:r>
+              <a:rPr lang="en-IN" dirty="0"/>
+              <a:t>Like</a:t>
+            </a:r>
+          </a:p>
+          <a:p>
+            <a:r>
+              <a:rPr lang="en-IN" dirty="0"/>
+              <a:t>-force.</a:t>
+            </a:r>
+          </a:p>
+          <a:p>
+            <a:r>
+              <a:rPr lang="en-IN" dirty="0"/>
+              <a:t>Wait</a:t>
+            </a:r>
+          </a:p>
+          <a:p>
+            <a:r>
+              <a:rPr lang="en-IN" dirty="0" err="1"/>
+              <a:t>Crdentails</a:t>
+            </a:r>
+            <a:r>
+              <a:rPr lang="en-IN" dirty="0"/>
+              <a:t> etc</a:t>
+            </a:r>
+          </a:p>
+          <a:p>
+            <a:endParaRPr lang="en-IN" dirty="0"/>
+          </a:p>
+        </p:txBody>
+      </p:sp>
+    </p:spTree>
+    <p:extLst>
+      <p:ext uri="{BB962C8B-B14F-4D97-AF65-F5344CB8AC3E}">
+        <p14:creationId xmlns:p14="http://schemas.microsoft.com/office/powerpoint/2010/main" val="2476043508"/>
       </p:ext>
     </p:extLst>
   </p:cSld>
@@ -9303,671 +12286,6 @@
     <p:extLst>
       <p:ext uri="{BB962C8B-B14F-4D97-AF65-F5344CB8AC3E}">
         <p14:creationId xmlns:p14="http://schemas.microsoft.com/office/powerpoint/2010/main" val="4043830537"/>
-      </p:ext>
-    </p:extLst>
-  </p:cSld>
-  <p:clrMapOvr>
-    <a:masterClrMapping/>
-  </p:clrMapOvr>
-</p:sld>
-</file>
-
-<file path=ppt/slides/slide30.xml><?xml version="1.0" encoding="utf-8"?>
-<p:sld xmlns:a="http://schemas.openxmlformats.org/drawingml/2006/main" xmlns:r="http://schemas.openxmlformats.org/officeDocument/2006/relationships" xmlns:p="http://schemas.openxmlformats.org/presentationml/2006/main">
-  <p:cSld>
-    <p:spTree>
-      <p:nvGrpSpPr>
-        <p:cNvPr id="1" name=""/>
-        <p:cNvGrpSpPr/>
-        <p:nvPr/>
-      </p:nvGrpSpPr>
-      <p:grpSpPr>
-        <a:xfrm>
-          <a:off x="0" y="0"/>
-          <a:ext cx="0" cy="0"/>
-          <a:chOff x="0" y="0"/>
-          <a:chExt cx="0" cy="0"/>
-        </a:xfrm>
-      </p:grpSpPr>
-      <p:sp>
-        <p:nvSpPr>
-          <p:cNvPr id="2" name="Title 1">
-            <a:extLst>
-              <a:ext uri="{FF2B5EF4-FFF2-40B4-BE49-F238E27FC236}">
-                <a16:creationId xmlns:a16="http://schemas.microsoft.com/office/drawing/2014/main" id="{EEA1623A-9F0B-D15D-977B-08D0E0B0EFFF}"/>
-              </a:ext>
-            </a:extLst>
-          </p:cNvPr>
-          <p:cNvSpPr>
-            <a:spLocks noGrp="1"/>
-          </p:cNvSpPr>
-          <p:nvPr>
-            <p:ph type="title"/>
-          </p:nvPr>
-        </p:nvSpPr>
-        <p:spPr/>
-        <p:txBody>
-          <a:bodyPr/>
-          <a:lstStyle/>
-          <a:p>
-            <a:r>
-              <a:rPr lang="en-IN" dirty="0"/>
-              <a:t>Cmdlets contd..</a:t>
-            </a:r>
-          </a:p>
-        </p:txBody>
-      </p:sp>
-      <p:sp>
-        <p:nvSpPr>
-          <p:cNvPr id="3" name="Content Placeholder 2">
-            <a:extLst>
-              <a:ext uri="{FF2B5EF4-FFF2-40B4-BE49-F238E27FC236}">
-                <a16:creationId xmlns:a16="http://schemas.microsoft.com/office/drawing/2014/main" id="{E45E0388-5FE2-81BE-B44B-401AB8C5F61D}"/>
-              </a:ext>
-            </a:extLst>
-          </p:cNvPr>
-          <p:cNvSpPr>
-            <a:spLocks noGrp="1"/>
-          </p:cNvSpPr>
-          <p:nvPr>
-            <p:ph idx="1"/>
-          </p:nvPr>
-        </p:nvSpPr>
-        <p:spPr/>
-        <p:txBody>
-          <a:bodyPr>
-            <a:normAutofit/>
-          </a:bodyPr>
-          <a:lstStyle/>
-          <a:p>
-            <a:r>
-              <a:rPr lang="en-IN" sz="1600" dirty="0"/>
-              <a:t>-object (any data type)</a:t>
-            </a:r>
-          </a:p>
-          <a:p>
-            <a:r>
-              <a:rPr lang="en-IN" sz="1600" dirty="0"/>
-              <a:t>-</a:t>
-            </a:r>
-            <a:r>
-              <a:rPr lang="en-IN" sz="1600" dirty="0" err="1"/>
-              <a:t>separater</a:t>
-            </a:r>
-            <a:r>
-              <a:rPr lang="en-IN" sz="1600" dirty="0"/>
-              <a:t> : any </a:t>
-            </a:r>
-            <a:r>
-              <a:rPr lang="en-IN" sz="1600" dirty="0" err="1"/>
-              <a:t>spearaters</a:t>
-            </a:r>
-            <a:r>
-              <a:rPr lang="en-IN" sz="1600" dirty="0"/>
-              <a:t> like |,, etc</a:t>
-            </a:r>
-          </a:p>
-          <a:p>
-            <a:r>
-              <a:rPr lang="en-IN" sz="1600" dirty="0"/>
-              <a:t>-</a:t>
-            </a:r>
-            <a:r>
-              <a:rPr lang="en-IN" sz="1600" dirty="0" err="1"/>
-              <a:t>forground</a:t>
-            </a:r>
-            <a:r>
-              <a:rPr lang="en-IN" sz="1600" dirty="0"/>
-              <a:t> </a:t>
-            </a:r>
-          </a:p>
-          <a:p>
-            <a:r>
-              <a:rPr lang="en-IN" sz="1600" dirty="0"/>
-              <a:t>-</a:t>
-            </a:r>
-            <a:r>
-              <a:rPr lang="en-IN" sz="1600" dirty="0" err="1"/>
-              <a:t>backgroundś</a:t>
-            </a:r>
-            <a:endParaRPr lang="en-IN" sz="1600" dirty="0"/>
-          </a:p>
-          <a:p>
-            <a:r>
-              <a:rPr lang="en-IN" sz="1600" dirty="0"/>
-              <a:t>-</a:t>
-            </a:r>
-            <a:r>
-              <a:rPr lang="en-IN" sz="1600" dirty="0" err="1"/>
-              <a:t>nonewline</a:t>
-            </a:r>
-            <a:r>
-              <a:rPr lang="en-IN" sz="1600" dirty="0"/>
-              <a:t> : all </a:t>
-            </a:r>
-            <a:r>
-              <a:rPr lang="en-IN" sz="1600" dirty="0" err="1"/>
-              <a:t>stamenst</a:t>
-            </a:r>
-            <a:r>
-              <a:rPr lang="en-IN" sz="1600" dirty="0"/>
-              <a:t> in single line</a:t>
-            </a:r>
-          </a:p>
-          <a:p>
-            <a:pPr marL="0" indent="0">
-              <a:buNone/>
-            </a:pPr>
-            <a:r>
-              <a:rPr lang="en-IN" sz="1600" dirty="0"/>
-              <a:t>Imp :</a:t>
-            </a:r>
-            <a:r>
-              <a:rPr lang="en-IN" sz="1600" dirty="0" err="1"/>
-              <a:t>Powershell</a:t>
-            </a:r>
-            <a:r>
-              <a:rPr lang="en-IN" sz="1600" dirty="0"/>
-              <a:t> documentation can also be used</a:t>
-            </a:r>
-          </a:p>
-          <a:p>
-            <a:pPr marL="0" indent="0">
-              <a:buNone/>
-            </a:pPr>
-            <a:endParaRPr lang="en-IN" sz="1600" dirty="0"/>
-          </a:p>
-          <a:p>
-            <a:pPr marL="0" indent="0">
-              <a:buNone/>
-            </a:pPr>
-            <a:r>
-              <a:rPr lang="en-IN" sz="1600" b="1" dirty="0"/>
-              <a:t>Get-help Get-content </a:t>
-            </a:r>
-          </a:p>
-          <a:p>
-            <a:pPr marL="0" indent="0">
-              <a:buNone/>
-            </a:pPr>
-            <a:endParaRPr lang="en-IN" sz="1600" b="1" dirty="0"/>
-          </a:p>
-          <a:p>
-            <a:pPr marL="0" indent="0">
-              <a:buNone/>
-            </a:pPr>
-            <a:r>
-              <a:rPr lang="en-IN" sz="1600" b="1" dirty="0"/>
-              <a:t>Parameters :</a:t>
-            </a:r>
-            <a:r>
-              <a:rPr lang="en-US" sz="1100" b="0" i="0" dirty="0">
-                <a:solidFill>
-                  <a:srgbClr val="202124"/>
-                </a:solidFill>
-                <a:effectLst/>
-                <a:latin typeface="arial" panose="020B0604020202020204" pitchFamily="34" charset="0"/>
-              </a:rPr>
-              <a:t>. A parameter is </a:t>
-            </a:r>
-            <a:r>
-              <a:rPr lang="en-US" sz="1100" b="1" i="0" dirty="0">
-                <a:solidFill>
-                  <a:srgbClr val="202124"/>
-                </a:solidFill>
-                <a:effectLst/>
-                <a:latin typeface="arial" panose="020B0604020202020204" pitchFamily="34" charset="0"/>
-              </a:rPr>
-              <a:t>a way that developers enable script users to provide input at runtime</a:t>
-            </a:r>
-            <a:r>
-              <a:rPr lang="en-US" sz="1100" b="0" i="0" dirty="0">
-                <a:solidFill>
-                  <a:srgbClr val="202124"/>
-                </a:solidFill>
-                <a:effectLst/>
-                <a:latin typeface="arial" panose="020B0604020202020204" pitchFamily="34" charset="0"/>
-              </a:rPr>
-              <a:t>. </a:t>
-            </a:r>
-            <a:r>
-              <a:rPr lang="en-US" sz="1100" dirty="0">
-                <a:solidFill>
-                  <a:srgbClr val="202124"/>
-                </a:solidFill>
-                <a:latin typeface="arial" panose="020B0604020202020204" pitchFamily="34" charset="0"/>
-              </a:rPr>
-              <a:t> Or passing arguments</a:t>
-            </a:r>
-          </a:p>
-          <a:p>
-            <a:pPr marL="0" indent="0">
-              <a:buNone/>
-            </a:pPr>
-            <a:r>
-              <a:rPr lang="en-US" sz="1100" b="1" dirty="0">
-                <a:solidFill>
-                  <a:srgbClr val="202124"/>
-                </a:solidFill>
-                <a:latin typeface="arial" panose="020B0604020202020204" pitchFamily="34" charset="0"/>
-              </a:rPr>
-              <a:t>Property : </a:t>
-            </a:r>
-            <a:r>
-              <a:rPr lang="en-US" sz="1100" b="1" dirty="0" err="1">
-                <a:solidFill>
-                  <a:srgbClr val="202124"/>
-                </a:solidFill>
-                <a:latin typeface="arial" panose="020B0604020202020204" pitchFamily="34" charset="0"/>
-              </a:rPr>
-              <a:t>charcterstic</a:t>
-            </a:r>
-            <a:r>
-              <a:rPr lang="en-US" sz="1100" b="1" dirty="0">
-                <a:solidFill>
-                  <a:srgbClr val="202124"/>
-                </a:solidFill>
-                <a:latin typeface="arial" panose="020B0604020202020204" pitchFamily="34" charset="0"/>
-              </a:rPr>
-              <a:t> of an item</a:t>
-            </a:r>
-          </a:p>
-          <a:p>
-            <a:pPr marL="0" indent="0">
-              <a:buNone/>
-            </a:pPr>
-            <a:endParaRPr lang="en-IN" sz="1600" b="1" dirty="0"/>
-          </a:p>
-        </p:txBody>
-      </p:sp>
-    </p:spTree>
-    <p:extLst>
-      <p:ext uri="{BB962C8B-B14F-4D97-AF65-F5344CB8AC3E}">
-        <p14:creationId xmlns:p14="http://schemas.microsoft.com/office/powerpoint/2010/main" val="1336372779"/>
-      </p:ext>
-    </p:extLst>
-  </p:cSld>
-  <p:clrMapOvr>
-    <a:masterClrMapping/>
-  </p:clrMapOvr>
-</p:sld>
-</file>
-
-<file path=ppt/slides/slide31.xml><?xml version="1.0" encoding="utf-8"?>
-<p:sld xmlns:a="http://schemas.openxmlformats.org/drawingml/2006/main" xmlns:r="http://schemas.openxmlformats.org/officeDocument/2006/relationships" xmlns:p="http://schemas.openxmlformats.org/presentationml/2006/main">
-  <p:cSld>
-    <p:spTree>
-      <p:nvGrpSpPr>
-        <p:cNvPr id="1" name=""/>
-        <p:cNvGrpSpPr/>
-        <p:nvPr/>
-      </p:nvGrpSpPr>
-      <p:grpSpPr>
-        <a:xfrm>
-          <a:off x="0" y="0"/>
-          <a:ext cx="0" cy="0"/>
-          <a:chOff x="0" y="0"/>
-          <a:chExt cx="0" cy="0"/>
-        </a:xfrm>
-      </p:grpSpPr>
-      <p:sp>
-        <p:nvSpPr>
-          <p:cNvPr id="2" name="Title 1">
-            <a:extLst>
-              <a:ext uri="{FF2B5EF4-FFF2-40B4-BE49-F238E27FC236}">
-                <a16:creationId xmlns:a16="http://schemas.microsoft.com/office/drawing/2014/main" id="{3A9515AC-55FE-535F-273C-266A1BF1D5F3}"/>
-              </a:ext>
-            </a:extLst>
-          </p:cNvPr>
-          <p:cNvSpPr>
-            <a:spLocks noGrp="1"/>
-          </p:cNvSpPr>
-          <p:nvPr>
-            <p:ph type="title"/>
-          </p:nvPr>
-        </p:nvSpPr>
-        <p:spPr/>
-        <p:txBody>
-          <a:bodyPr>
-            <a:normAutofit/>
-          </a:bodyPr>
-          <a:lstStyle/>
-          <a:p>
-            <a:r>
-              <a:rPr lang="en-IN" sz="1800" dirty="0"/>
-              <a:t>Imp: force and wait are switch </a:t>
-            </a:r>
-            <a:r>
-              <a:rPr lang="en-IN" sz="1800" dirty="0" err="1"/>
-              <a:t>typeso</a:t>
-            </a:r>
-            <a:r>
-              <a:rPr lang="en-IN" sz="1800" dirty="0"/>
-              <a:t>\p will be differed and types depends on  it will read </a:t>
-            </a:r>
-            <a:r>
-              <a:rPr lang="en-IN" sz="1800" dirty="0" err="1"/>
-              <a:t>whater</a:t>
-            </a:r>
-            <a:r>
-              <a:rPr lang="en-IN" sz="1800" dirty="0"/>
-              <a:t> is there in file</a:t>
-            </a:r>
-            <a:br>
-              <a:rPr lang="en-IN" sz="1800" dirty="0"/>
-            </a:br>
-            <a:r>
-              <a:rPr lang="en-IN" sz="1800" dirty="0"/>
-              <a:t>parameters</a:t>
-            </a:r>
-          </a:p>
-        </p:txBody>
-      </p:sp>
-      <p:sp>
-        <p:nvSpPr>
-          <p:cNvPr id="3" name="Content Placeholder 2">
-            <a:extLst>
-              <a:ext uri="{FF2B5EF4-FFF2-40B4-BE49-F238E27FC236}">
-                <a16:creationId xmlns:a16="http://schemas.microsoft.com/office/drawing/2014/main" id="{2D22FE1B-D35A-C9CA-3058-CA96EFC23FF0}"/>
-              </a:ext>
-            </a:extLst>
-          </p:cNvPr>
-          <p:cNvSpPr>
-            <a:spLocks noGrp="1"/>
-          </p:cNvSpPr>
-          <p:nvPr>
-            <p:ph idx="1"/>
-          </p:nvPr>
-        </p:nvSpPr>
-        <p:spPr/>
-        <p:txBody>
-          <a:bodyPr>
-            <a:normAutofit fontScale="85000" lnSpcReduction="20000"/>
-          </a:bodyPr>
-          <a:lstStyle/>
-          <a:p>
-            <a:r>
-              <a:rPr lang="en-IN" sz="1400" dirty="0"/>
-              <a:t> Get-Content </a:t>
-            </a:r>
-          </a:p>
-          <a:p>
-            <a:r>
-              <a:rPr lang="en-IN" sz="1400" dirty="0"/>
-              <a:t>[-Path] &lt;string[]&gt; </a:t>
-            </a:r>
-          </a:p>
-          <a:p>
-            <a:r>
-              <a:rPr lang="en-IN" sz="1400" dirty="0"/>
-              <a:t>[-</a:t>
-            </a:r>
-            <a:r>
-              <a:rPr lang="en-IN" sz="1400" dirty="0" err="1"/>
-              <a:t>ReadCount</a:t>
-            </a:r>
-            <a:r>
-              <a:rPr lang="en-IN" sz="1400" dirty="0"/>
-              <a:t> &lt;long&gt;] </a:t>
-            </a:r>
-          </a:p>
-          <a:p>
-            <a:r>
-              <a:rPr lang="en-IN" sz="1400" dirty="0"/>
-              <a:t>[-</a:t>
-            </a:r>
-            <a:r>
-              <a:rPr lang="en-IN" sz="1400" dirty="0" err="1"/>
-              <a:t>TotalCount</a:t>
-            </a:r>
-            <a:r>
-              <a:rPr lang="en-IN" sz="1400" dirty="0"/>
-              <a:t> &lt;long&gt;]</a:t>
-            </a:r>
-          </a:p>
-          <a:p>
-            <a:r>
-              <a:rPr lang="en-IN" sz="1400" dirty="0"/>
-              <a:t> [-Tail &lt;int&gt;] </a:t>
-            </a:r>
-          </a:p>
-          <a:p>
-            <a:r>
-              <a:rPr lang="en-IN" sz="1400" dirty="0"/>
-              <a:t>[-Filter &lt;string&gt;]</a:t>
-            </a:r>
-          </a:p>
-          <a:p>
-            <a:r>
-              <a:rPr lang="en-IN" sz="1400" dirty="0"/>
-              <a:t> [-Include&lt;string[]&gt;]</a:t>
-            </a:r>
-          </a:p>
-          <a:p>
-            <a:r>
-              <a:rPr lang="en-IN" sz="1400" dirty="0"/>
-              <a:t> [-Exclude &lt;string[]&gt;] </a:t>
-            </a:r>
-          </a:p>
-          <a:p>
-            <a:r>
-              <a:rPr lang="en-IN" sz="1400" dirty="0"/>
-              <a:t>[-Force] </a:t>
-            </a:r>
-          </a:p>
-          <a:p>
-            <a:r>
-              <a:rPr lang="en-IN" sz="1400" dirty="0"/>
-              <a:t>Credential &lt;</a:t>
-            </a:r>
-            <a:r>
-              <a:rPr lang="en-IN" sz="1400" dirty="0" err="1"/>
-              <a:t>pscredential</a:t>
-            </a:r>
-            <a:r>
-              <a:rPr lang="en-IN" sz="1400" dirty="0"/>
-              <a:t>&gt;]</a:t>
-            </a:r>
-          </a:p>
-          <a:p>
-            <a:r>
-              <a:rPr lang="en-IN" sz="1400" dirty="0"/>
-              <a:t> [-</a:t>
-            </a:r>
-            <a:r>
-              <a:rPr lang="en-IN" sz="1400" dirty="0" err="1"/>
-              <a:t>UseTransaction</a:t>
-            </a:r>
-            <a:r>
-              <a:rPr lang="en-IN" sz="1400" dirty="0"/>
-              <a:t>] </a:t>
-            </a:r>
-          </a:p>
-          <a:p>
-            <a:r>
-              <a:rPr lang="en-IN" sz="1400" dirty="0"/>
-              <a:t>[-Delimiter &lt;string&gt;]</a:t>
-            </a:r>
-          </a:p>
-          <a:p>
-            <a:r>
-              <a:rPr lang="en-IN" sz="1400" dirty="0"/>
-              <a:t>   [-Wait]</a:t>
-            </a:r>
-          </a:p>
-          <a:p>
-            <a:r>
-              <a:rPr lang="en-IN" sz="1400" dirty="0"/>
-              <a:t> [-Raw] </a:t>
-            </a:r>
-          </a:p>
-          <a:p>
-            <a:r>
-              <a:rPr lang="en-IN" sz="1400" dirty="0"/>
-              <a:t>[-Encoding {Unknown | String | Unicode | Byte | </a:t>
-            </a:r>
-            <a:r>
-              <a:rPr lang="en-IN" sz="1400" dirty="0" err="1"/>
-              <a:t>BigEndianUnicode</a:t>
-            </a:r>
-            <a:r>
-              <a:rPr lang="en-IN" sz="1400" dirty="0"/>
-              <a:t> | UTF8 | UTF7 | UTF32 | Ascii |</a:t>
-            </a:r>
-          </a:p>
-          <a:p>
-            <a:r>
-              <a:rPr lang="en-IN" sz="1400" dirty="0"/>
-              <a:t>    Default | </a:t>
-            </a:r>
-            <a:r>
-              <a:rPr lang="en-IN" sz="1400" dirty="0" err="1"/>
-              <a:t>Oem</a:t>
-            </a:r>
-            <a:r>
-              <a:rPr lang="en-IN" sz="1400" dirty="0"/>
-              <a:t> | BigEndianUTF32}]</a:t>
-            </a:r>
-          </a:p>
-          <a:p>
-            <a:r>
-              <a:rPr lang="en-IN" sz="1400" dirty="0"/>
-              <a:t> [-Stream &lt;string&gt;]  [&lt;</a:t>
-            </a:r>
-            <a:r>
-              <a:rPr lang="en-IN" sz="1400" dirty="0" err="1"/>
-              <a:t>CommonParameters</a:t>
-            </a:r>
-            <a:r>
-              <a:rPr lang="en-IN" sz="1400" dirty="0"/>
-              <a:t>&gt;]</a:t>
-            </a:r>
-          </a:p>
-        </p:txBody>
-      </p:sp>
-    </p:spTree>
-    <p:extLst>
-      <p:ext uri="{BB962C8B-B14F-4D97-AF65-F5344CB8AC3E}">
-        <p14:creationId xmlns:p14="http://schemas.microsoft.com/office/powerpoint/2010/main" val="2138242679"/>
-      </p:ext>
-    </p:extLst>
-  </p:cSld>
-  <p:clrMapOvr>
-    <a:masterClrMapping/>
-  </p:clrMapOvr>
-</p:sld>
-</file>
-
-<file path=ppt/slides/slide32.xml><?xml version="1.0" encoding="utf-8"?>
-<p:sld xmlns:a="http://schemas.openxmlformats.org/drawingml/2006/main" xmlns:r="http://schemas.openxmlformats.org/officeDocument/2006/relationships" xmlns:p="http://schemas.openxmlformats.org/presentationml/2006/main">
-  <p:cSld>
-    <p:spTree>
-      <p:nvGrpSpPr>
-        <p:cNvPr id="1" name=""/>
-        <p:cNvGrpSpPr/>
-        <p:nvPr/>
-      </p:nvGrpSpPr>
-      <p:grpSpPr>
-        <a:xfrm>
-          <a:off x="0" y="0"/>
-          <a:ext cx="0" cy="0"/>
-          <a:chOff x="0" y="0"/>
-          <a:chExt cx="0" cy="0"/>
-        </a:xfrm>
-      </p:grpSpPr>
-      <p:sp>
-        <p:nvSpPr>
-          <p:cNvPr id="2" name="Title 1">
-            <a:extLst>
-              <a:ext uri="{FF2B5EF4-FFF2-40B4-BE49-F238E27FC236}">
-                <a16:creationId xmlns:a16="http://schemas.microsoft.com/office/drawing/2014/main" id="{558AB6F6-6907-8D0A-9A7C-25B6A98A7FC4}"/>
-              </a:ext>
-            </a:extLst>
-          </p:cNvPr>
-          <p:cNvSpPr>
-            <a:spLocks noGrp="1"/>
-          </p:cNvSpPr>
-          <p:nvPr>
-            <p:ph type="title"/>
-          </p:nvPr>
-        </p:nvSpPr>
-        <p:spPr/>
-        <p:txBody>
-          <a:bodyPr>
-            <a:normAutofit/>
-          </a:bodyPr>
-          <a:lstStyle/>
-          <a:p>
-            <a:r>
-              <a:rPr lang="en-IN" sz="1800" dirty="0"/>
-              <a:t>Common parameters </a:t>
-            </a:r>
-          </a:p>
-        </p:txBody>
-      </p:sp>
-      <p:sp>
-        <p:nvSpPr>
-          <p:cNvPr id="3" name="Content Placeholder 2">
-            <a:extLst>
-              <a:ext uri="{FF2B5EF4-FFF2-40B4-BE49-F238E27FC236}">
-                <a16:creationId xmlns:a16="http://schemas.microsoft.com/office/drawing/2014/main" id="{8DF56EAF-E021-1CDE-8D64-81ED562AC45C}"/>
-              </a:ext>
-            </a:extLst>
-          </p:cNvPr>
-          <p:cNvSpPr>
-            <a:spLocks noGrp="1"/>
-          </p:cNvSpPr>
-          <p:nvPr>
-            <p:ph idx="1"/>
-          </p:nvPr>
-        </p:nvSpPr>
-        <p:spPr/>
-        <p:txBody>
-          <a:bodyPr/>
-          <a:lstStyle/>
-          <a:p>
-            <a:r>
-              <a:rPr lang="en-IN" dirty="0"/>
-              <a:t>Parameters which are common to all cmdlets</a:t>
-            </a:r>
-          </a:p>
-          <a:p>
-            <a:r>
-              <a:rPr lang="en-IN" dirty="0"/>
-              <a:t>Like</a:t>
-            </a:r>
-          </a:p>
-          <a:p>
-            <a:r>
-              <a:rPr lang="en-IN" dirty="0"/>
-              <a:t>-force.</a:t>
-            </a:r>
-          </a:p>
-          <a:p>
-            <a:r>
-              <a:rPr lang="en-IN" dirty="0"/>
-              <a:t>Wait</a:t>
-            </a:r>
-          </a:p>
-          <a:p>
-            <a:r>
-              <a:rPr lang="en-IN" dirty="0" err="1"/>
-              <a:t>Crdentails</a:t>
-            </a:r>
-            <a:r>
-              <a:rPr lang="en-IN" dirty="0"/>
-              <a:t> etc</a:t>
-            </a:r>
-          </a:p>
-          <a:p>
-            <a:endParaRPr lang="en-IN" dirty="0"/>
-          </a:p>
-        </p:txBody>
-      </p:sp>
-    </p:spTree>
-    <p:extLst>
-      <p:ext uri="{BB962C8B-B14F-4D97-AF65-F5344CB8AC3E}">
-        <p14:creationId xmlns:p14="http://schemas.microsoft.com/office/powerpoint/2010/main" val="2476043508"/>
       </p:ext>
     </p:extLst>
   </p:cSld>

--- a/Windows Powershell-basics.pptx
+++ b/Windows Powershell-basics.pptx
@@ -34,6 +34,7 @@
     <p:sldId id="292" r:id="rId28"/>
     <p:sldId id="293" r:id="rId29"/>
     <p:sldId id="294" r:id="rId30"/>
+    <p:sldId id="301" r:id="rId31"/>
   </p:sldIdLst>
   <p:sldSz cx="12192000" cy="6858000"/>
   <p:notesSz cx="6858000" cy="9144000"/>
@@ -289,7 +290,7 @@
           <a:p>
             <a:fld id="{8B8CBDFF-462B-47C4-B2D0-FA7D35DAFB29}" type="datetimeFigureOut">
               <a:rPr lang="en-IN" smtClean="0"/>
-              <a:t>06-10-2022</a:t>
+              <a:t>07-10-2022</a:t>
             </a:fld>
             <a:endParaRPr lang="en-IN"/>
           </a:p>
@@ -489,7 +490,7 @@
           <a:p>
             <a:fld id="{8B8CBDFF-462B-47C4-B2D0-FA7D35DAFB29}" type="datetimeFigureOut">
               <a:rPr lang="en-IN" smtClean="0"/>
-              <a:t>06-10-2022</a:t>
+              <a:t>07-10-2022</a:t>
             </a:fld>
             <a:endParaRPr lang="en-IN"/>
           </a:p>
@@ -699,7 +700,7 @@
           <a:p>
             <a:fld id="{8B8CBDFF-462B-47C4-B2D0-FA7D35DAFB29}" type="datetimeFigureOut">
               <a:rPr lang="en-IN" smtClean="0"/>
-              <a:t>06-10-2022</a:t>
+              <a:t>07-10-2022</a:t>
             </a:fld>
             <a:endParaRPr lang="en-IN"/>
           </a:p>
@@ -899,7 +900,7 @@
           <a:p>
             <a:fld id="{8B8CBDFF-462B-47C4-B2D0-FA7D35DAFB29}" type="datetimeFigureOut">
               <a:rPr lang="en-IN" smtClean="0"/>
-              <a:t>06-10-2022</a:t>
+              <a:t>07-10-2022</a:t>
             </a:fld>
             <a:endParaRPr lang="en-IN"/>
           </a:p>
@@ -1175,7 +1176,7 @@
           <a:p>
             <a:fld id="{8B8CBDFF-462B-47C4-B2D0-FA7D35DAFB29}" type="datetimeFigureOut">
               <a:rPr lang="en-IN" smtClean="0"/>
-              <a:t>06-10-2022</a:t>
+              <a:t>07-10-2022</a:t>
             </a:fld>
             <a:endParaRPr lang="en-IN"/>
           </a:p>
@@ -1443,7 +1444,7 @@
           <a:p>
             <a:fld id="{8B8CBDFF-462B-47C4-B2D0-FA7D35DAFB29}" type="datetimeFigureOut">
               <a:rPr lang="en-IN" smtClean="0"/>
-              <a:t>06-10-2022</a:t>
+              <a:t>07-10-2022</a:t>
             </a:fld>
             <a:endParaRPr lang="en-IN"/>
           </a:p>
@@ -1858,7 +1859,7 @@
           <a:p>
             <a:fld id="{8B8CBDFF-462B-47C4-B2D0-FA7D35DAFB29}" type="datetimeFigureOut">
               <a:rPr lang="en-IN" smtClean="0"/>
-              <a:t>06-10-2022</a:t>
+              <a:t>07-10-2022</a:t>
             </a:fld>
             <a:endParaRPr lang="en-IN"/>
           </a:p>
@@ -2000,7 +2001,7 @@
           <a:p>
             <a:fld id="{8B8CBDFF-462B-47C4-B2D0-FA7D35DAFB29}" type="datetimeFigureOut">
               <a:rPr lang="en-IN" smtClean="0"/>
-              <a:t>06-10-2022</a:t>
+              <a:t>07-10-2022</a:t>
             </a:fld>
             <a:endParaRPr lang="en-IN"/>
           </a:p>
@@ -2113,7 +2114,7 @@
           <a:p>
             <a:fld id="{8B8CBDFF-462B-47C4-B2D0-FA7D35DAFB29}" type="datetimeFigureOut">
               <a:rPr lang="en-IN" smtClean="0"/>
-              <a:t>06-10-2022</a:t>
+              <a:t>07-10-2022</a:t>
             </a:fld>
             <a:endParaRPr lang="en-IN"/>
           </a:p>
@@ -2426,7 +2427,7 @@
           <a:p>
             <a:fld id="{8B8CBDFF-462B-47C4-B2D0-FA7D35DAFB29}" type="datetimeFigureOut">
               <a:rPr lang="en-IN" smtClean="0"/>
-              <a:t>06-10-2022</a:t>
+              <a:t>07-10-2022</a:t>
             </a:fld>
             <a:endParaRPr lang="en-IN"/>
           </a:p>
@@ -2715,7 +2716,7 @@
           <a:p>
             <a:fld id="{8B8CBDFF-462B-47C4-B2D0-FA7D35DAFB29}" type="datetimeFigureOut">
               <a:rPr lang="en-IN" smtClean="0"/>
-              <a:t>06-10-2022</a:t>
+              <a:t>07-10-2022</a:t>
             </a:fld>
             <a:endParaRPr lang="en-IN"/>
           </a:p>
@@ -2958,7 +2959,7 @@
           <a:p>
             <a:fld id="{8B8CBDFF-462B-47C4-B2D0-FA7D35DAFB29}" type="datetimeFigureOut">
               <a:rPr lang="en-IN" smtClean="0"/>
-              <a:t>06-10-2022</a:t>
+              <a:t>07-10-2022</a:t>
             </a:fld>
             <a:endParaRPr lang="en-IN"/>
           </a:p>
@@ -12286,6 +12287,90 @@
     <p:extLst>
       <p:ext uri="{BB962C8B-B14F-4D97-AF65-F5344CB8AC3E}">
         <p14:creationId xmlns:p14="http://schemas.microsoft.com/office/powerpoint/2010/main" val="4043830537"/>
+      </p:ext>
+    </p:extLst>
+  </p:cSld>
+  <p:clrMapOvr>
+    <a:masterClrMapping/>
+  </p:clrMapOvr>
+</p:sld>
+</file>
+
+<file path=ppt/slides/slide30.xml><?xml version="1.0" encoding="utf-8"?>
+<p:sld xmlns:a="http://schemas.openxmlformats.org/drawingml/2006/main" xmlns:r="http://schemas.openxmlformats.org/officeDocument/2006/relationships" xmlns:p="http://schemas.openxmlformats.org/presentationml/2006/main">
+  <p:cSld>
+    <p:spTree>
+      <p:nvGrpSpPr>
+        <p:cNvPr id="1" name=""/>
+        <p:cNvGrpSpPr/>
+        <p:nvPr/>
+      </p:nvGrpSpPr>
+      <p:grpSpPr>
+        <a:xfrm>
+          <a:off x="0" y="0"/>
+          <a:ext cx="0" cy="0"/>
+          <a:chOff x="0" y="0"/>
+          <a:chExt cx="0" cy="0"/>
+        </a:xfrm>
+      </p:grpSpPr>
+      <p:sp>
+        <p:nvSpPr>
+          <p:cNvPr id="2" name="Title 1">
+            <a:extLst>
+              <a:ext uri="{FF2B5EF4-FFF2-40B4-BE49-F238E27FC236}">
+                <a16:creationId xmlns:a16="http://schemas.microsoft.com/office/drawing/2014/main" id="{A5167A45-3E16-4A41-EB97-C2CB5649B8EA}"/>
+              </a:ext>
+            </a:extLst>
+          </p:cNvPr>
+          <p:cNvSpPr>
+            <a:spLocks noGrp="1"/>
+          </p:cNvSpPr>
+          <p:nvPr>
+            <p:ph type="title"/>
+          </p:nvPr>
+        </p:nvSpPr>
+        <p:spPr/>
+        <p:txBody>
+          <a:bodyPr/>
+          <a:lstStyle/>
+          <a:p>
+            <a:endParaRPr lang="en-IN"/>
+          </a:p>
+        </p:txBody>
+      </p:sp>
+      <p:pic>
+        <p:nvPicPr>
+          <p:cNvPr id="5" name="Content Placeholder 4">
+            <a:extLst>
+              <a:ext uri="{FF2B5EF4-FFF2-40B4-BE49-F238E27FC236}">
+                <a16:creationId xmlns:a16="http://schemas.microsoft.com/office/drawing/2014/main" id="{EB960482-3810-C8CF-4654-2E7591348EEA}"/>
+              </a:ext>
+            </a:extLst>
+          </p:cNvPr>
+          <p:cNvPicPr>
+            <a:picLocks noGrp="1" noChangeAspect="1"/>
+          </p:cNvPicPr>
+          <p:nvPr>
+            <p:ph idx="1"/>
+          </p:nvPr>
+        </p:nvPicPr>
+        <p:blipFill>
+          <a:blip r:embed="rId2"/>
+          <a:stretch>
+            <a:fillRect/>
+          </a:stretch>
+        </p:blipFill>
+        <p:spPr>
+          <a:xfrm>
+            <a:off x="3727276" y="1825625"/>
+            <a:ext cx="4737448" cy="4351338"/>
+          </a:xfrm>
+        </p:spPr>
+      </p:pic>
+    </p:spTree>
+    <p:extLst>
+      <p:ext uri="{BB962C8B-B14F-4D97-AF65-F5344CB8AC3E}">
+        <p14:creationId xmlns:p14="http://schemas.microsoft.com/office/powerpoint/2010/main" val="2476910341"/>
       </p:ext>
     </p:extLst>
   </p:cSld>

--- a/Windows Powershell-basics.pptx
+++ b/Windows Powershell-basics.pptx
@@ -34,7 +34,8 @@
     <p:sldId id="292" r:id="rId28"/>
     <p:sldId id="293" r:id="rId29"/>
     <p:sldId id="294" r:id="rId30"/>
-    <p:sldId id="301" r:id="rId31"/>
+    <p:sldId id="302" r:id="rId31"/>
+    <p:sldId id="301" r:id="rId32"/>
   </p:sldIdLst>
   <p:sldSz cx="12192000" cy="6858000"/>
   <p:notesSz cx="6858000" cy="9144000"/>
@@ -12318,6 +12319,86 @@
           <p:cNvPr id="2" name="Title 1">
             <a:extLst>
               <a:ext uri="{FF2B5EF4-FFF2-40B4-BE49-F238E27FC236}">
+                <a16:creationId xmlns:a16="http://schemas.microsoft.com/office/drawing/2014/main" id="{62F0F354-37B6-1C68-9DDE-76D3BD0C20CE}"/>
+              </a:ext>
+            </a:extLst>
+          </p:cNvPr>
+          <p:cNvSpPr>
+            <a:spLocks noGrp="1"/>
+          </p:cNvSpPr>
+          <p:nvPr>
+            <p:ph type="title"/>
+          </p:nvPr>
+        </p:nvSpPr>
+        <p:spPr/>
+        <p:txBody>
+          <a:bodyPr/>
+          <a:lstStyle/>
+          <a:p>
+            <a:endParaRPr lang="en-IN"/>
+          </a:p>
+        </p:txBody>
+      </p:sp>
+      <p:sp>
+        <p:nvSpPr>
+          <p:cNvPr id="3" name="Content Placeholder 2">
+            <a:extLst>
+              <a:ext uri="{FF2B5EF4-FFF2-40B4-BE49-F238E27FC236}">
+                <a16:creationId xmlns:a16="http://schemas.microsoft.com/office/drawing/2014/main" id="{79638E21-05F5-252B-D31C-5168D7E0C4C5}"/>
+              </a:ext>
+            </a:extLst>
+          </p:cNvPr>
+          <p:cNvSpPr>
+            <a:spLocks noGrp="1"/>
+          </p:cNvSpPr>
+          <p:nvPr>
+            <p:ph idx="1"/>
+          </p:nvPr>
+        </p:nvSpPr>
+        <p:spPr/>
+        <p:txBody>
+          <a:bodyPr/>
+          <a:lstStyle/>
+          <a:p>
+            <a:endParaRPr lang="en-IN"/>
+          </a:p>
+        </p:txBody>
+      </p:sp>
+    </p:spTree>
+    <p:extLst>
+      <p:ext uri="{BB962C8B-B14F-4D97-AF65-F5344CB8AC3E}">
+        <p14:creationId xmlns:p14="http://schemas.microsoft.com/office/powerpoint/2010/main" val="2958673195"/>
+      </p:ext>
+    </p:extLst>
+  </p:cSld>
+  <p:clrMapOvr>
+    <a:masterClrMapping/>
+  </p:clrMapOvr>
+</p:sld>
+</file>
+
+<file path=ppt/slides/slide31.xml><?xml version="1.0" encoding="utf-8"?>
+<p:sld xmlns:a="http://schemas.openxmlformats.org/drawingml/2006/main" xmlns:r="http://schemas.openxmlformats.org/officeDocument/2006/relationships" xmlns:p="http://schemas.openxmlformats.org/presentationml/2006/main">
+  <p:cSld>
+    <p:spTree>
+      <p:nvGrpSpPr>
+        <p:cNvPr id="1" name=""/>
+        <p:cNvGrpSpPr/>
+        <p:nvPr/>
+      </p:nvGrpSpPr>
+      <p:grpSpPr>
+        <a:xfrm>
+          <a:off x="0" y="0"/>
+          <a:ext cx="0" cy="0"/>
+          <a:chOff x="0" y="0"/>
+          <a:chExt cx="0" cy="0"/>
+        </a:xfrm>
+      </p:grpSpPr>
+      <p:sp>
+        <p:nvSpPr>
+          <p:cNvPr id="2" name="Title 1">
+            <a:extLst>
+              <a:ext uri="{FF2B5EF4-FFF2-40B4-BE49-F238E27FC236}">
                 <a16:creationId xmlns:a16="http://schemas.microsoft.com/office/drawing/2014/main" id="{A5167A45-3E16-4A41-EB97-C2CB5649B8EA}"/>
               </a:ext>
             </a:extLst>
@@ -12338,35 +12419,31 @@
           </a:p>
         </p:txBody>
       </p:sp>
-      <p:pic>
-        <p:nvPicPr>
-          <p:cNvPr id="5" name="Content Placeholder 4">
+      <p:sp>
+        <p:nvSpPr>
+          <p:cNvPr id="4" name="Content Placeholder 3">
             <a:extLst>
               <a:ext uri="{FF2B5EF4-FFF2-40B4-BE49-F238E27FC236}">
-                <a16:creationId xmlns:a16="http://schemas.microsoft.com/office/drawing/2014/main" id="{EB960482-3810-C8CF-4654-2E7591348EEA}"/>
+                <a16:creationId xmlns:a16="http://schemas.microsoft.com/office/drawing/2014/main" id="{2C919C01-D464-1C5A-CC42-1212C8AE36BE}"/>
               </a:ext>
             </a:extLst>
           </p:cNvPr>
-          <p:cNvPicPr>
-            <a:picLocks noGrp="1" noChangeAspect="1"/>
-          </p:cNvPicPr>
+          <p:cNvSpPr>
+            <a:spLocks noGrp="1"/>
+          </p:cNvSpPr>
           <p:nvPr>
             <p:ph idx="1"/>
           </p:nvPr>
-        </p:nvPicPr>
-        <p:blipFill>
-          <a:blip r:embed="rId2"/>
-          <a:stretch>
-            <a:fillRect/>
-          </a:stretch>
-        </p:blipFill>
-        <p:spPr>
-          <a:xfrm>
-            <a:off x="3727276" y="1825625"/>
-            <a:ext cx="4737448" cy="4351338"/>
-          </a:xfrm>
-        </p:spPr>
-      </p:pic>
+        </p:nvSpPr>
+        <p:spPr/>
+        <p:txBody>
+          <a:bodyPr/>
+          <a:lstStyle/>
+          <a:p>
+            <a:endParaRPr lang="en-IN"/>
+          </a:p>
+        </p:txBody>
+      </p:sp>
     </p:spTree>
     <p:extLst>
       <p:ext uri="{BB962C8B-B14F-4D97-AF65-F5344CB8AC3E}">
